--- a/thoh/presentations/20170426.pptx
+++ b/thoh/presentations/20170426.pptx
@@ -8,16 +8,31 @@
     <p:sldId id="256" r:id="rId2"/>
     <p:sldId id="257" r:id="rId3"/>
     <p:sldId id="258" r:id="rId4"/>
-    <p:sldId id="259" r:id="rId5"/>
-    <p:sldId id="260" r:id="rId6"/>
-    <p:sldId id="261" r:id="rId7"/>
-    <p:sldId id="262" r:id="rId8"/>
-    <p:sldId id="263" r:id="rId9"/>
-    <p:sldId id="264" r:id="rId10"/>
-    <p:sldId id="265" r:id="rId11"/>
-    <p:sldId id="268" r:id="rId12"/>
-    <p:sldId id="266" r:id="rId13"/>
-    <p:sldId id="267" r:id="rId14"/>
+    <p:sldId id="272" r:id="rId5"/>
+    <p:sldId id="259" r:id="rId6"/>
+    <p:sldId id="269" r:id="rId7"/>
+    <p:sldId id="270" r:id="rId8"/>
+    <p:sldId id="271" r:id="rId9"/>
+    <p:sldId id="261" r:id="rId10"/>
+    <p:sldId id="273" r:id="rId11"/>
+    <p:sldId id="274" r:id="rId12"/>
+    <p:sldId id="262" r:id="rId13"/>
+    <p:sldId id="263" r:id="rId14"/>
+    <p:sldId id="275" r:id="rId15"/>
+    <p:sldId id="276" r:id="rId16"/>
+    <p:sldId id="277" r:id="rId17"/>
+    <p:sldId id="278" r:id="rId18"/>
+    <p:sldId id="279" r:id="rId19"/>
+    <p:sldId id="280" r:id="rId20"/>
+    <p:sldId id="281" r:id="rId21"/>
+    <p:sldId id="264" r:id="rId22"/>
+    <p:sldId id="265" r:id="rId23"/>
+    <p:sldId id="282" r:id="rId24"/>
+    <p:sldId id="283" r:id="rId25"/>
+    <p:sldId id="284" r:id="rId26"/>
+    <p:sldId id="268" r:id="rId27"/>
+    <p:sldId id="266" r:id="rId28"/>
+    <p:sldId id="267" r:id="rId29"/>
   </p:sldIdLst>
   <p:sldSz cx="12192000" cy="6858000"/>
   <p:notesSz cx="6858000" cy="9144000"/>
@@ -116,6 +131,11 @@
       </a:defRPr>
     </a:lvl9pPr>
   </p:defaultTextStyle>
+  <p:extLst>
+    <p:ext uri="{EFAFB233-063F-42B5-8137-9DF3F51BA10A}">
+      <p15:sldGuideLst xmlns:p15="http://schemas.microsoft.com/office/powerpoint/2012/main"/>
+    </p:ext>
+  </p:extLst>
 </p:presentation>
 </file>
 
@@ -622,7 +642,7 @@
             <a:fld id="{B61BEF0D-F0BB-DE4B-95CE-6DB70DBA9567}" type="datetimeFigureOut">
               <a:rPr lang="en-US" dirty="0"/>
               <a:pPr/>
-              <a:t>4/25/17</a:t>
+              <a:t>5/2/17</a:t>
             </a:fld>
             <a:endParaRPr lang="en-US" dirty="0"/>
           </a:p>
@@ -915,7 +935,7 @@
             <a:fld id="{B61BEF0D-F0BB-DE4B-95CE-6DB70DBA9567}" type="datetimeFigureOut">
               <a:rPr lang="en-US" dirty="0"/>
               <a:pPr/>
-              <a:t>4/25/17</a:t>
+              <a:t>5/2/17</a:t>
             </a:fld>
             <a:endParaRPr lang="en-US" dirty="0"/>
           </a:p>
@@ -1160,7 +1180,7 @@
             <a:fld id="{B61BEF0D-F0BB-DE4B-95CE-6DB70DBA9567}" type="datetimeFigureOut">
               <a:rPr lang="en-US" dirty="0"/>
               <a:pPr/>
-              <a:t>4/25/17</a:t>
+              <a:t>5/2/17</a:t>
             </a:fld>
             <a:endParaRPr lang="en-US" dirty="0"/>
           </a:p>
@@ -1697,7 +1717,7 @@
             <a:fld id="{B61BEF0D-F0BB-DE4B-95CE-6DB70DBA9567}" type="datetimeFigureOut">
               <a:rPr lang="en-US" dirty="0"/>
               <a:pPr/>
-              <a:t>4/25/17</a:t>
+              <a:t>5/2/17</a:t>
             </a:fld>
             <a:endParaRPr lang="en-US" dirty="0"/>
           </a:p>
@@ -1942,7 +1962,7 @@
             <a:fld id="{B61BEF0D-F0BB-DE4B-95CE-6DB70DBA9567}" type="datetimeFigureOut">
               <a:rPr lang="en-US" dirty="0"/>
               <a:pPr/>
-              <a:t>4/25/17</a:t>
+              <a:t>5/2/17</a:t>
             </a:fld>
             <a:endParaRPr lang="en-US" dirty="0"/>
           </a:p>
@@ -2471,7 +2491,7 @@
             <a:fld id="{B61BEF0D-F0BB-DE4B-95CE-6DB70DBA9567}" type="datetimeFigureOut">
               <a:rPr lang="en-US" dirty="0"/>
               <a:pPr/>
-              <a:t>4/25/17</a:t>
+              <a:t>5/2/17</a:t>
             </a:fld>
             <a:endParaRPr lang="en-US" dirty="0"/>
           </a:p>
@@ -2765,7 +2785,7 @@
             <a:fld id="{B61BEF0D-F0BB-DE4B-95CE-6DB70DBA9567}" type="datetimeFigureOut">
               <a:rPr lang="en-US" dirty="0"/>
               <a:pPr/>
-              <a:t>4/25/17</a:t>
+              <a:t>5/2/17</a:t>
             </a:fld>
             <a:endParaRPr lang="en-US" dirty="0"/>
           </a:p>
@@ -2936,7 +2956,7 @@
             <a:fld id="{B61BEF0D-F0BB-DE4B-95CE-6DB70DBA9567}" type="datetimeFigureOut">
               <a:rPr lang="en-US" dirty="0"/>
               <a:pPr/>
-              <a:t>4/25/17</a:t>
+              <a:t>5/2/17</a:t>
             </a:fld>
             <a:endParaRPr lang="en-US" dirty="0"/>
           </a:p>
@@ -3113,7 +3133,7 @@
             <a:fld id="{B61BEF0D-F0BB-DE4B-95CE-6DB70DBA9567}" type="datetimeFigureOut">
               <a:rPr lang="en-US" dirty="0"/>
               <a:pPr/>
-              <a:t>4/25/17</a:t>
+              <a:t>5/2/17</a:t>
             </a:fld>
             <a:endParaRPr lang="en-US" dirty="0"/>
           </a:p>
@@ -3280,7 +3300,7 @@
             <a:fld id="{B61BEF0D-F0BB-DE4B-95CE-6DB70DBA9567}" type="datetimeFigureOut">
               <a:rPr lang="en-US" dirty="0"/>
               <a:pPr/>
-              <a:t>4/25/17</a:t>
+              <a:t>5/2/17</a:t>
             </a:fld>
             <a:endParaRPr lang="en-US" dirty="0"/>
           </a:p>
@@ -3528,7 +3548,7 @@
             <a:fld id="{B61BEF0D-F0BB-DE4B-95CE-6DB70DBA9567}" type="datetimeFigureOut">
               <a:rPr lang="en-US" dirty="0"/>
               <a:pPr/>
-              <a:t>4/25/17</a:t>
+              <a:t>5/2/17</a:t>
             </a:fld>
             <a:endParaRPr lang="en-US" dirty="0"/>
           </a:p>
@@ -3822,7 +3842,7 @@
             <a:fld id="{B61BEF0D-F0BB-DE4B-95CE-6DB70DBA9567}" type="datetimeFigureOut">
               <a:rPr lang="en-US" dirty="0"/>
               <a:pPr/>
-              <a:t>4/25/17</a:t>
+              <a:t>5/2/17</a:t>
             </a:fld>
             <a:endParaRPr lang="en-US" dirty="0"/>
           </a:p>
@@ -4261,7 +4281,7 @@
             <a:fld id="{B61BEF0D-F0BB-DE4B-95CE-6DB70DBA9567}" type="datetimeFigureOut">
               <a:rPr lang="en-US" dirty="0"/>
               <a:pPr/>
-              <a:t>4/25/17</a:t>
+              <a:t>5/2/17</a:t>
             </a:fld>
             <a:endParaRPr lang="en-US" dirty="0"/>
           </a:p>
@@ -4376,7 +4396,7 @@
             <a:fld id="{B61BEF0D-F0BB-DE4B-95CE-6DB70DBA9567}" type="datetimeFigureOut">
               <a:rPr lang="en-US" dirty="0"/>
               <a:pPr/>
-              <a:t>4/25/17</a:t>
+              <a:t>5/2/17</a:t>
             </a:fld>
             <a:endParaRPr lang="en-US" dirty="0"/>
           </a:p>
@@ -4468,7 +4488,7 @@
             <a:fld id="{B61BEF0D-F0BB-DE4B-95CE-6DB70DBA9567}" type="datetimeFigureOut">
               <a:rPr lang="en-US" dirty="0"/>
               <a:pPr/>
-              <a:t>4/25/17</a:t>
+              <a:t>5/2/17</a:t>
             </a:fld>
             <a:endParaRPr lang="en-US" dirty="0"/>
           </a:p>
@@ -4748,7 +4768,7 @@
             <a:fld id="{B61BEF0D-F0BB-DE4B-95CE-6DB70DBA9567}" type="datetimeFigureOut">
               <a:rPr lang="en-US" dirty="0"/>
               <a:pPr/>
-              <a:t>4/25/17</a:t>
+              <a:t>5/2/17</a:t>
             </a:fld>
             <a:endParaRPr lang="en-US" dirty="0"/>
           </a:p>
@@ -5036,7 +5056,7 @@
             <a:fld id="{B61BEF0D-F0BB-DE4B-95CE-6DB70DBA9567}" type="datetimeFigureOut">
               <a:rPr lang="en-US" dirty="0"/>
               <a:pPr/>
-              <a:t>4/25/17</a:t>
+              <a:t>5/2/17</a:t>
             </a:fld>
             <a:endParaRPr lang="en-US" dirty="0"/>
           </a:p>
@@ -5563,7 +5583,7 @@
             <a:fld id="{B61BEF0D-F0BB-DE4B-95CE-6DB70DBA9567}" type="datetimeFigureOut">
               <a:rPr lang="en-US" dirty="0"/>
               <a:pPr/>
-              <a:t>4/25/17</a:t>
+              <a:t>5/2/17</a:t>
             </a:fld>
             <a:endParaRPr lang="en-US" dirty="0"/>
           </a:p>
@@ -6179,7 +6199,7 @@
           <a:p>
             <a:r>
               <a:rPr kumimoji="1" lang="en-US" altLang="zh-CN" dirty="0"/>
-              <a:t>One simple evaluation function to determine what is optimal (at time factor)</a:t>
+              <a:t>Two kinds of approaches to generate data aggregation cube</a:t>
             </a:r>
             <a:endParaRPr kumimoji="1" lang="zh-CN" altLang="en-US" dirty="0"/>
           </a:p>
@@ -6195,33 +6215,525 @@
             <p:ph idx="1"/>
           </p:nvPr>
         </p:nvSpPr>
-        <p:spPr/>
-        <p:txBody>
-          <a:bodyPr anchor="t"/>
-          <a:lstStyle/>
-          <a:p>
-            <a:r>
-              <a:rPr kumimoji="1" lang="en-US" altLang="zh-CN" dirty="0" smtClean="0"/>
-              <a:t>(An approach and its proof on draft)</a:t>
-            </a:r>
-          </a:p>
-          <a:p>
-            <a:r>
-              <a:rPr kumimoji="1" lang="en-US" altLang="zh-CN" dirty="0" smtClean="0"/>
-              <a:t>Greedy approach: we always choose the maximum dimension </a:t>
-            </a:r>
-            <a:r>
-              <a:rPr kumimoji="1" lang="en-US" altLang="zh-CN" smtClean="0"/>
-              <a:t>to aggregate</a:t>
-            </a:r>
-            <a:endParaRPr kumimoji="1" lang="zh-CN" altLang="en-US" dirty="0"/>
+        <p:spPr>
+          <a:xfrm>
+            <a:off x="1484310" y="2666998"/>
+            <a:ext cx="10018713" cy="4191001"/>
+          </a:xfrm>
+        </p:spPr>
+        <p:txBody>
+          <a:bodyPr anchor="t">
+            <a:normAutofit fontScale="47500" lnSpcReduction="20000"/>
+          </a:bodyPr>
+          <a:lstStyle/>
+          <a:p>
+            <a:r>
+              <a:rPr lang="zh-CN" altLang="zh-CN" dirty="0"/>
+              <a:t>在这个算法前提下，可以决定这个</a:t>
+            </a:r>
+            <a:r>
+              <a:rPr lang="en-US" altLang="zh-CN" dirty="0"/>
+              <a:t>dataset</a:t>
+            </a:r>
+            <a:r>
+              <a:rPr lang="zh-CN" altLang="zh-CN" dirty="0"/>
+              <a:t>需要划分为多少个</a:t>
+            </a:r>
+            <a:r>
+              <a:rPr lang="en-US" altLang="zh-CN" dirty="0"/>
+              <a:t>kernel</a:t>
+            </a:r>
+            <a:r>
+              <a:rPr lang="zh-CN" altLang="zh-CN" dirty="0"/>
+              <a:t>来执行，假定为</a:t>
+            </a:r>
+            <a:r>
+              <a:rPr lang="en-US" altLang="zh-CN" dirty="0"/>
+              <a:t>k0 &gt;= k</a:t>
+            </a:r>
+            <a:r>
+              <a:rPr lang="zh-CN" altLang="zh-CN" dirty="0"/>
+              <a:t> </a:t>
+            </a:r>
+            <a:endParaRPr lang="en-US" altLang="zh-CN" dirty="0" smtClean="0"/>
+          </a:p>
+          <a:p>
+            <a:r>
+              <a:rPr lang="en-US" altLang="zh-CN" dirty="0" smtClean="0"/>
+              <a:t>0</a:t>
+            </a:r>
+            <a:r>
+              <a:rPr lang="en-US" altLang="zh-CN" dirty="0"/>
+              <a:t>.</a:t>
+            </a:r>
+            <a:r>
+              <a:rPr lang="zh-CN" altLang="zh-CN" dirty="0"/>
+              <a:t>根据调度方案生成</a:t>
+            </a:r>
+            <a:r>
+              <a:rPr lang="en-US" altLang="zh-CN" dirty="0"/>
+              <a:t>kernel</a:t>
+            </a:r>
+            <a:endParaRPr lang="zh-CN" altLang="zh-CN" dirty="0"/>
+          </a:p>
+          <a:p>
+            <a:r>
+              <a:rPr lang="zh-CN" altLang="zh-CN" dirty="0"/>
+              <a:t>这一步需要消耗的时间：</a:t>
+            </a:r>
+            <a:r>
+              <a:rPr lang="en-US" altLang="zh-CN" dirty="0"/>
+              <a:t>C</a:t>
+            </a:r>
+            <a:r>
+              <a:rPr lang="zh-CN" altLang="zh-CN" dirty="0"/>
+              <a:t>（一个系统相关的值） </a:t>
+            </a:r>
+            <a:r>
+              <a:rPr lang="en-US" altLang="zh-CN" dirty="0"/>
+              <a:t>+ </a:t>
+            </a:r>
+            <a:r>
+              <a:rPr lang="en-US" altLang="zh-CN" dirty="0" err="1" smtClean="0"/>
+              <a:t>t_copy</a:t>
+            </a:r>
+            <a:r>
+              <a:rPr lang="en-US" altLang="zh-CN" dirty="0" smtClean="0"/>
+              <a:t> </a:t>
+            </a:r>
+            <a:r>
+              <a:rPr lang="en-US" altLang="zh-CN" dirty="0"/>
+              <a:t>* </a:t>
+            </a:r>
+            <a:r>
+              <a:rPr lang="el-GR" altLang="zh-CN" dirty="0"/>
+              <a:t>Π</a:t>
+            </a:r>
+            <a:r>
+              <a:rPr lang="en-US" altLang="zh-CN" dirty="0"/>
+              <a:t>di * k0</a:t>
+            </a:r>
+            <a:r>
+              <a:rPr lang="zh-CN" altLang="zh-CN" dirty="0"/>
+              <a:t>（将空白数据聚合立方体空间拷贝给</a:t>
+            </a:r>
+            <a:r>
+              <a:rPr lang="en-US" altLang="zh-CN" dirty="0"/>
+              <a:t>kernel</a:t>
+            </a:r>
+            <a:r>
+              <a:rPr lang="zh-CN" altLang="zh-CN" dirty="0"/>
+              <a:t>）</a:t>
+            </a:r>
+          </a:p>
+          <a:p>
+            <a:r>
+              <a:rPr lang="zh-CN" altLang="zh-CN" dirty="0"/>
+              <a:t>这一步中存在的最大空间占用：</a:t>
+            </a:r>
+            <a:r>
+              <a:rPr lang="en-US" altLang="zh-CN" dirty="0"/>
+              <a:t>d</a:t>
+            </a:r>
+            <a:r>
+              <a:rPr lang="zh-CN" altLang="zh-CN" dirty="0"/>
+              <a:t>（数据集的大小）</a:t>
+            </a:r>
+            <a:r>
+              <a:rPr lang="en-US" altLang="zh-CN" dirty="0"/>
+              <a:t> + </a:t>
+            </a:r>
+            <a:r>
+              <a:rPr lang="el-GR" altLang="zh-CN" dirty="0"/>
+              <a:t>Π</a:t>
+            </a:r>
+            <a:r>
+              <a:rPr lang="en-US" altLang="zh-CN" dirty="0"/>
+              <a:t>di * s * (k0 + 1)</a:t>
+            </a:r>
+            <a:r>
+              <a:rPr lang="zh-CN" altLang="zh-CN" dirty="0"/>
+              <a:t>（数据聚合立方体的空间）</a:t>
+            </a:r>
+          </a:p>
+          <a:p>
+            <a:r>
+              <a:rPr lang="en-US" altLang="zh-CN" dirty="0"/>
+              <a:t>1.</a:t>
+            </a:r>
+            <a:r>
+              <a:rPr lang="zh-CN" altLang="zh-CN" dirty="0"/>
+              <a:t>如果仍存在待处理的</a:t>
+            </a:r>
+            <a:r>
+              <a:rPr lang="en-US" altLang="zh-CN" dirty="0"/>
+              <a:t>kernel</a:t>
+            </a:r>
+            <a:r>
+              <a:rPr lang="zh-CN" altLang="zh-CN" dirty="0"/>
+              <a:t>，转</a:t>
+            </a:r>
+            <a:r>
+              <a:rPr lang="en-US" altLang="zh-CN" dirty="0"/>
+              <a:t>2</a:t>
+            </a:r>
+            <a:r>
+              <a:rPr lang="zh-CN" altLang="zh-CN" dirty="0"/>
+              <a:t>；否则转</a:t>
+            </a:r>
+            <a:r>
+              <a:rPr lang="en-US" altLang="zh-CN" dirty="0"/>
+              <a:t>4</a:t>
+            </a:r>
+            <a:endParaRPr lang="zh-CN" altLang="zh-CN" dirty="0"/>
+          </a:p>
+          <a:p>
+            <a:r>
+              <a:rPr lang="en-US" altLang="zh-CN" dirty="0"/>
+              <a:t>2.</a:t>
+            </a:r>
+            <a:r>
+              <a:rPr lang="zh-CN" altLang="zh-CN" dirty="0"/>
+              <a:t>对于每一个正在并行处理的</a:t>
+            </a:r>
+            <a:r>
+              <a:rPr lang="en-US" altLang="zh-CN" dirty="0"/>
+              <a:t>kernel</a:t>
+            </a:r>
+            <a:r>
+              <a:rPr lang="zh-CN" altLang="zh-CN" dirty="0"/>
+              <a:t>，需要完成以下操作</a:t>
+            </a:r>
+          </a:p>
+          <a:p>
+            <a:r>
+              <a:rPr lang="en-US" altLang="zh-CN" dirty="0"/>
+              <a:t>	2.1.</a:t>
+            </a:r>
+            <a:r>
+              <a:rPr lang="zh-CN" altLang="zh-CN" dirty="0"/>
+              <a:t>完成一个</a:t>
+            </a:r>
+            <a:r>
+              <a:rPr lang="en-US" altLang="zh-CN" dirty="0"/>
+              <a:t>partition scan</a:t>
+            </a:r>
+            <a:endParaRPr lang="zh-CN" altLang="zh-CN" dirty="0"/>
+          </a:p>
+          <a:p>
+            <a:r>
+              <a:rPr lang="en-US" altLang="zh-CN" dirty="0"/>
+              <a:t>	2.2.</a:t>
+            </a:r>
+            <a:r>
+              <a:rPr lang="zh-CN" altLang="zh-CN" dirty="0"/>
+              <a:t>以扫描的结果生成对应的</a:t>
+            </a:r>
+            <a:r>
+              <a:rPr lang="en-US" altLang="zh-CN" dirty="0"/>
+              <a:t>cells</a:t>
+            </a:r>
+            <a:r>
+              <a:rPr lang="zh-CN" altLang="zh-CN" dirty="0"/>
+              <a:t>（通过直接修改</a:t>
+            </a:r>
+            <a:r>
+              <a:rPr lang="en-US" altLang="zh-CN" dirty="0"/>
+              <a:t>shared memory</a:t>
+            </a:r>
+            <a:r>
+              <a:rPr lang="zh-CN" altLang="zh-CN" dirty="0"/>
+              <a:t>中的对应</a:t>
+            </a:r>
+            <a:r>
+              <a:rPr lang="en-US" altLang="zh-CN" dirty="0"/>
+              <a:t>cells</a:t>
+            </a:r>
+            <a:r>
+              <a:rPr lang="zh-CN" altLang="zh-CN" dirty="0"/>
+              <a:t>的内存实现）</a:t>
+            </a:r>
+          </a:p>
+          <a:p>
+            <a:r>
+              <a:rPr lang="en-US" altLang="zh-CN" dirty="0"/>
+              <a:t>	</a:t>
+            </a:r>
+            <a:r>
+              <a:rPr lang="zh-CN" altLang="zh-CN" dirty="0"/>
+              <a:t>对于每个</a:t>
+            </a:r>
+            <a:r>
+              <a:rPr lang="en-US" altLang="zh-CN" dirty="0"/>
+              <a:t>kernel</a:t>
+            </a:r>
+            <a:r>
+              <a:rPr lang="zh-CN" altLang="zh-CN" dirty="0"/>
+              <a:t>，运行时间为</a:t>
+            </a:r>
+            <a:r>
+              <a:rPr lang="en-US" altLang="zh-CN" dirty="0" err="1" smtClean="0"/>
+              <a:t>t_scan</a:t>
+            </a:r>
+            <a:r>
+              <a:rPr lang="en-US" altLang="zh-CN" dirty="0" smtClean="0"/>
+              <a:t> </a:t>
+            </a:r>
+            <a:r>
+              <a:rPr lang="en-US" altLang="zh-CN" dirty="0"/>
+              <a:t>/ k0</a:t>
+            </a:r>
+            <a:endParaRPr lang="zh-CN" altLang="zh-CN" dirty="0"/>
+          </a:p>
+          <a:p>
+            <a:r>
+              <a:rPr lang="en-US" altLang="zh-CN" dirty="0"/>
+              <a:t>	</a:t>
+            </a:r>
+            <a:r>
+              <a:rPr lang="zh-CN" altLang="zh-CN" dirty="0"/>
+              <a:t>每个</a:t>
+            </a:r>
+            <a:r>
+              <a:rPr lang="en-US" altLang="zh-CN" dirty="0"/>
+              <a:t>kernel</a:t>
+            </a:r>
+            <a:r>
+              <a:rPr lang="zh-CN" altLang="zh-CN" dirty="0"/>
+              <a:t>占用了一个大小为</a:t>
+            </a:r>
+            <a:r>
+              <a:rPr lang="el-GR" altLang="zh-CN" dirty="0"/>
+              <a:t>Π</a:t>
+            </a:r>
+            <a:r>
+              <a:rPr lang="en-US" altLang="zh-CN" dirty="0"/>
+              <a:t>di * s</a:t>
+            </a:r>
+            <a:r>
+              <a:rPr lang="zh-CN" altLang="zh-CN" dirty="0"/>
+              <a:t>的</a:t>
+            </a:r>
+            <a:r>
+              <a:rPr lang="en-US" altLang="zh-CN" dirty="0"/>
+              <a:t>shared memory</a:t>
+            </a:r>
+            <a:r>
+              <a:rPr lang="zh-CN" altLang="zh-CN" dirty="0"/>
+              <a:t>区域，以及共用的</a:t>
+            </a:r>
+            <a:r>
+              <a:rPr lang="en-US" altLang="zh-CN" dirty="0"/>
+              <a:t>dataset</a:t>
+            </a:r>
+            <a:r>
+              <a:rPr lang="zh-CN" altLang="zh-CN" dirty="0"/>
+              <a:t>，以及主存中等待写回的</a:t>
+            </a:r>
+            <a:r>
+              <a:rPr lang="en-US" altLang="zh-CN" dirty="0"/>
+              <a:t>k0</a:t>
+            </a:r>
+            <a:r>
+              <a:rPr lang="zh-CN" altLang="zh-CN" dirty="0"/>
+              <a:t>个</a:t>
+            </a:r>
+            <a:r>
+              <a:rPr lang="el-GR" altLang="zh-CN" dirty="0"/>
+              <a:t>Π</a:t>
+            </a:r>
+            <a:r>
+              <a:rPr lang="en-US" altLang="zh-CN" dirty="0"/>
+              <a:t>di * s</a:t>
+            </a:r>
+            <a:r>
+              <a:rPr lang="zh-CN" altLang="zh-CN" dirty="0"/>
+              <a:t>内存区域</a:t>
+            </a:r>
+          </a:p>
+          <a:p>
+            <a:r>
+              <a:rPr lang="en-US" altLang="zh-CN" dirty="0"/>
+              <a:t>3.</a:t>
+            </a:r>
+            <a:r>
+              <a:rPr lang="zh-CN" altLang="zh-CN" dirty="0"/>
+              <a:t>转</a:t>
+            </a:r>
+            <a:r>
+              <a:rPr lang="en-US" altLang="zh-CN" dirty="0"/>
+              <a:t>1</a:t>
+            </a:r>
+            <a:endParaRPr lang="zh-CN" altLang="zh-CN" dirty="0"/>
+          </a:p>
+          <a:p>
+            <a:r>
+              <a:rPr lang="en-US" altLang="zh-CN" dirty="0"/>
+              <a:t>4.</a:t>
+            </a:r>
+            <a:r>
+              <a:rPr lang="zh-CN" altLang="zh-CN" dirty="0"/>
+              <a:t>将并行模型中的计算结果（生成完毕的数据聚合立方体）由并行模型中拷贝到主存</a:t>
+            </a:r>
+          </a:p>
+          <a:p>
+            <a:r>
+              <a:rPr lang="zh-CN" altLang="zh-CN" dirty="0"/>
+              <a:t>这一步需要消耗的时间：</a:t>
+            </a:r>
+            <a:r>
+              <a:rPr lang="en-US" altLang="zh-CN" dirty="0" err="1" smtClean="0"/>
+              <a:t>t_copy</a:t>
+            </a:r>
+            <a:r>
+              <a:rPr lang="en-US" altLang="zh-CN" dirty="0" smtClean="0"/>
+              <a:t> </a:t>
+            </a:r>
+            <a:r>
+              <a:rPr lang="en-US" altLang="zh-CN" dirty="0"/>
+              <a:t>* </a:t>
+            </a:r>
+            <a:r>
+              <a:rPr lang="el-GR" altLang="zh-CN" dirty="0"/>
+              <a:t>Π</a:t>
+            </a:r>
+            <a:r>
+              <a:rPr lang="en-US" altLang="zh-CN" dirty="0"/>
+              <a:t>di * k0</a:t>
+            </a:r>
+            <a:r>
+              <a:rPr lang="zh-CN" altLang="zh-CN" dirty="0"/>
+              <a:t>（将生成的数据聚合立方体空间拷贝给主存）</a:t>
+            </a:r>
+          </a:p>
+          <a:p>
+            <a:r>
+              <a:rPr lang="zh-CN" altLang="zh-CN" dirty="0"/>
+              <a:t>这一步存在的最大空间占用：</a:t>
+            </a:r>
+            <a:r>
+              <a:rPr lang="en-US" altLang="zh-CN" dirty="0"/>
+              <a:t>d</a:t>
+            </a:r>
+            <a:r>
+              <a:rPr lang="zh-CN" altLang="zh-CN" dirty="0"/>
+              <a:t>（数据集的大小）</a:t>
+            </a:r>
+            <a:r>
+              <a:rPr lang="en-US" altLang="zh-CN" dirty="0"/>
+              <a:t> + </a:t>
+            </a:r>
+            <a:r>
+              <a:rPr lang="el-GR" altLang="zh-CN" dirty="0"/>
+              <a:t>Π</a:t>
+            </a:r>
+            <a:r>
+              <a:rPr lang="en-US" altLang="zh-CN" dirty="0"/>
+              <a:t>di * s * (k0 + 1)</a:t>
+            </a:r>
+            <a:r>
+              <a:rPr lang="zh-CN" altLang="zh-CN" dirty="0"/>
+              <a:t>（数据聚合立方体的空间）</a:t>
+            </a:r>
+          </a:p>
+          <a:p>
+            <a:r>
+              <a:rPr lang="en-US" altLang="zh-CN" dirty="0"/>
+              <a:t>5.</a:t>
+            </a:r>
+            <a:r>
+              <a:rPr lang="zh-CN" altLang="zh-CN" dirty="0"/>
+              <a:t>聚合</a:t>
+            </a:r>
+            <a:r>
+              <a:rPr lang="en-US" altLang="zh-CN" dirty="0"/>
+              <a:t>part</a:t>
+            </a:r>
+            <a:r>
+              <a:rPr lang="zh-CN" altLang="zh-CN" dirty="0"/>
+              <a:t>立方体：第一个</a:t>
+            </a:r>
+            <a:r>
+              <a:rPr lang="en-US" altLang="zh-CN" dirty="0"/>
+              <a:t>part</a:t>
+            </a:r>
+            <a:r>
+              <a:rPr lang="zh-CN" altLang="zh-CN" dirty="0"/>
+              <a:t>将直接被写入结果数据聚合立方体中，接下来的</a:t>
+            </a:r>
+            <a:r>
+              <a:rPr lang="en-US" altLang="zh-CN" dirty="0"/>
+              <a:t>k0 – 1</a:t>
+            </a:r>
+            <a:r>
+              <a:rPr lang="zh-CN" altLang="zh-CN" dirty="0"/>
+              <a:t>个数据立方体将被聚合进这个结果数据聚合立方体中</a:t>
+            </a:r>
+          </a:p>
+          <a:p>
+            <a:r>
+              <a:rPr lang="en-US" altLang="zh-CN" dirty="0"/>
+              <a:t>	</a:t>
+            </a:r>
+            <a:r>
+              <a:rPr lang="zh-CN" altLang="zh-CN" dirty="0"/>
+              <a:t>这一步需要消耗的时间：</a:t>
+            </a:r>
+            <a:r>
+              <a:rPr lang="en-US" altLang="zh-CN" dirty="0"/>
+              <a:t>(k0 - 1) * </a:t>
+            </a:r>
+            <a:r>
+              <a:rPr lang="en-US" altLang="zh-CN" dirty="0" err="1" smtClean="0"/>
+              <a:t>t_agg</a:t>
+            </a:r>
+            <a:endParaRPr lang="zh-CN" altLang="zh-CN" dirty="0"/>
+          </a:p>
+          <a:p>
+            <a:r>
+              <a:rPr lang="en-US" altLang="zh-CN" dirty="0"/>
+              <a:t>	</a:t>
+            </a:r>
+            <a:r>
+              <a:rPr lang="zh-CN" altLang="zh-CN" dirty="0"/>
+              <a:t>这一步中存在的最大空间占用：</a:t>
+            </a:r>
+            <a:r>
+              <a:rPr lang="en-US" altLang="zh-CN" dirty="0"/>
+              <a:t>d</a:t>
+            </a:r>
+            <a:r>
+              <a:rPr lang="zh-CN" altLang="zh-CN" dirty="0"/>
+              <a:t>（数据集的大小）</a:t>
+            </a:r>
+            <a:r>
+              <a:rPr lang="en-US" altLang="zh-CN" dirty="0"/>
+              <a:t> + </a:t>
+            </a:r>
+            <a:r>
+              <a:rPr lang="el-GR" altLang="zh-CN" dirty="0"/>
+              <a:t>Π</a:t>
+            </a:r>
+            <a:r>
+              <a:rPr lang="en-US" altLang="zh-CN" dirty="0"/>
+              <a:t>di * s * (k0 + 1)</a:t>
+            </a:r>
+            <a:r>
+              <a:rPr lang="zh-CN" altLang="zh-CN" dirty="0"/>
+              <a:t>（数据聚合立方体的空间</a:t>
+            </a:r>
+            <a:r>
+              <a:rPr lang="zh-CN" altLang="zh-CN" dirty="0" smtClean="0"/>
+              <a:t>）</a:t>
+            </a:r>
+            <a:endParaRPr lang="zh-CN" altLang="zh-CN" dirty="0"/>
           </a:p>
         </p:txBody>
       </p:sp>
     </p:spTree>
     <p:extLst>
       <p:ext uri="{BB962C8B-B14F-4D97-AF65-F5344CB8AC3E}">
-        <p14:creationId xmlns:p14="http://schemas.microsoft.com/office/powerpoint/2010/main" val="274631995"/>
+        <p14:creationId xmlns:p14="http://schemas.microsoft.com/office/powerpoint/2010/main" val="853085012"/>
       </p:ext>
     </p:extLst>
   </p:cSld>
@@ -6264,8 +6776,8 @@
           <a:lstStyle/>
           <a:p>
             <a:r>
-              <a:rPr kumimoji="1" lang="en-US" altLang="zh-CN" dirty="0" smtClean="0"/>
-              <a:t>Evaluation</a:t>
+              <a:rPr kumimoji="1" lang="en-US" altLang="zh-CN" dirty="0"/>
+              <a:t>Two kinds of approaches to generate data aggregation cube</a:t>
             </a:r>
             <a:endParaRPr kumimoji="1" lang="zh-CN" altLang="en-US" dirty="0"/>
           </a:p>
@@ -6281,72 +6793,85 @@
             <p:ph idx="1"/>
           </p:nvPr>
         </p:nvSpPr>
-        <p:spPr/>
-        <p:txBody>
-          <a:bodyPr anchor="t"/>
-          <a:lstStyle/>
-          <a:p>
-            <a:r>
-              <a:rPr kumimoji="1" lang="en-US" altLang="zh-CN" dirty="0" smtClean="0"/>
-              <a:t>Some observations:</a:t>
-            </a:r>
-          </a:p>
-          <a:p>
-            <a:r>
-              <a:rPr kumimoji="1" lang="en-US" altLang="zh-CN" dirty="0" smtClean="0"/>
-              <a:t>Dataset at size 2*10^8, </a:t>
-            </a:r>
-            <a:r>
-              <a:rPr kumimoji="1" lang="en-US" altLang="zh-CN" dirty="0" err="1"/>
-              <a:t>Πdi</a:t>
-            </a:r>
-            <a:r>
-              <a:rPr kumimoji="1" lang="en-US" altLang="zh-CN" dirty="0"/>
+        <p:spPr>
+          <a:xfrm>
+            <a:off x="1484310" y="2666998"/>
+            <a:ext cx="10018713" cy="4191001"/>
+          </a:xfrm>
+        </p:spPr>
+        <p:txBody>
+          <a:bodyPr anchor="t">
+            <a:normAutofit/>
+          </a:bodyPr>
+          <a:lstStyle/>
+          <a:p>
+            <a:r>
+              <a:rPr lang="zh-CN" altLang="en-US" dirty="0" smtClean="0"/>
+              <a:t>考察：</a:t>
+            </a:r>
+            <a:r>
+              <a:rPr lang="en-US" altLang="zh-CN" dirty="0" smtClean="0"/>
+              <a:t>k0</a:t>
+            </a:r>
+            <a:r>
+              <a:rPr lang="zh-CN" altLang="zh-CN" dirty="0"/>
+              <a:t>个</a:t>
+            </a:r>
+            <a:r>
+              <a:rPr lang="en-US" altLang="zh-CN" dirty="0"/>
+              <a:t>kernel</a:t>
+            </a:r>
+            <a:r>
+              <a:rPr lang="zh-CN" altLang="zh-CN" dirty="0"/>
+              <a:t>需要执行</a:t>
+            </a:r>
+            <a:r>
+              <a:rPr lang="en-US" altLang="zh-CN" dirty="0"/>
+              <a:t>k0 / k</a:t>
+            </a:r>
+            <a:r>
+              <a:rPr lang="zh-CN" altLang="zh-CN" dirty="0"/>
+              <a:t>轮才能执行完毕，则步骤</a:t>
+            </a:r>
+            <a:r>
+              <a:rPr lang="en-US" altLang="zh-CN" dirty="0"/>
+              <a:t>2</a:t>
+            </a:r>
+            <a:r>
+              <a:rPr lang="zh-CN" altLang="zh-CN" dirty="0"/>
+              <a:t>的总运行时间为</a:t>
+            </a:r>
+            <a:r>
+              <a:rPr lang="en-US" altLang="zh-CN" dirty="0"/>
+              <a:t>t / k0 * k0 / k = t / k</a:t>
+            </a:r>
+            <a:r>
+              <a:rPr lang="zh-CN" altLang="zh-CN" dirty="0"/>
+              <a:t>，而在其余计算式中亦能看到</a:t>
+            </a:r>
+            <a:r>
+              <a:rPr lang="en-US" altLang="zh-CN" dirty="0"/>
+              <a:t>k0</a:t>
+            </a:r>
+            <a:r>
+              <a:rPr lang="zh-CN" altLang="zh-CN" dirty="0"/>
+              <a:t>取值越小越有利于降低各方面的开销，因此可以简单地令</a:t>
+            </a:r>
+            <a:r>
+              <a:rPr lang="en-US" altLang="zh-CN" dirty="0"/>
+              <a:t>k0 = k</a:t>
+            </a:r>
+            <a:r>
+              <a:rPr lang="zh-CN" altLang="zh-CN" dirty="0"/>
               <a:t> </a:t>
             </a:r>
-            <a:r>
-              <a:rPr kumimoji="1" lang="en-US" altLang="zh-CN" dirty="0" smtClean="0"/>
-              <a:t>at 25,000:</a:t>
-            </a:r>
-          </a:p>
-          <a:p>
-            <a:pPr lvl="1"/>
-            <a:r>
-              <a:rPr kumimoji="1" lang="en-US" altLang="zh-CN" dirty="0" smtClean="0"/>
-              <a:t>t &gt;&gt; t’ &gt;&gt; t’’</a:t>
-            </a:r>
-          </a:p>
-          <a:p>
-            <a:pPr lvl="1"/>
-            <a:r>
-              <a:rPr kumimoji="1" lang="en-US" altLang="zh-CN" dirty="0" smtClean="0"/>
-              <a:t>Performance improvement is not so significant when parallel kernel adds.</a:t>
-            </a:r>
-          </a:p>
-          <a:p>
-            <a:pPr lvl="2"/>
-            <a:r>
-              <a:rPr kumimoji="1" lang="en-US" altLang="zh-CN" dirty="0" smtClean="0"/>
-              <a:t>(3.8s at 1 kernel, 1.8s at 4 kernels)</a:t>
-            </a:r>
-            <a:endParaRPr kumimoji="1" lang="en-US" altLang="zh-CN" dirty="0"/>
-          </a:p>
-          <a:p>
-            <a:pPr lvl="1"/>
-            <a:endParaRPr kumimoji="1" lang="en-US" altLang="zh-CN" dirty="0"/>
-          </a:p>
-          <a:p>
-            <a:endParaRPr kumimoji="1" lang="en-US" altLang="zh-CN" dirty="0" smtClean="0"/>
-          </a:p>
-          <a:p>
-            <a:endParaRPr kumimoji="1" lang="en-US" altLang="zh-CN" dirty="0" smtClean="0"/>
           </a:p>
         </p:txBody>
       </p:sp>
     </p:spTree>
     <p:extLst>
       <p:ext uri="{BB962C8B-B14F-4D97-AF65-F5344CB8AC3E}">
-        <p14:creationId xmlns:p14="http://schemas.microsoft.com/office/powerpoint/2010/main" val="2093226638"/>
+        <p14:creationId xmlns:p14="http://schemas.microsoft.com/office/powerpoint/2010/main" val="1132857595"/>
       </p:ext>
     </p:extLst>
   </p:cSld>
@@ -6389,8 +6914,8 @@
           <a:lstStyle/>
           <a:p>
             <a:r>
-              <a:rPr kumimoji="1" lang="en-US" altLang="zh-CN" dirty="0" smtClean="0"/>
-              <a:t>Future work</a:t>
+              <a:rPr kumimoji="1" lang="en-US" altLang="zh-CN" dirty="0"/>
+              <a:t>Two kinds of approaches to generate data aggregation cube</a:t>
             </a:r>
             <a:endParaRPr kumimoji="1" lang="zh-CN" altLang="en-US" dirty="0"/>
           </a:p>
@@ -6406,19 +6931,124 @@
             <p:ph idx="1"/>
           </p:nvPr>
         </p:nvSpPr>
-        <p:spPr/>
-        <p:txBody>
-          <a:bodyPr/>
-          <a:lstStyle/>
-          <a:p>
-            <a:endParaRPr kumimoji="1" lang="zh-CN" altLang="en-US" dirty="0"/>
+        <p:spPr>
+          <a:xfrm>
+            <a:off x="1484310" y="2666999"/>
+            <a:ext cx="10018713" cy="3852554"/>
+          </a:xfrm>
+        </p:spPr>
+        <p:txBody>
+          <a:bodyPr anchor="t">
+            <a:normAutofit/>
+          </a:bodyPr>
+          <a:lstStyle/>
+          <a:p>
+            <a:r>
+              <a:rPr kumimoji="1" lang="en-US" altLang="zh-CN" dirty="0" smtClean="0"/>
+              <a:t>An approach to save time as much as possible: Aggregation from </a:t>
+            </a:r>
+            <a:r>
+              <a:rPr kumimoji="1" lang="en-US" altLang="zh-CN" dirty="0" smtClean="0">
+                <a:solidFill>
+                  <a:srgbClr val="FF0000"/>
+                </a:solidFill>
+              </a:rPr>
+              <a:t>each part of the dataset</a:t>
+            </a:r>
+          </a:p>
+          <a:p>
+            <a:pPr lvl="1"/>
+            <a:r>
+              <a:rPr kumimoji="1" lang="en-US" altLang="zh-CN" dirty="0" smtClean="0"/>
+              <a:t>time consumed: </a:t>
+            </a:r>
+            <a:r>
+              <a:rPr lang="en-US" altLang="zh-CN" dirty="0"/>
+              <a:t>C + </a:t>
+            </a:r>
+            <a:r>
+              <a:rPr lang="en-US" altLang="zh-CN" dirty="0" err="1" smtClean="0"/>
+              <a:t>t_scan</a:t>
+            </a:r>
+            <a:r>
+              <a:rPr lang="en-US" altLang="zh-CN" dirty="0" smtClean="0"/>
+              <a:t> </a:t>
+            </a:r>
+            <a:r>
+              <a:rPr lang="en-US" altLang="zh-CN" dirty="0"/>
+              <a:t>/ k + 2 * </a:t>
+            </a:r>
+            <a:r>
+              <a:rPr lang="en-US" altLang="zh-CN" dirty="0" err="1" smtClean="0"/>
+              <a:t>t_copy</a:t>
+            </a:r>
+            <a:r>
+              <a:rPr lang="en-US" altLang="zh-CN" dirty="0" smtClean="0"/>
+              <a:t> </a:t>
+            </a:r>
+            <a:r>
+              <a:rPr lang="en-US" altLang="zh-CN" dirty="0"/>
+              <a:t>* </a:t>
+            </a:r>
+            <a:r>
+              <a:rPr lang="el-GR" altLang="zh-CN" dirty="0"/>
+              <a:t>Π</a:t>
+            </a:r>
+            <a:r>
+              <a:rPr lang="en-US" altLang="zh-CN" dirty="0"/>
+              <a:t>di * k + (k - 1) * </a:t>
+            </a:r>
+            <a:r>
+              <a:rPr lang="en-US" altLang="zh-CN" dirty="0" err="1" smtClean="0"/>
+              <a:t>t_agg</a:t>
+            </a:r>
+            <a:r>
+              <a:rPr lang="zh-CN" altLang="zh-CN" dirty="0" smtClean="0"/>
+              <a:t> </a:t>
+            </a:r>
+            <a:endParaRPr lang="en-US" altLang="zh-CN" dirty="0" smtClean="0"/>
+          </a:p>
+          <a:p>
+            <a:pPr lvl="1"/>
+            <a:r>
+              <a:rPr kumimoji="1" lang="en-US" altLang="zh-CN" dirty="0" smtClean="0"/>
+              <a:t>max memory occupation: d + s * </a:t>
+            </a:r>
+            <a:r>
+              <a:rPr kumimoji="1" lang="en-US" altLang="zh-CN" dirty="0" smtClean="0">
+                <a:solidFill>
+                  <a:srgbClr val="FF0000"/>
+                </a:solidFill>
+              </a:rPr>
+              <a:t>(k + 1) * </a:t>
+            </a:r>
+            <a:r>
+              <a:rPr kumimoji="1" lang="en-US" altLang="zh-CN" dirty="0" err="1" smtClean="0">
+                <a:solidFill>
+                  <a:srgbClr val="FF0000"/>
+                </a:solidFill>
+              </a:rPr>
+              <a:t>Πdi</a:t>
+            </a:r>
+            <a:endParaRPr kumimoji="1" lang="en-US" altLang="zh-CN" dirty="0" smtClean="0">
+              <a:solidFill>
+                <a:srgbClr val="FF0000"/>
+              </a:solidFill>
+            </a:endParaRPr>
+          </a:p>
+          <a:p>
+            <a:pPr lvl="2"/>
+            <a:r>
+              <a:rPr kumimoji="1" lang="en-US" altLang="zh-CN" dirty="0" smtClean="0"/>
+              <a:t>Sometimes it can be very big (especially when considering GPU memory)</a:t>
+            </a:r>
           </a:p>
         </p:txBody>
       </p:sp>
     </p:spTree>
     <p:extLst>
       <p:ext uri="{BB962C8B-B14F-4D97-AF65-F5344CB8AC3E}">
-        <p14:creationId xmlns:p14="http://schemas.microsoft.com/office/powerpoint/2010/main" val="1102934"/>
+        <p14:creationId xmlns:p14="http://schemas.microsoft.com/office/powerpoint/2010/main" val="120007720"/>
       </p:ext>
     </p:extLst>
   </p:cSld>
@@ -6462,7 +7092,7 @@
           <a:p>
             <a:r>
               <a:rPr kumimoji="1" lang="en-US" altLang="zh-CN" dirty="0" smtClean="0"/>
-              <a:t>THX</a:t>
+              <a:t>Discussion</a:t>
             </a:r>
             <a:endParaRPr kumimoji="1" lang="zh-CN" altLang="en-US" dirty="0"/>
           </a:p>
@@ -6478,19 +7108,1268 @@
             <p:ph idx="1"/>
           </p:nvPr>
         </p:nvSpPr>
-        <p:spPr/>
-        <p:txBody>
-          <a:bodyPr/>
-          <a:lstStyle/>
-          <a:p>
-            <a:endParaRPr kumimoji="1" lang="zh-CN" altLang="en-US"/>
+        <p:spPr>
+          <a:xfrm>
+            <a:off x="1484310" y="2666999"/>
+            <a:ext cx="10018713" cy="4191001"/>
+          </a:xfrm>
+        </p:spPr>
+        <p:txBody>
+          <a:bodyPr anchor="t"/>
+          <a:lstStyle/>
+          <a:p>
+            <a:r>
+              <a:rPr kumimoji="1" lang="en-US" altLang="zh-CN" dirty="0" smtClean="0"/>
+              <a:t>Can we combine two approaches into one?</a:t>
+            </a:r>
+          </a:p>
+          <a:p>
+            <a:r>
+              <a:rPr kumimoji="1" lang="en-US" altLang="zh-CN" dirty="0" smtClean="0"/>
+              <a:t>Use a kernel to generate </a:t>
+            </a:r>
+            <a:r>
+              <a:rPr kumimoji="1" lang="en-US" altLang="zh-CN" dirty="0" smtClean="0">
+                <a:solidFill>
+                  <a:srgbClr val="FF0000"/>
+                </a:solidFill>
+              </a:rPr>
+              <a:t>some cells on a subset of dataset</a:t>
+            </a:r>
+          </a:p>
+          <a:p>
+            <a:r>
+              <a:rPr kumimoji="1" lang="en-US" altLang="zh-CN" dirty="0" smtClean="0"/>
+              <a:t>For example: a kernel scans the 3</a:t>
+            </a:r>
+            <a:r>
+              <a:rPr kumimoji="1" lang="en-US" altLang="zh-CN" baseline="30000" dirty="0" smtClean="0"/>
+              <a:t>rd</a:t>
+            </a:r>
+            <a:r>
+              <a:rPr kumimoji="1" lang="en-US" altLang="zh-CN" dirty="0" smtClean="0"/>
+              <a:t> part dataset (5 parts at total) to generate all the cells that meets format (3, 7, z)</a:t>
+            </a:r>
           </a:p>
         </p:txBody>
       </p:sp>
     </p:spTree>
     <p:extLst>
       <p:ext uri="{BB962C8B-B14F-4D97-AF65-F5344CB8AC3E}">
-        <p14:creationId xmlns:p14="http://schemas.microsoft.com/office/powerpoint/2010/main" val="1269829856"/>
+        <p14:creationId xmlns:p14="http://schemas.microsoft.com/office/powerpoint/2010/main" val="609998903"/>
+      </p:ext>
+    </p:extLst>
+  </p:cSld>
+  <p:clrMapOvr>
+    <a:masterClrMapping/>
+  </p:clrMapOvr>
+</p:sld>
+</file>
+
+<file path=ppt/slides/slide14.xml><?xml version="1.0" encoding="utf-8"?>
+<p:sld xmlns:a="http://schemas.openxmlformats.org/drawingml/2006/main" xmlns:r="http://schemas.openxmlformats.org/officeDocument/2006/relationships" xmlns:p="http://schemas.openxmlformats.org/presentationml/2006/main">
+  <p:cSld>
+    <p:spTree>
+      <p:nvGrpSpPr>
+        <p:cNvPr id="1" name=""/>
+        <p:cNvGrpSpPr/>
+        <p:nvPr/>
+      </p:nvGrpSpPr>
+      <p:grpSpPr>
+        <a:xfrm>
+          <a:off x="0" y="0"/>
+          <a:ext cx="0" cy="0"/>
+          <a:chOff x="0" y="0"/>
+          <a:chExt cx="0" cy="0"/>
+        </a:xfrm>
+      </p:grpSpPr>
+      <p:sp>
+        <p:nvSpPr>
+          <p:cNvPr id="2" name="标题 1"/>
+          <p:cNvSpPr>
+            <a:spLocks noGrp="1"/>
+          </p:cNvSpPr>
+          <p:nvPr>
+            <p:ph type="title"/>
+          </p:nvPr>
+        </p:nvSpPr>
+        <p:spPr/>
+        <p:txBody>
+          <a:bodyPr/>
+          <a:lstStyle/>
+          <a:p>
+            <a:r>
+              <a:rPr kumimoji="1" lang="en-US" altLang="zh-CN" dirty="0" smtClean="0"/>
+              <a:t>Discussion</a:t>
+            </a:r>
+            <a:endParaRPr kumimoji="1" lang="zh-CN" altLang="en-US" dirty="0"/>
+          </a:p>
+        </p:txBody>
+      </p:sp>
+      <p:sp>
+        <p:nvSpPr>
+          <p:cNvPr id="3" name="内容占位符 2"/>
+          <p:cNvSpPr>
+            <a:spLocks noGrp="1"/>
+          </p:cNvSpPr>
+          <p:nvPr>
+            <p:ph idx="1"/>
+          </p:nvPr>
+        </p:nvSpPr>
+        <p:spPr>
+          <a:xfrm>
+            <a:off x="1484310" y="2666999"/>
+            <a:ext cx="10018713" cy="4191001"/>
+          </a:xfrm>
+        </p:spPr>
+        <p:txBody>
+          <a:bodyPr anchor="t"/>
+          <a:lstStyle/>
+          <a:p>
+            <a:r>
+              <a:rPr kumimoji="1" lang="zh-CN" altLang="en-US" dirty="0" smtClean="0"/>
+              <a:t>考察：</a:t>
+            </a:r>
+            <a:endParaRPr kumimoji="1" lang="en-US" altLang="zh-CN" dirty="0" smtClean="0"/>
+          </a:p>
+          <a:p>
+            <a:r>
+              <a:rPr lang="zh-CN" altLang="zh-CN" dirty="0"/>
+              <a:t>内存的占用方式依据</a:t>
+            </a:r>
+            <a:r>
+              <a:rPr lang="en-US" altLang="zh-CN" dirty="0"/>
+              <a:t>kernel</a:t>
+            </a:r>
+            <a:r>
+              <a:rPr lang="zh-CN" altLang="zh-CN" dirty="0"/>
+              <a:t>的具体执行顺序来决定：</a:t>
+            </a:r>
+          </a:p>
+          <a:p>
+            <a:r>
+              <a:rPr lang="zh-CN" altLang="zh-CN" dirty="0"/>
+              <a:t>若优先执行具有相同</a:t>
+            </a:r>
+            <a:r>
+              <a:rPr lang="en-US" altLang="zh-CN" dirty="0"/>
+              <a:t>cells</a:t>
+            </a:r>
+            <a:r>
+              <a:rPr lang="zh-CN" altLang="zh-CN" dirty="0"/>
+              <a:t>划分的那些</a:t>
+            </a:r>
+            <a:r>
+              <a:rPr lang="en-US" altLang="zh-CN" dirty="0"/>
+              <a:t>kernels</a:t>
+            </a:r>
+            <a:r>
+              <a:rPr lang="zh-CN" altLang="zh-CN" dirty="0"/>
+              <a:t>，则同时执行</a:t>
+            </a:r>
+            <a:r>
+              <a:rPr lang="en-US" altLang="zh-CN" dirty="0"/>
+              <a:t>k</a:t>
+            </a:r>
+            <a:r>
+              <a:rPr lang="zh-CN" altLang="zh-CN" dirty="0"/>
+              <a:t>个</a:t>
+            </a:r>
+            <a:r>
+              <a:rPr lang="en-US" altLang="zh-CN" dirty="0"/>
+              <a:t>kernel</a:t>
+            </a:r>
+            <a:r>
+              <a:rPr lang="zh-CN" altLang="zh-CN" dirty="0"/>
+              <a:t>，它们都需求</a:t>
+            </a:r>
+            <a:r>
+              <a:rPr lang="en-US" altLang="zh-CN" dirty="0"/>
+              <a:t>g</a:t>
+            </a:r>
+            <a:r>
+              <a:rPr lang="zh-CN" altLang="zh-CN" dirty="0"/>
+              <a:t>个</a:t>
+            </a:r>
+            <a:r>
+              <a:rPr lang="en-US" altLang="zh-CN" dirty="0"/>
+              <a:t>cell</a:t>
+            </a:r>
+            <a:r>
+              <a:rPr lang="zh-CN" altLang="zh-CN" dirty="0"/>
+              <a:t>的</a:t>
+            </a:r>
+            <a:r>
+              <a:rPr lang="en-US" altLang="zh-CN" dirty="0"/>
+              <a:t>local memory</a:t>
+            </a:r>
+            <a:r>
+              <a:rPr lang="zh-CN" altLang="zh-CN" dirty="0"/>
+              <a:t>空间，则此处需要额外分配给</a:t>
+            </a:r>
+            <a:r>
+              <a:rPr lang="en-US" altLang="zh-CN" dirty="0"/>
+              <a:t>kernel</a:t>
+            </a:r>
+            <a:r>
+              <a:rPr lang="zh-CN" altLang="zh-CN" dirty="0"/>
+              <a:t>的空间为</a:t>
+            </a:r>
+            <a:r>
+              <a:rPr lang="en-US" altLang="zh-CN" dirty="0"/>
+              <a:t>k * g * s</a:t>
+            </a:r>
+            <a:endParaRPr lang="zh-CN" altLang="zh-CN" dirty="0"/>
+          </a:p>
+          <a:p>
+            <a:r>
+              <a:rPr lang="zh-CN" altLang="zh-CN" dirty="0" smtClean="0"/>
+              <a:t>若</a:t>
+            </a:r>
+            <a:r>
+              <a:rPr lang="zh-CN" altLang="zh-CN" dirty="0"/>
+              <a:t>优先执行具有相同</a:t>
+            </a:r>
+            <a:r>
+              <a:rPr lang="en-US" altLang="zh-CN" dirty="0"/>
+              <a:t>part</a:t>
+            </a:r>
+            <a:r>
+              <a:rPr lang="zh-CN" altLang="zh-CN" dirty="0"/>
+              <a:t>的</a:t>
+            </a:r>
+            <a:r>
+              <a:rPr lang="en-US" altLang="zh-CN" dirty="0"/>
+              <a:t>kernel</a:t>
+            </a:r>
+            <a:r>
+              <a:rPr lang="zh-CN" altLang="zh-CN" dirty="0"/>
+              <a:t>，则无所谓执行一次执行多少</a:t>
+            </a:r>
+            <a:r>
+              <a:rPr lang="en-US" altLang="zh-CN" dirty="0"/>
+              <a:t>kernel</a:t>
+            </a:r>
+            <a:r>
+              <a:rPr lang="zh-CN" altLang="zh-CN" dirty="0"/>
+              <a:t>，在所有同一类的</a:t>
+            </a:r>
+            <a:r>
+              <a:rPr lang="en-US" altLang="zh-CN" dirty="0"/>
+              <a:t>kernel</a:t>
+            </a:r>
+            <a:r>
+              <a:rPr lang="zh-CN" altLang="zh-CN" dirty="0"/>
+              <a:t>执行完毕之前，它们共享一个</a:t>
+            </a:r>
+            <a:r>
+              <a:rPr lang="en-US" altLang="zh-CN" dirty="0"/>
+              <a:t>partition data cube</a:t>
+            </a:r>
+            <a:r>
+              <a:rPr lang="zh-CN" altLang="zh-CN" dirty="0"/>
+              <a:t>，它们需要额外分配空间为</a:t>
+            </a:r>
+            <a:r>
+              <a:rPr lang="el-GR" altLang="zh-CN" dirty="0"/>
+              <a:t>Π</a:t>
+            </a:r>
+            <a:r>
+              <a:rPr lang="en-US" altLang="zh-CN" dirty="0"/>
+              <a:t>di * s</a:t>
+            </a:r>
+            <a:r>
+              <a:rPr lang="zh-CN" altLang="zh-CN" dirty="0"/>
+              <a:t> </a:t>
+            </a:r>
+            <a:endParaRPr kumimoji="1" lang="en-US" altLang="zh-CN" dirty="0" smtClean="0"/>
+          </a:p>
+        </p:txBody>
+      </p:sp>
+    </p:spTree>
+    <p:extLst>
+      <p:ext uri="{BB962C8B-B14F-4D97-AF65-F5344CB8AC3E}">
+        <p14:creationId xmlns:p14="http://schemas.microsoft.com/office/powerpoint/2010/main" val="821894309"/>
+      </p:ext>
+    </p:extLst>
+  </p:cSld>
+  <p:clrMapOvr>
+    <a:masterClrMapping/>
+  </p:clrMapOvr>
+</p:sld>
+</file>
+
+<file path=ppt/slides/slide15.xml><?xml version="1.0" encoding="utf-8"?>
+<p:sld xmlns:a="http://schemas.openxmlformats.org/drawingml/2006/main" xmlns:r="http://schemas.openxmlformats.org/officeDocument/2006/relationships" xmlns:p="http://schemas.openxmlformats.org/presentationml/2006/main">
+  <p:cSld>
+    <p:spTree>
+      <p:nvGrpSpPr>
+        <p:cNvPr id="1" name=""/>
+        <p:cNvGrpSpPr/>
+        <p:nvPr/>
+      </p:nvGrpSpPr>
+      <p:grpSpPr>
+        <a:xfrm>
+          <a:off x="0" y="0"/>
+          <a:ext cx="0" cy="0"/>
+          <a:chOff x="0" y="0"/>
+          <a:chExt cx="0" cy="0"/>
+        </a:xfrm>
+      </p:grpSpPr>
+      <p:sp>
+        <p:nvSpPr>
+          <p:cNvPr id="2" name="标题 1"/>
+          <p:cNvSpPr>
+            <a:spLocks noGrp="1"/>
+          </p:cNvSpPr>
+          <p:nvPr>
+            <p:ph type="title"/>
+          </p:nvPr>
+        </p:nvSpPr>
+        <p:spPr/>
+        <p:txBody>
+          <a:bodyPr/>
+          <a:lstStyle/>
+          <a:p>
+            <a:r>
+              <a:rPr kumimoji="1" lang="en-US" altLang="zh-CN" dirty="0" smtClean="0"/>
+              <a:t>Discussion</a:t>
+            </a:r>
+            <a:endParaRPr kumimoji="1" lang="zh-CN" altLang="en-US" dirty="0"/>
+          </a:p>
+        </p:txBody>
+      </p:sp>
+      <p:sp>
+        <p:nvSpPr>
+          <p:cNvPr id="3" name="内容占位符 2"/>
+          <p:cNvSpPr>
+            <a:spLocks noGrp="1"/>
+          </p:cNvSpPr>
+          <p:nvPr>
+            <p:ph idx="1"/>
+          </p:nvPr>
+        </p:nvSpPr>
+        <p:spPr>
+          <a:xfrm>
+            <a:off x="1484310" y="2666999"/>
+            <a:ext cx="10018713" cy="4191001"/>
+          </a:xfrm>
+        </p:spPr>
+        <p:txBody>
+          <a:bodyPr anchor="t"/>
+          <a:lstStyle/>
+          <a:p>
+            <a:r>
+              <a:rPr kumimoji="1" lang="zh-CN" altLang="en-US" dirty="0" smtClean="0"/>
+              <a:t>考察：</a:t>
+            </a:r>
+            <a:endParaRPr kumimoji="1" lang="en-US" altLang="zh-CN" dirty="0" smtClean="0"/>
+          </a:p>
+          <a:p>
+            <a:r>
+              <a:rPr lang="zh-CN" altLang="en-US" dirty="0" smtClean="0"/>
+              <a:t>按照第一种方式进行，则可以发现每“按顺序”生成</a:t>
+            </a:r>
+            <a:r>
+              <a:rPr lang="en-US" altLang="zh-CN" dirty="0" smtClean="0"/>
+              <a:t>g</a:t>
+            </a:r>
+            <a:r>
+              <a:rPr lang="zh-CN" altLang="en-US" dirty="0" smtClean="0"/>
+              <a:t> * </a:t>
+            </a:r>
+            <a:r>
+              <a:rPr lang="en-US" altLang="zh-CN" dirty="0" smtClean="0"/>
+              <a:t>k</a:t>
+            </a:r>
+            <a:r>
+              <a:rPr lang="zh-CN" altLang="en-US" dirty="0" smtClean="0"/>
+              <a:t>个</a:t>
+            </a:r>
+            <a:r>
+              <a:rPr lang="en-US" altLang="zh-CN" dirty="0" smtClean="0"/>
+              <a:t>cell</a:t>
+            </a:r>
+            <a:r>
+              <a:rPr lang="zh-CN" altLang="en-US" dirty="0" smtClean="0"/>
+              <a:t>，就需要一次对外的拷贝，其中反复同步各个内核的时间成本很高</a:t>
+            </a:r>
+            <a:endParaRPr lang="en-US" altLang="zh-CN" dirty="0" smtClean="0"/>
+          </a:p>
+          <a:p>
+            <a:r>
+              <a:rPr kumimoji="1" lang="zh-CN" altLang="en-US" dirty="0" smtClean="0"/>
+              <a:t>按照第二类方式进行，则可以通过每次检查当前批次的</a:t>
+            </a:r>
+            <a:r>
+              <a:rPr kumimoji="1" lang="en-US" altLang="zh-CN" dirty="0" smtClean="0"/>
+              <a:t>kernel</a:t>
+            </a:r>
+            <a:r>
+              <a:rPr kumimoji="1" lang="zh-CN" altLang="en-US" dirty="0" smtClean="0"/>
+              <a:t>所对应的</a:t>
+            </a:r>
+            <a:r>
+              <a:rPr kumimoji="1" lang="en-US" altLang="zh-CN" dirty="0" smtClean="0"/>
+              <a:t>dataset</a:t>
+            </a:r>
+            <a:r>
+              <a:rPr kumimoji="1" lang="zh-CN" altLang="en-US" dirty="0" smtClean="0"/>
+              <a:t> </a:t>
+            </a:r>
+            <a:r>
+              <a:rPr kumimoji="1" lang="en-US" altLang="zh-CN" dirty="0" smtClean="0"/>
+              <a:t>part</a:t>
+            </a:r>
+            <a:r>
+              <a:rPr kumimoji="1" lang="zh-CN" altLang="en-US" dirty="0" smtClean="0"/>
+              <a:t>，直到出现属于不同的</a:t>
+            </a:r>
+            <a:r>
+              <a:rPr kumimoji="1" lang="en-US" altLang="zh-CN" dirty="0" smtClean="0"/>
+              <a:t>part</a:t>
+            </a:r>
+            <a:r>
+              <a:rPr kumimoji="1" lang="zh-CN" altLang="en-US" dirty="0" smtClean="0"/>
+              <a:t>的</a:t>
+            </a:r>
+            <a:r>
+              <a:rPr kumimoji="1" lang="en-US" altLang="zh-CN" dirty="0" smtClean="0"/>
+              <a:t>kernel</a:t>
+            </a:r>
+            <a:r>
+              <a:rPr kumimoji="1" lang="zh-CN" altLang="en-US" dirty="0" smtClean="0"/>
+              <a:t>时：</a:t>
+            </a:r>
+            <a:endParaRPr kumimoji="1" lang="en-US" altLang="zh-CN" dirty="0" smtClean="0"/>
+          </a:p>
+          <a:p>
+            <a:pPr lvl="1"/>
+            <a:r>
+              <a:rPr kumimoji="1" lang="en-US" altLang="zh-CN" dirty="0" smtClean="0"/>
+              <a:t>1</a:t>
+            </a:r>
+            <a:r>
+              <a:rPr kumimoji="1" lang="zh-CN" altLang="en-US" dirty="0" smtClean="0"/>
+              <a:t>、将当前</a:t>
+            </a:r>
+            <a:r>
+              <a:rPr kumimoji="1" lang="en-US" altLang="zh-CN" dirty="0" smtClean="0"/>
+              <a:t>part</a:t>
+            </a:r>
+            <a:r>
+              <a:rPr kumimoji="1" lang="zh-CN" altLang="en-US" dirty="0" smtClean="0"/>
+              <a:t>的</a:t>
+            </a:r>
+            <a:r>
+              <a:rPr kumimoji="1" lang="en-US" altLang="zh-CN" dirty="0" smtClean="0"/>
+              <a:t>aggregation</a:t>
+            </a:r>
+            <a:r>
+              <a:rPr kumimoji="1" lang="zh-CN" altLang="en-US" dirty="0" smtClean="0"/>
+              <a:t>执行完毕后拷贝回主存</a:t>
+            </a:r>
+            <a:endParaRPr kumimoji="1" lang="en-US" altLang="zh-CN" dirty="0" smtClean="0"/>
+          </a:p>
+          <a:p>
+            <a:pPr lvl="1"/>
+            <a:r>
+              <a:rPr kumimoji="1" lang="en-US" altLang="zh-CN" dirty="0" smtClean="0"/>
+              <a:t>2</a:t>
+            </a:r>
+            <a:r>
+              <a:rPr kumimoji="1" lang="zh-CN" altLang="en-US" dirty="0" smtClean="0"/>
+              <a:t>、将新</a:t>
+            </a:r>
+            <a:r>
+              <a:rPr kumimoji="1" lang="en-US" altLang="zh-CN" dirty="0" smtClean="0"/>
+              <a:t>part</a:t>
+            </a:r>
+            <a:r>
+              <a:rPr kumimoji="1" lang="zh-CN" altLang="en-US" dirty="0" smtClean="0"/>
+              <a:t>的</a:t>
+            </a:r>
+            <a:r>
+              <a:rPr kumimoji="1" lang="en-US" altLang="zh-CN" dirty="0" smtClean="0"/>
+              <a:t>kernel</a:t>
+            </a:r>
+            <a:r>
+              <a:rPr kumimoji="1" lang="zh-CN" altLang="en-US" dirty="0" smtClean="0"/>
+              <a:t>的结果写入空闲的</a:t>
+            </a:r>
+            <a:r>
+              <a:rPr kumimoji="1" lang="en-US" altLang="zh-CN" dirty="0" smtClean="0"/>
+              <a:t>device</a:t>
+            </a:r>
+            <a:r>
+              <a:rPr kumimoji="1" lang="zh-CN" altLang="en-US" dirty="0" smtClean="0"/>
+              <a:t> </a:t>
+            </a:r>
+            <a:r>
+              <a:rPr kumimoji="1" lang="en-US" altLang="zh-CN" dirty="0" smtClean="0"/>
+              <a:t>memory</a:t>
+            </a:r>
+          </a:p>
+          <a:p>
+            <a:pPr lvl="1"/>
+            <a:r>
+              <a:rPr kumimoji="1" lang="en-US" altLang="zh-CN" dirty="0" smtClean="0"/>
+              <a:t>3</a:t>
+            </a:r>
+            <a:r>
+              <a:rPr kumimoji="1" lang="zh-CN" altLang="en-US" dirty="0" smtClean="0"/>
+              <a:t>、已经写回的部分的</a:t>
+            </a:r>
+            <a:r>
+              <a:rPr kumimoji="1" lang="en-US" altLang="zh-CN" dirty="0" smtClean="0"/>
+              <a:t>device</a:t>
+            </a:r>
+            <a:r>
+              <a:rPr kumimoji="1" lang="zh-CN" altLang="en-US" dirty="0" smtClean="0"/>
+              <a:t> </a:t>
+            </a:r>
+            <a:r>
+              <a:rPr kumimoji="1" lang="en-US" altLang="zh-CN" dirty="0" smtClean="0"/>
+              <a:t>memory</a:t>
+            </a:r>
+            <a:r>
+              <a:rPr kumimoji="1" lang="zh-CN" altLang="en-US" dirty="0" smtClean="0"/>
+              <a:t>清空，为可能出现的下一个</a:t>
+            </a:r>
+            <a:r>
+              <a:rPr kumimoji="1" lang="en-US" altLang="zh-CN" dirty="0" smtClean="0"/>
+              <a:t>part</a:t>
+            </a:r>
+            <a:r>
+              <a:rPr kumimoji="1" lang="zh-CN" altLang="en-US" dirty="0" smtClean="0"/>
+              <a:t>的</a:t>
+            </a:r>
+            <a:r>
+              <a:rPr kumimoji="1" lang="en-US" altLang="zh-CN" dirty="0" smtClean="0"/>
+              <a:t>kernel</a:t>
+            </a:r>
+            <a:r>
+              <a:rPr kumimoji="1" lang="zh-CN" altLang="en-US" dirty="0" smtClean="0"/>
+              <a:t>的读写做准备</a:t>
+            </a:r>
+            <a:endParaRPr kumimoji="1" lang="en-US" altLang="zh-CN" dirty="0" smtClean="0"/>
+          </a:p>
+        </p:txBody>
+      </p:sp>
+    </p:spTree>
+    <p:extLst>
+      <p:ext uri="{BB962C8B-B14F-4D97-AF65-F5344CB8AC3E}">
+        <p14:creationId xmlns:p14="http://schemas.microsoft.com/office/powerpoint/2010/main" val="1418658271"/>
+      </p:ext>
+    </p:extLst>
+  </p:cSld>
+  <p:clrMapOvr>
+    <a:masterClrMapping/>
+  </p:clrMapOvr>
+</p:sld>
+</file>
+
+<file path=ppt/slides/slide16.xml><?xml version="1.0" encoding="utf-8"?>
+<p:sld xmlns:a="http://schemas.openxmlformats.org/drawingml/2006/main" xmlns:r="http://schemas.openxmlformats.org/officeDocument/2006/relationships" xmlns:p="http://schemas.openxmlformats.org/presentationml/2006/main">
+  <p:cSld>
+    <p:spTree>
+      <p:nvGrpSpPr>
+        <p:cNvPr id="1" name=""/>
+        <p:cNvGrpSpPr/>
+        <p:nvPr/>
+      </p:nvGrpSpPr>
+      <p:grpSpPr>
+        <a:xfrm>
+          <a:off x="0" y="0"/>
+          <a:ext cx="0" cy="0"/>
+          <a:chOff x="0" y="0"/>
+          <a:chExt cx="0" cy="0"/>
+        </a:xfrm>
+      </p:grpSpPr>
+      <p:sp>
+        <p:nvSpPr>
+          <p:cNvPr id="2" name="标题 1"/>
+          <p:cNvSpPr>
+            <a:spLocks noGrp="1"/>
+          </p:cNvSpPr>
+          <p:nvPr>
+            <p:ph type="title"/>
+          </p:nvPr>
+        </p:nvSpPr>
+        <p:spPr/>
+        <p:txBody>
+          <a:bodyPr/>
+          <a:lstStyle/>
+          <a:p>
+            <a:r>
+              <a:rPr kumimoji="1" lang="en-US" altLang="zh-CN" dirty="0" smtClean="0"/>
+              <a:t>Discussion</a:t>
+            </a:r>
+            <a:endParaRPr kumimoji="1" lang="zh-CN" altLang="en-US" dirty="0"/>
+          </a:p>
+        </p:txBody>
+      </p:sp>
+      <p:sp>
+        <p:nvSpPr>
+          <p:cNvPr id="3" name="内容占位符 2"/>
+          <p:cNvSpPr>
+            <a:spLocks noGrp="1"/>
+          </p:cNvSpPr>
+          <p:nvPr>
+            <p:ph idx="1"/>
+          </p:nvPr>
+        </p:nvSpPr>
+        <p:spPr>
+          <a:xfrm>
+            <a:off x="1484310" y="2666999"/>
+            <a:ext cx="10018713" cy="4191001"/>
+          </a:xfrm>
+        </p:spPr>
+        <p:txBody>
+          <a:bodyPr anchor="t"/>
+          <a:lstStyle/>
+          <a:p>
+            <a:r>
+              <a:rPr kumimoji="1" lang="zh-CN" altLang="en-US" dirty="0" smtClean="0"/>
+              <a:t>考察：</a:t>
+            </a:r>
+            <a:endParaRPr kumimoji="1" lang="en-US" altLang="zh-CN" dirty="0" smtClean="0"/>
+          </a:p>
+          <a:p>
+            <a:r>
+              <a:rPr kumimoji="1" lang="zh-CN" altLang="en-US" dirty="0" smtClean="0"/>
+              <a:t>第二种方式下，到底需要多少</a:t>
+            </a:r>
+            <a:r>
+              <a:rPr kumimoji="1" lang="en-US" altLang="zh-CN" dirty="0" smtClean="0"/>
+              <a:t>device</a:t>
+            </a:r>
+            <a:r>
+              <a:rPr kumimoji="1" lang="zh-CN" altLang="en-US" dirty="0" smtClean="0"/>
+              <a:t> </a:t>
+            </a:r>
+            <a:r>
+              <a:rPr kumimoji="1" lang="en-US" altLang="zh-CN" dirty="0" smtClean="0"/>
+              <a:t>memory</a:t>
+            </a:r>
+            <a:r>
+              <a:rPr kumimoji="1" lang="zh-CN" altLang="en-US" dirty="0" smtClean="0"/>
+              <a:t>就可以避免读写冲突</a:t>
+            </a:r>
+            <a:endParaRPr kumimoji="1" lang="en-US" altLang="zh-CN" dirty="0" smtClean="0"/>
+          </a:p>
+          <a:p>
+            <a:r>
+              <a:rPr lang="zh-CN" altLang="zh-CN" dirty="0" smtClean="0"/>
+              <a:t>对</a:t>
+            </a:r>
+            <a:r>
+              <a:rPr lang="en-US" altLang="zh-CN" dirty="0"/>
+              <a:t>k * g / </a:t>
+            </a:r>
+            <a:r>
+              <a:rPr lang="en-US" altLang="zh-CN" dirty="0" err="1"/>
+              <a:t>Πdi</a:t>
+            </a:r>
+            <a:r>
+              <a:rPr lang="en-US" altLang="zh-CN" dirty="0"/>
+              <a:t> </a:t>
+            </a:r>
+            <a:r>
+              <a:rPr lang="zh-CN" altLang="zh-CN" dirty="0"/>
+              <a:t>的上取整再</a:t>
+            </a:r>
+            <a:r>
+              <a:rPr lang="en-US" altLang="zh-CN" dirty="0"/>
+              <a:t>+1</a:t>
+            </a:r>
+            <a:r>
+              <a:rPr lang="zh-CN" altLang="zh-CN" dirty="0"/>
+              <a:t>，可以证明在这个前提下每轮执行都能满足所有</a:t>
+            </a:r>
+            <a:r>
+              <a:rPr lang="en-US" altLang="zh-CN" dirty="0"/>
+              <a:t>kernel</a:t>
+            </a:r>
+            <a:r>
+              <a:rPr lang="zh-CN" altLang="zh-CN" dirty="0"/>
+              <a:t>的独立读写需求 </a:t>
+            </a:r>
+            <a:r>
+              <a:rPr lang="zh-CN" altLang="en-US" dirty="0" smtClean="0"/>
+              <a:t>（抽屉原理）</a:t>
+            </a:r>
+            <a:endParaRPr kumimoji="1" lang="en-US" altLang="zh-CN" dirty="0" smtClean="0"/>
+          </a:p>
+        </p:txBody>
+      </p:sp>
+    </p:spTree>
+    <p:extLst>
+      <p:ext uri="{BB962C8B-B14F-4D97-AF65-F5344CB8AC3E}">
+        <p14:creationId xmlns:p14="http://schemas.microsoft.com/office/powerpoint/2010/main" val="877810766"/>
+      </p:ext>
+    </p:extLst>
+  </p:cSld>
+  <p:clrMapOvr>
+    <a:masterClrMapping/>
+  </p:clrMapOvr>
+</p:sld>
+</file>
+
+<file path=ppt/slides/slide17.xml><?xml version="1.0" encoding="utf-8"?>
+<p:sld xmlns:a="http://schemas.openxmlformats.org/drawingml/2006/main" xmlns:r="http://schemas.openxmlformats.org/officeDocument/2006/relationships" xmlns:p="http://schemas.openxmlformats.org/presentationml/2006/main">
+  <p:cSld>
+    <p:spTree>
+      <p:nvGrpSpPr>
+        <p:cNvPr id="1" name=""/>
+        <p:cNvGrpSpPr/>
+        <p:nvPr/>
+      </p:nvGrpSpPr>
+      <p:grpSpPr>
+        <a:xfrm>
+          <a:off x="0" y="0"/>
+          <a:ext cx="0" cy="0"/>
+          <a:chOff x="0" y="0"/>
+          <a:chExt cx="0" cy="0"/>
+        </a:xfrm>
+      </p:grpSpPr>
+      <p:sp>
+        <p:nvSpPr>
+          <p:cNvPr id="2" name="标题 1"/>
+          <p:cNvSpPr>
+            <a:spLocks noGrp="1"/>
+          </p:cNvSpPr>
+          <p:nvPr>
+            <p:ph type="title"/>
+          </p:nvPr>
+        </p:nvSpPr>
+        <p:spPr/>
+        <p:txBody>
+          <a:bodyPr/>
+          <a:lstStyle/>
+          <a:p>
+            <a:r>
+              <a:rPr kumimoji="1" lang="en-US" altLang="zh-CN" dirty="0" smtClean="0"/>
+              <a:t>Discussion</a:t>
+            </a:r>
+            <a:endParaRPr kumimoji="1" lang="zh-CN" altLang="en-US" dirty="0"/>
+          </a:p>
+        </p:txBody>
+      </p:sp>
+      <p:sp>
+        <p:nvSpPr>
+          <p:cNvPr id="3" name="内容占位符 2"/>
+          <p:cNvSpPr>
+            <a:spLocks noGrp="1"/>
+          </p:cNvSpPr>
+          <p:nvPr>
+            <p:ph idx="1"/>
+          </p:nvPr>
+        </p:nvSpPr>
+        <p:spPr>
+          <a:xfrm>
+            <a:off x="1484310" y="2666999"/>
+            <a:ext cx="10018713" cy="4191001"/>
+          </a:xfrm>
+        </p:spPr>
+        <p:txBody>
+          <a:bodyPr anchor="t"/>
+          <a:lstStyle/>
+          <a:p>
+            <a:r>
+              <a:rPr kumimoji="1" lang="zh-CN" altLang="en-US" dirty="0" smtClean="0"/>
+              <a:t>考察：</a:t>
+            </a:r>
+            <a:endParaRPr kumimoji="1" lang="en-US" altLang="zh-CN" dirty="0" smtClean="0"/>
+          </a:p>
+          <a:p>
+            <a:r>
+              <a:rPr lang="zh-CN" altLang="zh-CN" dirty="0"/>
+              <a:t>在这两种前提下，无论哪种，最终都要经历</a:t>
+            </a:r>
+            <a:r>
+              <a:rPr lang="en-US" altLang="zh-CN" dirty="0"/>
+              <a:t>p – 1</a:t>
+            </a:r>
+            <a:r>
+              <a:rPr lang="zh-CN" altLang="zh-CN" dirty="0"/>
+              <a:t>次全</a:t>
+            </a:r>
+            <a:r>
+              <a:rPr lang="en-US" altLang="zh-CN" dirty="0"/>
+              <a:t>data cube</a:t>
+            </a:r>
+            <a:r>
+              <a:rPr lang="zh-CN" altLang="zh-CN" dirty="0"/>
+              <a:t>上的</a:t>
+            </a:r>
+            <a:r>
+              <a:rPr lang="en-US" altLang="zh-CN" dirty="0"/>
+              <a:t>aggregation</a:t>
+            </a:r>
+            <a:r>
+              <a:rPr lang="zh-CN" altLang="zh-CN" dirty="0"/>
+              <a:t>，以及</a:t>
+            </a:r>
+            <a:r>
+              <a:rPr lang="en-US" altLang="zh-CN" dirty="0"/>
+              <a:t>p</a:t>
+            </a:r>
+            <a:r>
+              <a:rPr lang="zh-CN" altLang="zh-CN" dirty="0"/>
+              <a:t>次全</a:t>
+            </a:r>
+            <a:r>
+              <a:rPr lang="en-US" altLang="zh-CN" dirty="0"/>
+              <a:t>data cube</a:t>
+            </a:r>
+            <a:r>
+              <a:rPr lang="zh-CN" altLang="zh-CN" dirty="0"/>
+              <a:t>的拷贝（入与出），因此可以认为运行时间是相同</a:t>
+            </a:r>
+            <a:r>
+              <a:rPr lang="zh-CN" altLang="zh-CN" dirty="0" smtClean="0"/>
+              <a:t>的</a:t>
+            </a:r>
+            <a:endParaRPr kumimoji="1" lang="en-US" altLang="zh-CN" dirty="0" smtClean="0"/>
+          </a:p>
+        </p:txBody>
+      </p:sp>
+    </p:spTree>
+    <p:extLst>
+      <p:ext uri="{BB962C8B-B14F-4D97-AF65-F5344CB8AC3E}">
+        <p14:creationId xmlns:p14="http://schemas.microsoft.com/office/powerpoint/2010/main" val="2077888081"/>
+      </p:ext>
+    </p:extLst>
+  </p:cSld>
+  <p:clrMapOvr>
+    <a:masterClrMapping/>
+  </p:clrMapOvr>
+</p:sld>
+</file>
+
+<file path=ppt/slides/slide18.xml><?xml version="1.0" encoding="utf-8"?>
+<p:sld xmlns:a="http://schemas.openxmlformats.org/drawingml/2006/main" xmlns:r="http://schemas.openxmlformats.org/officeDocument/2006/relationships" xmlns:p="http://schemas.openxmlformats.org/presentationml/2006/main">
+  <p:cSld>
+    <p:spTree>
+      <p:nvGrpSpPr>
+        <p:cNvPr id="1" name=""/>
+        <p:cNvGrpSpPr/>
+        <p:nvPr/>
+      </p:nvGrpSpPr>
+      <p:grpSpPr>
+        <a:xfrm>
+          <a:off x="0" y="0"/>
+          <a:ext cx="0" cy="0"/>
+          <a:chOff x="0" y="0"/>
+          <a:chExt cx="0" cy="0"/>
+        </a:xfrm>
+      </p:grpSpPr>
+      <p:sp>
+        <p:nvSpPr>
+          <p:cNvPr id="2" name="标题 1"/>
+          <p:cNvSpPr>
+            <a:spLocks noGrp="1"/>
+          </p:cNvSpPr>
+          <p:nvPr>
+            <p:ph type="title"/>
+          </p:nvPr>
+        </p:nvSpPr>
+        <p:spPr/>
+        <p:txBody>
+          <a:bodyPr/>
+          <a:lstStyle/>
+          <a:p>
+            <a:r>
+              <a:rPr kumimoji="1" lang="en-US" altLang="zh-CN" dirty="0" smtClean="0"/>
+              <a:t>Discussion</a:t>
+            </a:r>
+            <a:endParaRPr kumimoji="1" lang="zh-CN" altLang="en-US" dirty="0"/>
+          </a:p>
+        </p:txBody>
+      </p:sp>
+      <p:sp>
+        <p:nvSpPr>
+          <p:cNvPr id="3" name="内容占位符 2"/>
+          <p:cNvSpPr>
+            <a:spLocks noGrp="1"/>
+          </p:cNvSpPr>
+          <p:nvPr>
+            <p:ph idx="1"/>
+          </p:nvPr>
+        </p:nvSpPr>
+        <p:spPr>
+          <a:xfrm>
+            <a:off x="1484310" y="2666999"/>
+            <a:ext cx="10018713" cy="4191001"/>
+          </a:xfrm>
+        </p:spPr>
+        <p:txBody>
+          <a:bodyPr anchor="t"/>
+          <a:lstStyle/>
+          <a:p>
+            <a:r>
+              <a:rPr kumimoji="1" lang="zh-CN" altLang="en-US" dirty="0" smtClean="0"/>
+              <a:t>算法步骤：</a:t>
+            </a:r>
+            <a:endParaRPr kumimoji="1" lang="en-US" altLang="zh-CN" dirty="0" smtClean="0"/>
+          </a:p>
+          <a:p>
+            <a:r>
+              <a:rPr kumimoji="1" lang="en-US" altLang="zh-CN" dirty="0" smtClean="0"/>
+              <a:t>0</a:t>
+            </a:r>
+            <a:r>
+              <a:rPr kumimoji="1" lang="zh-CN" altLang="en-US" dirty="0" smtClean="0"/>
+              <a:t>、初始化</a:t>
+            </a:r>
+            <a:endParaRPr kumimoji="1" lang="en-US" altLang="zh-CN" dirty="0" smtClean="0"/>
+          </a:p>
+          <a:p>
+            <a:r>
+              <a:rPr kumimoji="1" lang="en-US" altLang="zh-CN" dirty="0" smtClean="0"/>
+              <a:t>1</a:t>
+            </a:r>
+            <a:r>
+              <a:rPr kumimoji="1" lang="zh-CN" altLang="en-US" dirty="0" smtClean="0"/>
+              <a:t>、如果没有剩余</a:t>
+            </a:r>
+            <a:r>
+              <a:rPr kumimoji="1" lang="en-US" altLang="zh-CN" dirty="0" smtClean="0"/>
+              <a:t>kernel</a:t>
+            </a:r>
+            <a:r>
+              <a:rPr kumimoji="1" lang="zh-CN" altLang="en-US" dirty="0" smtClean="0"/>
+              <a:t>，结束</a:t>
+            </a:r>
+            <a:endParaRPr kumimoji="1" lang="en-US" altLang="zh-CN" dirty="0" smtClean="0"/>
+          </a:p>
+          <a:p>
+            <a:r>
+              <a:rPr kumimoji="1" lang="en-US" altLang="zh-CN" dirty="0" smtClean="0"/>
+              <a:t>2</a:t>
+            </a:r>
+            <a:r>
+              <a:rPr kumimoji="1" lang="zh-CN" altLang="en-US" dirty="0" smtClean="0"/>
+              <a:t>、按顺序执行当前批次的</a:t>
+            </a:r>
+            <a:r>
+              <a:rPr kumimoji="1" lang="en-US" altLang="zh-CN" dirty="0" smtClean="0"/>
+              <a:t>kernel</a:t>
+            </a:r>
+            <a:r>
+              <a:rPr kumimoji="1" lang="zh-CN" altLang="en-US" dirty="0" smtClean="0"/>
+              <a:t>，检测这些</a:t>
+            </a:r>
+            <a:r>
+              <a:rPr kumimoji="1" lang="en-US" altLang="zh-CN" dirty="0" smtClean="0"/>
+              <a:t>kernel</a:t>
+            </a:r>
+            <a:r>
+              <a:rPr kumimoji="1" lang="zh-CN" altLang="en-US" dirty="0" smtClean="0"/>
+              <a:t>属于</a:t>
+            </a:r>
+            <a:r>
+              <a:rPr kumimoji="1" lang="en-US" altLang="zh-CN" dirty="0" smtClean="0"/>
+              <a:t>dataset</a:t>
+            </a:r>
+            <a:r>
+              <a:rPr kumimoji="1" lang="zh-CN" altLang="en-US" dirty="0" smtClean="0"/>
+              <a:t>的哪些</a:t>
+            </a:r>
+            <a:r>
+              <a:rPr kumimoji="1" lang="en-US" altLang="zh-CN" dirty="0" smtClean="0"/>
+              <a:t>part</a:t>
+            </a:r>
+          </a:p>
+          <a:p>
+            <a:pPr lvl="1"/>
+            <a:r>
+              <a:rPr kumimoji="1" lang="en-US" altLang="zh-CN" dirty="0" smtClean="0"/>
+              <a:t>1</a:t>
+            </a:r>
+            <a:r>
+              <a:rPr kumimoji="1" lang="zh-CN" altLang="en-US" dirty="0" smtClean="0"/>
+              <a:t>、如果是同一</a:t>
+            </a:r>
+            <a:r>
+              <a:rPr kumimoji="1" lang="en-US" altLang="zh-CN" dirty="0" smtClean="0"/>
+              <a:t>part</a:t>
+            </a:r>
+            <a:r>
+              <a:rPr kumimoji="1" lang="zh-CN" altLang="en-US" dirty="0" smtClean="0"/>
+              <a:t>的，则仅执行并写入</a:t>
+            </a:r>
+            <a:endParaRPr kumimoji="1" lang="en-US" altLang="zh-CN" dirty="0" smtClean="0"/>
+          </a:p>
+          <a:p>
+            <a:pPr lvl="1"/>
+            <a:r>
+              <a:rPr kumimoji="1" lang="en-US" altLang="zh-CN" dirty="0" smtClean="0"/>
+              <a:t>2</a:t>
+            </a:r>
+            <a:r>
+              <a:rPr kumimoji="1" lang="zh-CN" altLang="en-US" dirty="0" smtClean="0"/>
+              <a:t>、如果不是，则将完成的</a:t>
+            </a:r>
+            <a:r>
+              <a:rPr kumimoji="1" lang="en-US" altLang="zh-CN" dirty="0" smtClean="0"/>
+              <a:t>part</a:t>
+            </a:r>
+            <a:r>
+              <a:rPr kumimoji="1" lang="zh-CN" altLang="en-US" dirty="0" smtClean="0"/>
+              <a:t> </a:t>
+            </a:r>
+            <a:r>
+              <a:rPr kumimoji="1" lang="en-US" altLang="zh-CN" dirty="0" smtClean="0"/>
+              <a:t>aggregation</a:t>
+            </a:r>
+            <a:r>
+              <a:rPr kumimoji="1" lang="zh-CN" altLang="en-US" dirty="0" smtClean="0"/>
+              <a:t>拷出并聚合到主存中，并将其在</a:t>
+            </a:r>
+            <a:r>
+              <a:rPr kumimoji="1" lang="en-US" altLang="zh-CN" dirty="0" smtClean="0"/>
+              <a:t>device</a:t>
+            </a:r>
+            <a:r>
+              <a:rPr kumimoji="1" lang="zh-CN" altLang="en-US" dirty="0" smtClean="0"/>
+              <a:t> </a:t>
+            </a:r>
+            <a:r>
+              <a:rPr kumimoji="1" lang="en-US" altLang="zh-CN" dirty="0" smtClean="0"/>
+              <a:t>memory</a:t>
+            </a:r>
+            <a:r>
+              <a:rPr kumimoji="1" lang="zh-CN" altLang="en-US" dirty="0" smtClean="0"/>
+              <a:t>中的对应存储清空</a:t>
+            </a:r>
+            <a:endParaRPr kumimoji="1" lang="en-US" altLang="zh-CN" dirty="0"/>
+          </a:p>
+          <a:p>
+            <a:r>
+              <a:rPr kumimoji="1" lang="en-US" altLang="zh-CN" dirty="0" smtClean="0"/>
+              <a:t>3</a:t>
+            </a:r>
+            <a:r>
+              <a:rPr kumimoji="1" lang="zh-CN" altLang="en-US" dirty="0" smtClean="0"/>
+              <a:t>、返回</a:t>
+            </a:r>
+            <a:r>
+              <a:rPr kumimoji="1" lang="en-US" altLang="zh-CN" dirty="0" smtClean="0"/>
+              <a:t>1</a:t>
+            </a:r>
+            <a:endParaRPr kumimoji="1" lang="en-US" altLang="zh-CN" dirty="0"/>
+          </a:p>
+        </p:txBody>
+      </p:sp>
+    </p:spTree>
+    <p:extLst>
+      <p:ext uri="{BB962C8B-B14F-4D97-AF65-F5344CB8AC3E}">
+        <p14:creationId xmlns:p14="http://schemas.microsoft.com/office/powerpoint/2010/main" val="1995493989"/>
+      </p:ext>
+    </p:extLst>
+  </p:cSld>
+  <p:clrMapOvr>
+    <a:masterClrMapping/>
+  </p:clrMapOvr>
+</p:sld>
+</file>
+
+<file path=ppt/slides/slide19.xml><?xml version="1.0" encoding="utf-8"?>
+<p:sld xmlns:a="http://schemas.openxmlformats.org/drawingml/2006/main" xmlns:r="http://schemas.openxmlformats.org/officeDocument/2006/relationships" xmlns:p="http://schemas.openxmlformats.org/presentationml/2006/main">
+  <p:cSld>
+    <p:spTree>
+      <p:nvGrpSpPr>
+        <p:cNvPr id="1" name=""/>
+        <p:cNvGrpSpPr/>
+        <p:nvPr/>
+      </p:nvGrpSpPr>
+      <p:grpSpPr>
+        <a:xfrm>
+          <a:off x="0" y="0"/>
+          <a:ext cx="0" cy="0"/>
+          <a:chOff x="0" y="0"/>
+          <a:chExt cx="0" cy="0"/>
+        </a:xfrm>
+      </p:grpSpPr>
+      <p:sp>
+        <p:nvSpPr>
+          <p:cNvPr id="2" name="标题 1"/>
+          <p:cNvSpPr>
+            <a:spLocks noGrp="1"/>
+          </p:cNvSpPr>
+          <p:nvPr>
+            <p:ph type="title"/>
+          </p:nvPr>
+        </p:nvSpPr>
+        <p:spPr/>
+        <p:txBody>
+          <a:bodyPr/>
+          <a:lstStyle/>
+          <a:p>
+            <a:r>
+              <a:rPr kumimoji="1" lang="en-US" altLang="zh-CN" dirty="0"/>
+              <a:t>Discussion</a:t>
+            </a:r>
+            <a:endParaRPr kumimoji="1" lang="zh-CN" altLang="en-US" dirty="0"/>
+          </a:p>
+        </p:txBody>
+      </p:sp>
+      <p:sp>
+        <p:nvSpPr>
+          <p:cNvPr id="3" name="内容占位符 2"/>
+          <p:cNvSpPr>
+            <a:spLocks noGrp="1"/>
+          </p:cNvSpPr>
+          <p:nvPr>
+            <p:ph idx="1"/>
+          </p:nvPr>
+        </p:nvSpPr>
+        <p:spPr/>
+        <p:txBody>
+          <a:bodyPr anchor="t"/>
+          <a:lstStyle/>
+          <a:p>
+            <a:r>
+              <a:rPr lang="zh-CN" altLang="zh-CN" dirty="0"/>
+              <a:t>综上：</a:t>
+            </a:r>
+          </a:p>
+          <a:p>
+            <a:r>
+              <a:rPr lang="zh-CN" altLang="zh-CN" dirty="0"/>
+              <a:t>总的运行时间：</a:t>
+            </a:r>
+            <a:r>
+              <a:rPr lang="en-US" altLang="zh-CN" dirty="0"/>
+              <a:t>C + </a:t>
+            </a:r>
+            <a:r>
+              <a:rPr lang="en-US" altLang="zh-CN" dirty="0" err="1" smtClean="0"/>
+              <a:t>t_scan</a:t>
+            </a:r>
+            <a:r>
+              <a:rPr lang="en-US" altLang="zh-CN" dirty="0" smtClean="0"/>
+              <a:t> </a:t>
+            </a:r>
+            <a:r>
+              <a:rPr lang="en-US" altLang="zh-CN" dirty="0"/>
+              <a:t>* </a:t>
+            </a:r>
+            <a:r>
+              <a:rPr lang="en-US" altLang="zh-CN" dirty="0" err="1"/>
+              <a:t>Πdi</a:t>
+            </a:r>
+            <a:r>
+              <a:rPr lang="en-US" altLang="zh-CN" dirty="0"/>
+              <a:t> / g / k + </a:t>
+            </a:r>
+            <a:r>
+              <a:rPr lang="en-US" altLang="zh-CN" dirty="0" err="1"/>
+              <a:t>Πdi</a:t>
+            </a:r>
+            <a:r>
+              <a:rPr lang="en-US" altLang="zh-CN" dirty="0"/>
+              <a:t> * p * </a:t>
+            </a:r>
+            <a:r>
+              <a:rPr lang="en-US" altLang="zh-CN" dirty="0" err="1" smtClean="0"/>
+              <a:t>t_copy</a:t>
+            </a:r>
+            <a:r>
+              <a:rPr lang="en-US" altLang="zh-CN" dirty="0" smtClean="0"/>
+              <a:t> </a:t>
+            </a:r>
+            <a:r>
+              <a:rPr lang="en-US" altLang="zh-CN" dirty="0"/>
+              <a:t>* 2 + </a:t>
+            </a:r>
+            <a:r>
+              <a:rPr lang="en-US" altLang="zh-CN" dirty="0" err="1" smtClean="0"/>
+              <a:t>t_agg</a:t>
+            </a:r>
+            <a:r>
+              <a:rPr lang="en-US" altLang="zh-CN" dirty="0" smtClean="0"/>
+              <a:t> </a:t>
+            </a:r>
+            <a:r>
+              <a:rPr lang="en-US" altLang="zh-CN" dirty="0"/>
+              <a:t>* (p – 1</a:t>
+            </a:r>
+            <a:r>
+              <a:rPr lang="en-US" altLang="zh-CN" dirty="0" smtClean="0"/>
+              <a:t>)</a:t>
+            </a:r>
+            <a:endParaRPr lang="en-US" altLang="zh-CN" dirty="0" smtClean="0"/>
+          </a:p>
+          <a:p>
+            <a:r>
+              <a:rPr lang="zh-CN" altLang="zh-CN" dirty="0"/>
+              <a:t>方式</a:t>
+            </a:r>
+            <a:r>
+              <a:rPr lang="en-US" altLang="zh-CN" dirty="0"/>
+              <a:t>1</a:t>
+            </a:r>
+            <a:r>
+              <a:rPr lang="zh-CN" altLang="zh-CN" dirty="0"/>
+              <a:t>：</a:t>
+            </a:r>
+            <a:r>
+              <a:rPr lang="en-US" altLang="zh-CN" dirty="0"/>
+              <a:t>g * k &lt;= </a:t>
+            </a:r>
+            <a:r>
+              <a:rPr lang="en-US" altLang="zh-CN" dirty="0" err="1"/>
+              <a:t>Πdi</a:t>
+            </a:r>
+            <a:r>
+              <a:rPr lang="en-US" altLang="zh-CN" dirty="0"/>
+              <a:t> &amp; p = 1</a:t>
+            </a:r>
+            <a:endParaRPr lang="zh-CN" altLang="zh-CN" dirty="0"/>
+          </a:p>
+          <a:p>
+            <a:r>
+              <a:rPr lang="zh-CN" altLang="zh-CN" dirty="0"/>
+              <a:t>方式</a:t>
+            </a:r>
+            <a:r>
+              <a:rPr lang="en-US" altLang="zh-CN" dirty="0"/>
+              <a:t>2</a:t>
+            </a:r>
+            <a:r>
+              <a:rPr lang="zh-CN" altLang="zh-CN" dirty="0"/>
+              <a:t>：</a:t>
+            </a:r>
+            <a:r>
+              <a:rPr lang="en-US" altLang="zh-CN" dirty="0"/>
+              <a:t>p = k &amp; g = </a:t>
+            </a:r>
+            <a:r>
+              <a:rPr lang="en-US" altLang="zh-CN" dirty="0" err="1"/>
+              <a:t>Πdi</a:t>
+            </a:r>
+            <a:r>
+              <a:rPr lang="zh-CN" altLang="zh-CN" dirty="0"/>
+              <a:t> </a:t>
+            </a:r>
+            <a:endParaRPr lang="en-US" altLang="zh-CN" dirty="0" smtClean="0"/>
+          </a:p>
+          <a:p>
+            <a:r>
+              <a:rPr kumimoji="1" lang="zh-CN" altLang="en-US" dirty="0" smtClean="0"/>
+              <a:t>与前面的分析契合</a:t>
+            </a:r>
+            <a:endParaRPr kumimoji="1" lang="zh-CN" altLang="en-US" dirty="0"/>
+          </a:p>
+        </p:txBody>
+      </p:sp>
+    </p:spTree>
+    <p:extLst>
+      <p:ext uri="{BB962C8B-B14F-4D97-AF65-F5344CB8AC3E}">
+        <p14:creationId xmlns:p14="http://schemas.microsoft.com/office/powerpoint/2010/main" val="1676100455"/>
       </p:ext>
     </p:extLst>
   </p:cSld>
@@ -6595,6 +8474,1243 @@
     <p:extLst>
       <p:ext uri="{BB962C8B-B14F-4D97-AF65-F5344CB8AC3E}">
         <p14:creationId xmlns:p14="http://schemas.microsoft.com/office/powerpoint/2010/main" val="1412647942"/>
+      </p:ext>
+    </p:extLst>
+  </p:cSld>
+  <p:clrMapOvr>
+    <a:masterClrMapping/>
+  </p:clrMapOvr>
+</p:sld>
+</file>
+
+<file path=ppt/slides/slide20.xml><?xml version="1.0" encoding="utf-8"?>
+<p:sld xmlns:a="http://schemas.openxmlformats.org/drawingml/2006/main" xmlns:r="http://schemas.openxmlformats.org/officeDocument/2006/relationships" xmlns:p="http://schemas.openxmlformats.org/presentationml/2006/main">
+  <p:cSld>
+    <p:spTree>
+      <p:nvGrpSpPr>
+        <p:cNvPr id="1" name=""/>
+        <p:cNvGrpSpPr/>
+        <p:nvPr/>
+      </p:nvGrpSpPr>
+      <p:grpSpPr>
+        <a:xfrm>
+          <a:off x="0" y="0"/>
+          <a:ext cx="0" cy="0"/>
+          <a:chOff x="0" y="0"/>
+          <a:chExt cx="0" cy="0"/>
+        </a:xfrm>
+      </p:grpSpPr>
+      <p:sp>
+        <p:nvSpPr>
+          <p:cNvPr id="2" name="标题 1"/>
+          <p:cNvSpPr>
+            <a:spLocks noGrp="1"/>
+          </p:cNvSpPr>
+          <p:nvPr>
+            <p:ph type="title"/>
+          </p:nvPr>
+        </p:nvSpPr>
+        <p:spPr/>
+        <p:txBody>
+          <a:bodyPr/>
+          <a:lstStyle/>
+          <a:p>
+            <a:r>
+              <a:rPr kumimoji="1" lang="en-US" altLang="zh-CN" dirty="0"/>
+              <a:t>Discussion</a:t>
+            </a:r>
+            <a:endParaRPr kumimoji="1" lang="zh-CN" altLang="en-US" dirty="0"/>
+          </a:p>
+        </p:txBody>
+      </p:sp>
+      <p:sp>
+        <p:nvSpPr>
+          <p:cNvPr id="3" name="内容占位符 2"/>
+          <p:cNvSpPr>
+            <a:spLocks noGrp="1"/>
+          </p:cNvSpPr>
+          <p:nvPr>
+            <p:ph idx="1"/>
+          </p:nvPr>
+        </p:nvSpPr>
+        <p:spPr/>
+        <p:txBody>
+          <a:bodyPr anchor="t"/>
+          <a:lstStyle/>
+          <a:p>
+            <a:r>
+              <a:rPr lang="zh-CN" altLang="zh-CN" dirty="0"/>
+              <a:t>最大内存分配：</a:t>
+            </a:r>
+            <a:r>
+              <a:rPr lang="en-US" altLang="zh-CN" dirty="0"/>
+              <a:t>d + </a:t>
+            </a:r>
+            <a:r>
+              <a:rPr lang="el-GR" altLang="zh-CN" dirty="0"/>
+              <a:t>Π</a:t>
+            </a:r>
+            <a:r>
+              <a:rPr lang="en-US" altLang="zh-CN" dirty="0"/>
+              <a:t>di * s + </a:t>
+            </a:r>
+            <a:r>
+              <a:rPr lang="el-GR" altLang="zh-CN" dirty="0"/>
+              <a:t>Π</a:t>
+            </a:r>
+            <a:r>
+              <a:rPr lang="en-US" altLang="zh-CN" dirty="0"/>
+              <a:t>di * (ceil(k * g / </a:t>
+            </a:r>
+            <a:r>
+              <a:rPr lang="el-GR" altLang="zh-CN" dirty="0"/>
+              <a:t>Π</a:t>
+            </a:r>
+            <a:r>
+              <a:rPr lang="en-US" altLang="zh-CN" dirty="0"/>
+              <a:t>di) + 1)</a:t>
+            </a:r>
+            <a:endParaRPr lang="zh-CN" altLang="zh-CN" dirty="0"/>
+          </a:p>
+          <a:p>
+            <a:r>
+              <a:rPr lang="zh-CN" altLang="zh-CN" dirty="0"/>
+              <a:t>为什么在内存分配上会出现与方式一与方式二的错位？</a:t>
+            </a:r>
+          </a:p>
+          <a:p>
+            <a:r>
+              <a:rPr lang="zh-CN" altLang="zh-CN" dirty="0"/>
+              <a:t>因为在此方案中，并不能保证某</a:t>
+            </a:r>
+            <a:r>
+              <a:rPr lang="en-US" altLang="zh-CN" dirty="0"/>
+              <a:t>n</a:t>
+            </a:r>
+            <a:r>
+              <a:rPr lang="zh-CN" altLang="zh-CN" dirty="0"/>
+              <a:t>批次的</a:t>
+            </a:r>
+            <a:r>
+              <a:rPr lang="en-US" altLang="zh-CN" dirty="0"/>
+              <a:t>kernel</a:t>
+            </a:r>
+            <a:r>
+              <a:rPr lang="zh-CN" altLang="zh-CN" dirty="0"/>
+              <a:t>处理完毕时正好落在某个</a:t>
+            </a:r>
+            <a:r>
+              <a:rPr lang="en-US" altLang="zh-CN" dirty="0"/>
+              <a:t>part</a:t>
+            </a:r>
+            <a:r>
+              <a:rPr lang="zh-CN" altLang="zh-CN" dirty="0"/>
+              <a:t>的边界，因此需要额外的内存空间来作为其他的</a:t>
+            </a:r>
+            <a:r>
+              <a:rPr lang="en-US" altLang="zh-CN" dirty="0"/>
+              <a:t>partition data cube</a:t>
+            </a:r>
+            <a:r>
+              <a:rPr lang="zh-CN" altLang="zh-CN" dirty="0"/>
+              <a:t>的空间以保证聚合的正确 </a:t>
+            </a:r>
+            <a:endParaRPr kumimoji="1" lang="zh-CN" altLang="en-US" dirty="0"/>
+          </a:p>
+        </p:txBody>
+      </p:sp>
+    </p:spTree>
+    <p:extLst>
+      <p:ext uri="{BB962C8B-B14F-4D97-AF65-F5344CB8AC3E}">
+        <p14:creationId xmlns:p14="http://schemas.microsoft.com/office/powerpoint/2010/main" val="941582739"/>
+      </p:ext>
+    </p:extLst>
+  </p:cSld>
+  <p:clrMapOvr>
+    <a:masterClrMapping/>
+  </p:clrMapOvr>
+</p:sld>
+</file>
+
+<file path=ppt/slides/slide21.xml><?xml version="1.0" encoding="utf-8"?>
+<p:sld xmlns:a="http://schemas.openxmlformats.org/drawingml/2006/main" xmlns:r="http://schemas.openxmlformats.org/officeDocument/2006/relationships" xmlns:p="http://schemas.openxmlformats.org/presentationml/2006/main">
+  <p:cSld>
+    <p:spTree>
+      <p:nvGrpSpPr>
+        <p:cNvPr id="1" name=""/>
+        <p:cNvGrpSpPr/>
+        <p:nvPr/>
+      </p:nvGrpSpPr>
+      <p:grpSpPr>
+        <a:xfrm>
+          <a:off x="0" y="0"/>
+          <a:ext cx="0" cy="0"/>
+          <a:chOff x="0" y="0"/>
+          <a:chExt cx="0" cy="0"/>
+        </a:xfrm>
+      </p:grpSpPr>
+      <p:sp>
+        <p:nvSpPr>
+          <p:cNvPr id="2" name="标题 1"/>
+          <p:cNvSpPr>
+            <a:spLocks noGrp="1"/>
+          </p:cNvSpPr>
+          <p:nvPr>
+            <p:ph type="title"/>
+          </p:nvPr>
+        </p:nvSpPr>
+        <p:spPr/>
+        <p:txBody>
+          <a:bodyPr/>
+          <a:lstStyle/>
+          <a:p>
+            <a:r>
+              <a:rPr kumimoji="1" lang="en-US" altLang="zh-CN" dirty="0"/>
+              <a:t>One simple evaluation function to determine what is </a:t>
+            </a:r>
+            <a:r>
+              <a:rPr kumimoji="1" lang="en-US" altLang="zh-CN" dirty="0" smtClean="0"/>
+              <a:t>optimal (at time factor)</a:t>
+            </a:r>
+            <a:endParaRPr kumimoji="1" lang="zh-CN" altLang="en-US" dirty="0"/>
+          </a:p>
+        </p:txBody>
+      </p:sp>
+      <p:sp>
+        <p:nvSpPr>
+          <p:cNvPr id="3" name="内容占位符 2"/>
+          <p:cNvSpPr>
+            <a:spLocks noGrp="1"/>
+          </p:cNvSpPr>
+          <p:nvPr>
+            <p:ph idx="1"/>
+          </p:nvPr>
+        </p:nvSpPr>
+        <p:spPr/>
+        <p:txBody>
+          <a:bodyPr anchor="t"/>
+          <a:lstStyle/>
+          <a:p>
+            <a:r>
+              <a:rPr kumimoji="1" lang="en-US" altLang="zh-CN" dirty="0" smtClean="0"/>
+              <a:t>Assumption: Each aggregation cell has the same structure</a:t>
+            </a:r>
+          </a:p>
+          <a:p>
+            <a:pPr lvl="1"/>
+            <a:r>
+              <a:rPr kumimoji="1" lang="en-US" altLang="zh-CN" dirty="0" smtClean="0"/>
+              <a:t>-&gt; The operations of one cell take the same time even cell itself is different</a:t>
+            </a:r>
+          </a:p>
+        </p:txBody>
+      </p:sp>
+    </p:spTree>
+    <p:extLst>
+      <p:ext uri="{BB962C8B-B14F-4D97-AF65-F5344CB8AC3E}">
+        <p14:creationId xmlns:p14="http://schemas.microsoft.com/office/powerpoint/2010/main" val="532537697"/>
+      </p:ext>
+    </p:extLst>
+  </p:cSld>
+  <p:clrMapOvr>
+    <a:masterClrMapping/>
+  </p:clrMapOvr>
+</p:sld>
+</file>
+
+<file path=ppt/slides/slide22.xml><?xml version="1.0" encoding="utf-8"?>
+<p:sld xmlns:a="http://schemas.openxmlformats.org/drawingml/2006/main" xmlns:r="http://schemas.openxmlformats.org/officeDocument/2006/relationships" xmlns:p="http://schemas.openxmlformats.org/presentationml/2006/main">
+  <p:cSld>
+    <p:spTree>
+      <p:nvGrpSpPr>
+        <p:cNvPr id="1" name=""/>
+        <p:cNvGrpSpPr/>
+        <p:nvPr/>
+      </p:nvGrpSpPr>
+      <p:grpSpPr>
+        <a:xfrm>
+          <a:off x="0" y="0"/>
+          <a:ext cx="0" cy="0"/>
+          <a:chOff x="0" y="0"/>
+          <a:chExt cx="0" cy="0"/>
+        </a:xfrm>
+      </p:grpSpPr>
+      <p:sp>
+        <p:nvSpPr>
+          <p:cNvPr id="2" name="标题 1"/>
+          <p:cNvSpPr>
+            <a:spLocks noGrp="1"/>
+          </p:cNvSpPr>
+          <p:nvPr>
+            <p:ph type="title"/>
+          </p:nvPr>
+        </p:nvSpPr>
+        <p:spPr/>
+        <p:txBody>
+          <a:bodyPr/>
+          <a:lstStyle/>
+          <a:p>
+            <a:r>
+              <a:rPr kumimoji="1" lang="en-US" altLang="zh-CN" dirty="0"/>
+              <a:t>One simple evaluation function to determine what is optimal (at time factor)</a:t>
+            </a:r>
+            <a:endParaRPr kumimoji="1" lang="zh-CN" altLang="en-US" dirty="0"/>
+          </a:p>
+        </p:txBody>
+      </p:sp>
+      <p:sp>
+        <p:nvSpPr>
+          <p:cNvPr id="3" name="内容占位符 2"/>
+          <p:cNvSpPr>
+            <a:spLocks noGrp="1"/>
+          </p:cNvSpPr>
+          <p:nvPr>
+            <p:ph idx="1"/>
+          </p:nvPr>
+        </p:nvSpPr>
+        <p:spPr/>
+        <p:txBody>
+          <a:bodyPr anchor="t"/>
+          <a:lstStyle/>
+          <a:p>
+            <a:r>
+              <a:rPr kumimoji="1" lang="en-US" altLang="zh-CN" dirty="0" smtClean="0"/>
+              <a:t>Greedy approach: we always choose the maximum dimension to aggregate</a:t>
+            </a:r>
+            <a:endParaRPr kumimoji="1" lang="zh-CN" altLang="en-US" dirty="0"/>
+          </a:p>
+        </p:txBody>
+      </p:sp>
+    </p:spTree>
+    <p:extLst>
+      <p:ext uri="{BB962C8B-B14F-4D97-AF65-F5344CB8AC3E}">
+        <p14:creationId xmlns:p14="http://schemas.microsoft.com/office/powerpoint/2010/main" val="274631995"/>
+      </p:ext>
+    </p:extLst>
+  </p:cSld>
+  <p:clrMapOvr>
+    <a:masterClrMapping/>
+  </p:clrMapOvr>
+</p:sld>
+</file>
+
+<file path=ppt/slides/slide23.xml><?xml version="1.0" encoding="utf-8"?>
+<p:sld xmlns:a="http://schemas.openxmlformats.org/drawingml/2006/main" xmlns:r="http://schemas.openxmlformats.org/officeDocument/2006/relationships" xmlns:p="http://schemas.openxmlformats.org/presentationml/2006/main">
+  <p:cSld>
+    <p:spTree>
+      <p:nvGrpSpPr>
+        <p:cNvPr id="1" name=""/>
+        <p:cNvGrpSpPr/>
+        <p:nvPr/>
+      </p:nvGrpSpPr>
+      <p:grpSpPr>
+        <a:xfrm>
+          <a:off x="0" y="0"/>
+          <a:ext cx="0" cy="0"/>
+          <a:chOff x="0" y="0"/>
+          <a:chExt cx="0" cy="0"/>
+        </a:xfrm>
+      </p:grpSpPr>
+      <p:sp>
+        <p:nvSpPr>
+          <p:cNvPr id="2" name="标题 1"/>
+          <p:cNvSpPr>
+            <a:spLocks noGrp="1"/>
+          </p:cNvSpPr>
+          <p:nvPr>
+            <p:ph type="title"/>
+          </p:nvPr>
+        </p:nvSpPr>
+        <p:spPr/>
+        <p:txBody>
+          <a:bodyPr/>
+          <a:lstStyle/>
+          <a:p>
+            <a:r>
+              <a:rPr kumimoji="1" lang="en-US" altLang="zh-CN" dirty="0"/>
+              <a:t>One simple evaluation function to determine what is optimal (at time factor)</a:t>
+            </a:r>
+            <a:endParaRPr kumimoji="1" lang="zh-CN" altLang="en-US" dirty="0"/>
+          </a:p>
+        </p:txBody>
+      </p:sp>
+      <p:sp>
+        <p:nvSpPr>
+          <p:cNvPr id="3" name="内容占位符 2"/>
+          <p:cNvSpPr>
+            <a:spLocks noGrp="1"/>
+          </p:cNvSpPr>
+          <p:nvPr>
+            <p:ph idx="1"/>
+          </p:nvPr>
+        </p:nvSpPr>
+        <p:spPr/>
+        <p:txBody>
+          <a:bodyPr anchor="t">
+            <a:normAutofit lnSpcReduction="10000"/>
+          </a:bodyPr>
+          <a:lstStyle/>
+          <a:p>
+            <a:r>
+              <a:rPr kumimoji="1" lang="zh-CN" altLang="en-US" dirty="0" smtClean="0"/>
+              <a:t>证明：</a:t>
+            </a:r>
+            <a:endParaRPr kumimoji="1" lang="en-US" altLang="zh-CN" dirty="0" smtClean="0"/>
+          </a:p>
+          <a:p>
+            <a:r>
+              <a:rPr kumimoji="1" lang="zh-CN" altLang="en-US" dirty="0" smtClean="0"/>
+              <a:t>假定</a:t>
+            </a:r>
+            <a:r>
+              <a:rPr kumimoji="1" lang="en-US" altLang="zh-CN" dirty="0" smtClean="0"/>
+              <a:t>n</a:t>
+            </a:r>
+            <a:r>
+              <a:rPr kumimoji="1" lang="zh-CN" altLang="en-US" dirty="0" smtClean="0"/>
+              <a:t>个维度，分别具有维度值为</a:t>
+            </a:r>
+            <a:r>
+              <a:rPr kumimoji="1" lang="en-US" altLang="zh-CN" dirty="0" smtClean="0"/>
+              <a:t>(d1, d2, </a:t>
+            </a:r>
+            <a:r>
+              <a:rPr kumimoji="1" lang="mr-IN" altLang="zh-CN" dirty="0" smtClean="0"/>
+              <a:t>…</a:t>
+            </a:r>
+            <a:r>
+              <a:rPr kumimoji="1" lang="en-US" altLang="zh-CN" dirty="0" smtClean="0"/>
+              <a:t>, </a:t>
+            </a:r>
+            <a:r>
+              <a:rPr kumimoji="1" lang="en-US" altLang="zh-CN" dirty="0" err="1" smtClean="0"/>
+              <a:t>dn</a:t>
+            </a:r>
+            <a:r>
+              <a:rPr kumimoji="1" lang="en-US" altLang="zh-CN" dirty="0" smtClean="0"/>
+              <a:t>)</a:t>
+            </a:r>
+            <a:r>
+              <a:rPr kumimoji="1" lang="zh-CN" altLang="en-US" dirty="0" smtClean="0"/>
+              <a:t>，给定一个聚合顺序为</a:t>
+            </a:r>
+            <a:r>
+              <a:rPr kumimoji="1" lang="en-US" altLang="zh-CN" dirty="0" smtClean="0"/>
+              <a:t>(i1, i2, </a:t>
+            </a:r>
+            <a:r>
+              <a:rPr kumimoji="1" lang="mr-IN" altLang="zh-CN" dirty="0" smtClean="0"/>
+              <a:t>…</a:t>
+            </a:r>
+            <a:r>
+              <a:rPr kumimoji="1" lang="en-US" altLang="zh-CN" dirty="0" smtClean="0"/>
+              <a:t>, in)</a:t>
+            </a:r>
+            <a:r>
+              <a:rPr kumimoji="1" lang="zh-CN" altLang="en-US" dirty="0" smtClean="0"/>
+              <a:t>，则</a:t>
+            </a:r>
+            <a:endParaRPr kumimoji="1" lang="en-US" altLang="zh-CN" dirty="0" smtClean="0"/>
+          </a:p>
+          <a:p>
+            <a:r>
+              <a:rPr kumimoji="1" lang="zh-CN" altLang="en-US" dirty="0" smtClean="0"/>
+              <a:t>第一步聚合的维度为</a:t>
+            </a:r>
+            <a:r>
+              <a:rPr kumimoji="1" lang="en-US" altLang="zh-CN" dirty="0" smtClean="0"/>
+              <a:t>i1</a:t>
+            </a:r>
+            <a:r>
+              <a:rPr kumimoji="1" lang="zh-CN" altLang="en-US" dirty="0" smtClean="0"/>
+              <a:t>，聚合所需要扫描的聚合</a:t>
+            </a:r>
+            <a:r>
+              <a:rPr kumimoji="1" lang="en-US" altLang="zh-CN" dirty="0" smtClean="0"/>
+              <a:t>cell</a:t>
+            </a:r>
+            <a:r>
+              <a:rPr kumimoji="1" lang="zh-CN" altLang="en-US" dirty="0" smtClean="0"/>
+              <a:t>自然是</a:t>
+            </a:r>
+            <a:r>
+              <a:rPr lang="el-GR" altLang="zh-CN" dirty="0"/>
+              <a:t>Π</a:t>
+            </a:r>
+            <a:r>
+              <a:rPr lang="en-US" altLang="zh-CN" dirty="0"/>
+              <a:t>di </a:t>
+            </a:r>
+            <a:endParaRPr lang="en-US" altLang="zh-CN" dirty="0" smtClean="0"/>
+          </a:p>
+          <a:p>
+            <a:r>
+              <a:rPr kumimoji="1" lang="zh-CN" altLang="en-US" dirty="0" smtClean="0"/>
+              <a:t>而该步聚合后，新的聚合立方体具有</a:t>
+            </a:r>
+            <a:r>
+              <a:rPr kumimoji="1" lang="en-US" altLang="zh-CN" dirty="0" smtClean="0"/>
+              <a:t>cell</a:t>
+            </a:r>
+            <a:r>
+              <a:rPr kumimoji="1" lang="zh-CN" altLang="en-US" dirty="0" smtClean="0"/>
+              <a:t>的个数为</a:t>
+            </a:r>
+            <a:r>
+              <a:rPr lang="el-GR" altLang="zh-CN" dirty="0"/>
+              <a:t>Π</a:t>
+            </a:r>
+            <a:r>
+              <a:rPr lang="en-US" altLang="zh-CN" dirty="0" smtClean="0"/>
+              <a:t>di</a:t>
+            </a:r>
+            <a:r>
+              <a:rPr lang="zh-CN" altLang="en-US" dirty="0" smtClean="0"/>
+              <a:t> </a:t>
+            </a:r>
+            <a:r>
+              <a:rPr lang="en-US" altLang="zh-CN" dirty="0" smtClean="0"/>
+              <a:t>(</a:t>
+            </a:r>
+            <a:r>
+              <a:rPr lang="en-US" altLang="zh-CN" dirty="0" err="1" smtClean="0"/>
+              <a:t>i</a:t>
+            </a:r>
+            <a:r>
+              <a:rPr lang="en-US" altLang="zh-CN" dirty="0" smtClean="0"/>
+              <a:t> != i1)</a:t>
+            </a:r>
+          </a:p>
+          <a:p>
+            <a:r>
+              <a:rPr kumimoji="1" lang="zh-CN" altLang="en-US" dirty="0" smtClean="0"/>
+              <a:t>如果我们认为扫描一个</a:t>
+            </a:r>
+            <a:r>
+              <a:rPr kumimoji="1" lang="en-US" altLang="zh-CN" dirty="0" smtClean="0"/>
+              <a:t>cell</a:t>
+            </a:r>
+            <a:r>
+              <a:rPr kumimoji="1" lang="zh-CN" altLang="en-US" dirty="0" smtClean="0"/>
+              <a:t>的时间都是相等的（如同最开始的假设），则容易得出总的扫描数</a:t>
+            </a:r>
+            <a:r>
+              <a:rPr kumimoji="1" lang="en-US" altLang="zh-CN" dirty="0" smtClean="0"/>
+              <a:t>-&gt;</a:t>
+            </a:r>
+            <a:r>
+              <a:rPr kumimoji="1" lang="zh-CN" altLang="en-US" dirty="0" smtClean="0"/>
+              <a:t>聚合时间为：</a:t>
+            </a:r>
+            <a:r>
+              <a:rPr kumimoji="1" lang="mr-IN" altLang="zh-CN" dirty="0" smtClean="0"/>
+              <a:t>…</a:t>
+            </a:r>
+            <a:endParaRPr kumimoji="1" lang="en-US" altLang="zh-CN" dirty="0" smtClean="0"/>
+          </a:p>
+        </p:txBody>
+      </p:sp>
+    </p:spTree>
+    <p:extLst>
+      <p:ext uri="{BB962C8B-B14F-4D97-AF65-F5344CB8AC3E}">
+        <p14:creationId xmlns:p14="http://schemas.microsoft.com/office/powerpoint/2010/main" val="1400188472"/>
+      </p:ext>
+    </p:extLst>
+  </p:cSld>
+  <p:clrMapOvr>
+    <a:masterClrMapping/>
+  </p:clrMapOvr>
+</p:sld>
+</file>
+
+<file path=ppt/slides/slide24.xml><?xml version="1.0" encoding="utf-8"?>
+<p:sld xmlns:a="http://schemas.openxmlformats.org/drawingml/2006/main" xmlns:r="http://schemas.openxmlformats.org/officeDocument/2006/relationships" xmlns:p="http://schemas.openxmlformats.org/presentationml/2006/main">
+  <p:cSld>
+    <p:spTree>
+      <p:nvGrpSpPr>
+        <p:cNvPr id="1" name=""/>
+        <p:cNvGrpSpPr/>
+        <p:nvPr/>
+      </p:nvGrpSpPr>
+      <p:grpSpPr>
+        <a:xfrm>
+          <a:off x="0" y="0"/>
+          <a:ext cx="0" cy="0"/>
+          <a:chOff x="0" y="0"/>
+          <a:chExt cx="0" cy="0"/>
+        </a:xfrm>
+      </p:grpSpPr>
+      <p:sp>
+        <p:nvSpPr>
+          <p:cNvPr id="2" name="标题 1"/>
+          <p:cNvSpPr>
+            <a:spLocks noGrp="1"/>
+          </p:cNvSpPr>
+          <p:nvPr>
+            <p:ph type="title"/>
+          </p:nvPr>
+        </p:nvSpPr>
+        <p:spPr/>
+        <p:txBody>
+          <a:bodyPr/>
+          <a:lstStyle/>
+          <a:p>
+            <a:r>
+              <a:rPr kumimoji="1" lang="en-US" altLang="zh-CN" dirty="0"/>
+              <a:t>One simple evaluation function to determine what is optimal (at time factor)</a:t>
+            </a:r>
+            <a:endParaRPr kumimoji="1" lang="zh-CN" altLang="en-US" dirty="0"/>
+          </a:p>
+        </p:txBody>
+      </p:sp>
+      <p:sp>
+        <p:nvSpPr>
+          <p:cNvPr id="3" name="内容占位符 2"/>
+          <p:cNvSpPr>
+            <a:spLocks noGrp="1"/>
+          </p:cNvSpPr>
+          <p:nvPr>
+            <p:ph idx="1"/>
+          </p:nvPr>
+        </p:nvSpPr>
+        <p:spPr>
+          <a:xfrm>
+            <a:off x="1484310" y="2666999"/>
+            <a:ext cx="10018713" cy="4191001"/>
+          </a:xfrm>
+        </p:spPr>
+        <p:txBody>
+          <a:bodyPr anchor="t">
+            <a:normAutofit/>
+          </a:bodyPr>
+          <a:lstStyle/>
+          <a:p>
+            <a:r>
+              <a:rPr kumimoji="1" lang="zh-CN" altLang="en-US" dirty="0" smtClean="0"/>
+              <a:t>证明：</a:t>
+            </a:r>
+            <a:endParaRPr kumimoji="1" lang="en-US" altLang="zh-CN" dirty="0" smtClean="0"/>
+          </a:p>
+          <a:p>
+            <a:r>
+              <a:rPr kumimoji="1" lang="zh-CN" altLang="en-US" dirty="0" smtClean="0"/>
+              <a:t>现在假定一个聚合过程中的某两步，选择聚合第</a:t>
+            </a:r>
+            <a:r>
+              <a:rPr kumimoji="1" lang="en-US" altLang="zh-CN" dirty="0" err="1" smtClean="0"/>
+              <a:t>i</a:t>
+            </a:r>
+            <a:r>
+              <a:rPr kumimoji="1" lang="zh-CN" altLang="en-US" dirty="0" smtClean="0"/>
+              <a:t>维和第</a:t>
+            </a:r>
+            <a:r>
+              <a:rPr kumimoji="1" lang="en-US" altLang="zh-CN" dirty="0" smtClean="0"/>
+              <a:t>j</a:t>
+            </a:r>
+            <a:r>
+              <a:rPr kumimoji="1" lang="zh-CN" altLang="en-US" dirty="0" smtClean="0"/>
+              <a:t>维</a:t>
+            </a:r>
+            <a:endParaRPr kumimoji="1" lang="en-US" altLang="zh-CN" dirty="0" smtClean="0"/>
+          </a:p>
+          <a:p>
+            <a:r>
+              <a:rPr kumimoji="1" lang="zh-CN" altLang="en-US" dirty="0" smtClean="0"/>
+              <a:t>考察这两步聚合发生前的聚合立方体与之后的数据立方体：</a:t>
+            </a:r>
+            <a:endParaRPr kumimoji="1" lang="en-US" altLang="zh-CN" dirty="0" smtClean="0"/>
+          </a:p>
+          <a:p>
+            <a:pPr lvl="1"/>
+            <a:r>
+              <a:rPr kumimoji="1" lang="zh-CN" altLang="en-US" dirty="0" smtClean="0"/>
+              <a:t>与这两步聚合的具体顺序无关，结果来看都为后者比前者多聚合了</a:t>
+            </a:r>
+            <a:r>
+              <a:rPr kumimoji="1" lang="en-US" altLang="zh-CN" dirty="0" err="1" smtClean="0"/>
+              <a:t>i</a:t>
+            </a:r>
+            <a:r>
+              <a:rPr kumimoji="1" lang="zh-CN" altLang="en-US" dirty="0" smtClean="0"/>
+              <a:t>，</a:t>
+            </a:r>
+            <a:r>
+              <a:rPr kumimoji="1" lang="en-US" altLang="zh-CN" dirty="0" smtClean="0"/>
+              <a:t>j</a:t>
+            </a:r>
+            <a:r>
+              <a:rPr kumimoji="1" lang="zh-CN" altLang="en-US" dirty="0" smtClean="0"/>
+              <a:t>两个维度</a:t>
+            </a:r>
+            <a:endParaRPr kumimoji="1" lang="en-US" altLang="zh-CN" dirty="0" smtClean="0"/>
+          </a:p>
+          <a:p>
+            <a:pPr lvl="2"/>
+            <a:r>
+              <a:rPr kumimoji="1" lang="zh-CN" altLang="en-US" dirty="0" smtClean="0"/>
+              <a:t>因此，对于这两步之前的扫描次数总和，与这两步之后的扫描次数总和无关系</a:t>
+            </a:r>
+            <a:endParaRPr kumimoji="1" lang="en-US" altLang="zh-CN" dirty="0"/>
+          </a:p>
+          <a:p>
+            <a:r>
+              <a:rPr kumimoji="1" lang="zh-CN" altLang="en-US" dirty="0" smtClean="0"/>
+              <a:t>假定</a:t>
+            </a:r>
+            <a:r>
+              <a:rPr kumimoji="1" lang="en-US" altLang="zh-CN" dirty="0" err="1" smtClean="0"/>
+              <a:t>i</a:t>
+            </a:r>
+            <a:r>
+              <a:rPr kumimoji="1" lang="zh-CN" altLang="en-US" dirty="0" smtClean="0"/>
+              <a:t>，</a:t>
+            </a:r>
+            <a:r>
+              <a:rPr kumimoji="1" lang="en-US" altLang="zh-CN" dirty="0" smtClean="0"/>
+              <a:t>j</a:t>
+            </a:r>
+            <a:r>
+              <a:rPr kumimoji="1" lang="zh-CN" altLang="en-US" dirty="0" smtClean="0"/>
+              <a:t>两步聚合后的聚合立方体还有</a:t>
+            </a:r>
+            <a:r>
+              <a:rPr kumimoji="1" lang="en-US" altLang="zh-CN" dirty="0" smtClean="0"/>
+              <a:t>cell</a:t>
+            </a:r>
+            <a:r>
+              <a:rPr kumimoji="1" lang="zh-CN" altLang="en-US" dirty="0" smtClean="0"/>
+              <a:t>的个数为</a:t>
+            </a:r>
+            <a:r>
+              <a:rPr kumimoji="1" lang="en-US" altLang="zh-CN" dirty="0" smtClean="0"/>
+              <a:t>D</a:t>
+            </a:r>
+            <a:r>
+              <a:rPr kumimoji="1" lang="zh-CN" altLang="en-US" dirty="0" smtClean="0"/>
+              <a:t>，以及</a:t>
+            </a:r>
+            <a:r>
+              <a:rPr kumimoji="1" lang="en-US" altLang="zh-CN" dirty="0" err="1" smtClean="0"/>
+              <a:t>i</a:t>
+            </a:r>
+            <a:r>
+              <a:rPr kumimoji="1" lang="zh-CN" altLang="en-US" dirty="0" smtClean="0"/>
+              <a:t>先被聚合</a:t>
+            </a:r>
+            <a:endParaRPr kumimoji="1" lang="en-US" altLang="zh-CN" dirty="0" smtClean="0"/>
+          </a:p>
+          <a:p>
+            <a:r>
+              <a:rPr kumimoji="1" lang="zh-CN" altLang="en-US" dirty="0" smtClean="0"/>
+              <a:t>这两步的总扫描次数：</a:t>
+            </a:r>
+            <a:r>
+              <a:rPr kumimoji="1" lang="en-US" altLang="zh-CN" dirty="0" smtClean="0"/>
+              <a:t>D</a:t>
+            </a:r>
+            <a:r>
+              <a:rPr kumimoji="1" lang="zh-CN" altLang="en-US" dirty="0" smtClean="0"/>
+              <a:t> </a:t>
+            </a:r>
+            <a:r>
+              <a:rPr kumimoji="1" lang="en-US" altLang="zh-CN" dirty="0" smtClean="0"/>
+              <a:t>* di * </a:t>
+            </a:r>
+            <a:r>
+              <a:rPr kumimoji="1" lang="en-US" altLang="zh-CN" dirty="0" err="1" smtClean="0"/>
+              <a:t>dj</a:t>
+            </a:r>
+            <a:r>
+              <a:rPr kumimoji="1" lang="en-US" altLang="zh-CN" dirty="0" smtClean="0"/>
+              <a:t> + D * </a:t>
+            </a:r>
+            <a:r>
+              <a:rPr kumimoji="1" lang="en-US" altLang="zh-CN" dirty="0" err="1" smtClean="0"/>
+              <a:t>dj</a:t>
+            </a:r>
+            <a:r>
+              <a:rPr kumimoji="1" lang="en-US" altLang="zh-CN" dirty="0" smtClean="0"/>
+              <a:t> </a:t>
+            </a:r>
+          </a:p>
+          <a:p>
+            <a:r>
+              <a:rPr kumimoji="1" lang="zh-CN" altLang="en-US" dirty="0" smtClean="0"/>
+              <a:t>类似的，</a:t>
+            </a:r>
+            <a:r>
+              <a:rPr kumimoji="1" lang="en-US" altLang="zh-CN" dirty="0" smtClean="0"/>
+              <a:t>j</a:t>
+            </a:r>
+            <a:r>
+              <a:rPr kumimoji="1" lang="zh-CN" altLang="en-US" dirty="0" smtClean="0"/>
+              <a:t>先被聚合时得到的是：</a:t>
+            </a:r>
+            <a:r>
+              <a:rPr kumimoji="1" lang="en-US" altLang="zh-CN" dirty="0"/>
+              <a:t> D</a:t>
+            </a:r>
+            <a:r>
+              <a:rPr kumimoji="1" lang="zh-CN" altLang="en-US" dirty="0"/>
+              <a:t> </a:t>
+            </a:r>
+            <a:r>
+              <a:rPr kumimoji="1" lang="en-US" altLang="zh-CN" dirty="0"/>
+              <a:t>* di * </a:t>
+            </a:r>
+            <a:r>
+              <a:rPr kumimoji="1" lang="en-US" altLang="zh-CN" dirty="0" err="1"/>
+              <a:t>dj</a:t>
+            </a:r>
+            <a:r>
+              <a:rPr kumimoji="1" lang="en-US" altLang="zh-CN" dirty="0"/>
+              <a:t> + D * </a:t>
+            </a:r>
+            <a:r>
+              <a:rPr kumimoji="1" lang="en-US" altLang="zh-CN" dirty="0" smtClean="0"/>
+              <a:t>di</a:t>
+            </a:r>
+          </a:p>
+        </p:txBody>
+      </p:sp>
+    </p:spTree>
+    <p:extLst>
+      <p:ext uri="{BB962C8B-B14F-4D97-AF65-F5344CB8AC3E}">
+        <p14:creationId xmlns:p14="http://schemas.microsoft.com/office/powerpoint/2010/main" val="954474331"/>
+      </p:ext>
+    </p:extLst>
+  </p:cSld>
+  <p:clrMapOvr>
+    <a:masterClrMapping/>
+  </p:clrMapOvr>
+</p:sld>
+</file>
+
+<file path=ppt/slides/slide25.xml><?xml version="1.0" encoding="utf-8"?>
+<p:sld xmlns:a="http://schemas.openxmlformats.org/drawingml/2006/main" xmlns:r="http://schemas.openxmlformats.org/officeDocument/2006/relationships" xmlns:p="http://schemas.openxmlformats.org/presentationml/2006/main">
+  <p:cSld>
+    <p:spTree>
+      <p:nvGrpSpPr>
+        <p:cNvPr id="1" name=""/>
+        <p:cNvGrpSpPr/>
+        <p:nvPr/>
+      </p:nvGrpSpPr>
+      <p:grpSpPr>
+        <a:xfrm>
+          <a:off x="0" y="0"/>
+          <a:ext cx="0" cy="0"/>
+          <a:chOff x="0" y="0"/>
+          <a:chExt cx="0" cy="0"/>
+        </a:xfrm>
+      </p:grpSpPr>
+      <p:sp>
+        <p:nvSpPr>
+          <p:cNvPr id="2" name="标题 1"/>
+          <p:cNvSpPr>
+            <a:spLocks noGrp="1"/>
+          </p:cNvSpPr>
+          <p:nvPr>
+            <p:ph type="title"/>
+          </p:nvPr>
+        </p:nvSpPr>
+        <p:spPr/>
+        <p:txBody>
+          <a:bodyPr/>
+          <a:lstStyle/>
+          <a:p>
+            <a:r>
+              <a:rPr kumimoji="1" lang="en-US" altLang="zh-CN" dirty="0"/>
+              <a:t>One simple evaluation function to determine what is optimal (at time factor)</a:t>
+            </a:r>
+            <a:endParaRPr kumimoji="1" lang="zh-CN" altLang="en-US" dirty="0"/>
+          </a:p>
+        </p:txBody>
+      </p:sp>
+      <p:sp>
+        <p:nvSpPr>
+          <p:cNvPr id="3" name="内容占位符 2"/>
+          <p:cNvSpPr>
+            <a:spLocks noGrp="1"/>
+          </p:cNvSpPr>
+          <p:nvPr>
+            <p:ph idx="1"/>
+          </p:nvPr>
+        </p:nvSpPr>
+        <p:spPr>
+          <a:xfrm>
+            <a:off x="1484310" y="2666999"/>
+            <a:ext cx="10018713" cy="4191001"/>
+          </a:xfrm>
+        </p:spPr>
+        <p:txBody>
+          <a:bodyPr anchor="t">
+            <a:normAutofit lnSpcReduction="10000"/>
+          </a:bodyPr>
+          <a:lstStyle/>
+          <a:p>
+            <a:r>
+              <a:rPr kumimoji="1" lang="zh-CN" altLang="en-US" dirty="0" smtClean="0"/>
+              <a:t>证明：</a:t>
+            </a:r>
+            <a:endParaRPr kumimoji="1" lang="en-US" altLang="zh-CN" dirty="0" smtClean="0"/>
+          </a:p>
+          <a:p>
+            <a:r>
+              <a:rPr kumimoji="1" lang="zh-CN" altLang="en-US" dirty="0" smtClean="0"/>
+              <a:t>此时可以看出，先聚合</a:t>
+            </a:r>
+            <a:r>
+              <a:rPr kumimoji="1" lang="en-US" altLang="zh-CN" dirty="0" smtClean="0"/>
+              <a:t>di</a:t>
+            </a:r>
+            <a:r>
+              <a:rPr kumimoji="1" lang="zh-CN" altLang="en-US" dirty="0" smtClean="0"/>
+              <a:t>、</a:t>
+            </a:r>
+            <a:r>
+              <a:rPr kumimoji="1" lang="en-US" altLang="zh-CN" dirty="0" err="1" smtClean="0"/>
+              <a:t>dj</a:t>
+            </a:r>
+            <a:r>
+              <a:rPr kumimoji="1" lang="zh-CN" altLang="en-US" dirty="0" smtClean="0"/>
+              <a:t>中比较大的那一个对应的维度时会得到更小的总扫描次数</a:t>
+            </a:r>
+            <a:endParaRPr kumimoji="1" lang="en-US" altLang="zh-CN" dirty="0" smtClean="0"/>
+          </a:p>
+          <a:p>
+            <a:r>
+              <a:rPr kumimoji="1" lang="zh-CN" altLang="en-US" dirty="0" smtClean="0"/>
+              <a:t>因此，给定任意一个序列，除非其已经是严格按照如下的标准来完成聚合，否则总能找到一次调整，使得调整后的聚合序列拥有更少的总扫描次数</a:t>
+            </a:r>
+            <a:endParaRPr kumimoji="1" lang="en-US" altLang="zh-CN" dirty="0" smtClean="0"/>
+          </a:p>
+          <a:p>
+            <a:pPr lvl="1"/>
+            <a:r>
+              <a:rPr kumimoji="1" lang="zh-CN" altLang="en-US" dirty="0" smtClean="0"/>
+              <a:t>序列对应的维度值是严格单调非增的</a:t>
+            </a:r>
+            <a:endParaRPr kumimoji="1" lang="en-US" altLang="zh-CN" dirty="0"/>
+          </a:p>
+          <a:p>
+            <a:r>
+              <a:rPr kumimoji="1" lang="zh-CN" altLang="en-US" dirty="0" smtClean="0"/>
+              <a:t>而满足最少总扫描次数的聚合序列，可以由一个简单的贪心算法得到（前述）</a:t>
+            </a:r>
+            <a:endParaRPr kumimoji="1" lang="en-US" altLang="zh-CN" dirty="0"/>
+          </a:p>
+          <a:p>
+            <a:r>
+              <a:rPr kumimoji="1" lang="zh-CN" altLang="en-US" smtClean="0"/>
+              <a:t>证毕</a:t>
+            </a:r>
+            <a:endParaRPr kumimoji="1" lang="en-US" altLang="zh-CN" smtClean="0"/>
+          </a:p>
+        </p:txBody>
+      </p:sp>
+    </p:spTree>
+    <p:extLst>
+      <p:ext uri="{BB962C8B-B14F-4D97-AF65-F5344CB8AC3E}">
+        <p14:creationId xmlns:p14="http://schemas.microsoft.com/office/powerpoint/2010/main" val="1973586218"/>
+      </p:ext>
+    </p:extLst>
+  </p:cSld>
+  <p:clrMapOvr>
+    <a:masterClrMapping/>
+  </p:clrMapOvr>
+</p:sld>
+</file>
+
+<file path=ppt/slides/slide26.xml><?xml version="1.0" encoding="utf-8"?>
+<p:sld xmlns:a="http://schemas.openxmlformats.org/drawingml/2006/main" xmlns:r="http://schemas.openxmlformats.org/officeDocument/2006/relationships" xmlns:p="http://schemas.openxmlformats.org/presentationml/2006/main">
+  <p:cSld>
+    <p:spTree>
+      <p:nvGrpSpPr>
+        <p:cNvPr id="1" name=""/>
+        <p:cNvGrpSpPr/>
+        <p:nvPr/>
+      </p:nvGrpSpPr>
+      <p:grpSpPr>
+        <a:xfrm>
+          <a:off x="0" y="0"/>
+          <a:ext cx="0" cy="0"/>
+          <a:chOff x="0" y="0"/>
+          <a:chExt cx="0" cy="0"/>
+        </a:xfrm>
+      </p:grpSpPr>
+      <p:sp>
+        <p:nvSpPr>
+          <p:cNvPr id="2" name="标题 1"/>
+          <p:cNvSpPr>
+            <a:spLocks noGrp="1"/>
+          </p:cNvSpPr>
+          <p:nvPr>
+            <p:ph type="title"/>
+          </p:nvPr>
+        </p:nvSpPr>
+        <p:spPr/>
+        <p:txBody>
+          <a:bodyPr/>
+          <a:lstStyle/>
+          <a:p>
+            <a:r>
+              <a:rPr kumimoji="1" lang="en-US" altLang="zh-CN" dirty="0" smtClean="0"/>
+              <a:t>Evaluation</a:t>
+            </a:r>
+            <a:endParaRPr kumimoji="1" lang="zh-CN" altLang="en-US" dirty="0"/>
+          </a:p>
+        </p:txBody>
+      </p:sp>
+      <p:sp>
+        <p:nvSpPr>
+          <p:cNvPr id="3" name="内容占位符 2"/>
+          <p:cNvSpPr>
+            <a:spLocks noGrp="1"/>
+          </p:cNvSpPr>
+          <p:nvPr>
+            <p:ph idx="1"/>
+          </p:nvPr>
+        </p:nvSpPr>
+        <p:spPr/>
+        <p:txBody>
+          <a:bodyPr anchor="t"/>
+          <a:lstStyle/>
+          <a:p>
+            <a:r>
+              <a:rPr kumimoji="1" lang="en-US" altLang="zh-CN" dirty="0" smtClean="0"/>
+              <a:t>Some observations:</a:t>
+            </a:r>
+          </a:p>
+          <a:p>
+            <a:r>
+              <a:rPr kumimoji="1" lang="en-US" altLang="zh-CN" dirty="0" smtClean="0"/>
+              <a:t>Dataset at size 2*10^8, </a:t>
+            </a:r>
+            <a:r>
+              <a:rPr kumimoji="1" lang="en-US" altLang="zh-CN" dirty="0" err="1"/>
+              <a:t>Πdi</a:t>
+            </a:r>
+            <a:r>
+              <a:rPr kumimoji="1" lang="en-US" altLang="zh-CN" dirty="0"/>
+              <a:t> </a:t>
+            </a:r>
+            <a:r>
+              <a:rPr kumimoji="1" lang="en-US" altLang="zh-CN" dirty="0" smtClean="0"/>
+              <a:t>at 25,000:</a:t>
+            </a:r>
+          </a:p>
+          <a:p>
+            <a:pPr lvl="1"/>
+            <a:r>
+              <a:rPr kumimoji="1" lang="en-US" altLang="zh-CN" dirty="0" err="1" smtClean="0"/>
+              <a:t>t_scan</a:t>
+            </a:r>
+            <a:r>
+              <a:rPr kumimoji="1" lang="en-US" altLang="zh-CN" dirty="0" smtClean="0"/>
+              <a:t> </a:t>
+            </a:r>
+            <a:r>
+              <a:rPr kumimoji="1" lang="en-US" altLang="zh-CN" dirty="0" smtClean="0"/>
+              <a:t>&gt;&gt; </a:t>
+            </a:r>
+            <a:r>
+              <a:rPr kumimoji="1" lang="en-US" altLang="zh-CN" dirty="0" err="1" smtClean="0"/>
+              <a:t>t_copy</a:t>
+            </a:r>
+            <a:r>
+              <a:rPr kumimoji="1" lang="en-US" altLang="zh-CN" dirty="0" smtClean="0"/>
+              <a:t> </a:t>
+            </a:r>
+            <a:r>
+              <a:rPr kumimoji="1" lang="en-US" altLang="zh-CN" dirty="0" smtClean="0"/>
+              <a:t>&gt;&gt; </a:t>
+            </a:r>
+            <a:r>
+              <a:rPr kumimoji="1" lang="en-US" altLang="zh-CN" dirty="0" err="1" smtClean="0"/>
+              <a:t>t</a:t>
+            </a:r>
+            <a:r>
+              <a:rPr kumimoji="1" lang="en-US" altLang="zh-CN" dirty="0" err="1" smtClean="0"/>
+              <a:t>_agg</a:t>
+            </a:r>
+            <a:endParaRPr kumimoji="1" lang="en-US" altLang="zh-CN" dirty="0" smtClean="0"/>
+          </a:p>
+          <a:p>
+            <a:pPr lvl="1"/>
+            <a:r>
+              <a:rPr kumimoji="1" lang="en-US" altLang="zh-CN" dirty="0" smtClean="0"/>
+              <a:t>Performance improvement is not so significant when parallel kernel adds.</a:t>
+            </a:r>
+          </a:p>
+          <a:p>
+            <a:pPr lvl="2"/>
+            <a:r>
+              <a:rPr kumimoji="1" lang="en-US" altLang="zh-CN" dirty="0" smtClean="0"/>
+              <a:t>(3.8s at 1 kernel, 1.8s at 4 kernels)</a:t>
+            </a:r>
+            <a:endParaRPr kumimoji="1" lang="en-US" altLang="zh-CN" dirty="0"/>
+          </a:p>
+          <a:p>
+            <a:pPr lvl="1"/>
+            <a:endParaRPr kumimoji="1" lang="en-US" altLang="zh-CN" dirty="0"/>
+          </a:p>
+          <a:p>
+            <a:endParaRPr kumimoji="1" lang="en-US" altLang="zh-CN" dirty="0" smtClean="0"/>
+          </a:p>
+          <a:p>
+            <a:endParaRPr kumimoji="1" lang="en-US" altLang="zh-CN" dirty="0" smtClean="0"/>
+          </a:p>
+        </p:txBody>
+      </p:sp>
+    </p:spTree>
+    <p:extLst>
+      <p:ext uri="{BB962C8B-B14F-4D97-AF65-F5344CB8AC3E}">
+        <p14:creationId xmlns:p14="http://schemas.microsoft.com/office/powerpoint/2010/main" val="2093226638"/>
+      </p:ext>
+    </p:extLst>
+  </p:cSld>
+  <p:clrMapOvr>
+    <a:masterClrMapping/>
+  </p:clrMapOvr>
+</p:sld>
+</file>
+
+<file path=ppt/slides/slide27.xml><?xml version="1.0" encoding="utf-8"?>
+<p:sld xmlns:a="http://schemas.openxmlformats.org/drawingml/2006/main" xmlns:r="http://schemas.openxmlformats.org/officeDocument/2006/relationships" xmlns:p="http://schemas.openxmlformats.org/presentationml/2006/main">
+  <p:cSld>
+    <p:spTree>
+      <p:nvGrpSpPr>
+        <p:cNvPr id="1" name=""/>
+        <p:cNvGrpSpPr/>
+        <p:nvPr/>
+      </p:nvGrpSpPr>
+      <p:grpSpPr>
+        <a:xfrm>
+          <a:off x="0" y="0"/>
+          <a:ext cx="0" cy="0"/>
+          <a:chOff x="0" y="0"/>
+          <a:chExt cx="0" cy="0"/>
+        </a:xfrm>
+      </p:grpSpPr>
+      <p:sp>
+        <p:nvSpPr>
+          <p:cNvPr id="2" name="标题 1"/>
+          <p:cNvSpPr>
+            <a:spLocks noGrp="1"/>
+          </p:cNvSpPr>
+          <p:nvPr>
+            <p:ph type="title"/>
+          </p:nvPr>
+        </p:nvSpPr>
+        <p:spPr/>
+        <p:txBody>
+          <a:bodyPr/>
+          <a:lstStyle/>
+          <a:p>
+            <a:r>
+              <a:rPr kumimoji="1" lang="en-US" altLang="zh-CN" dirty="0" smtClean="0"/>
+              <a:t>Future work</a:t>
+            </a:r>
+            <a:endParaRPr kumimoji="1" lang="zh-CN" altLang="en-US" dirty="0"/>
+          </a:p>
+        </p:txBody>
+      </p:sp>
+      <p:sp>
+        <p:nvSpPr>
+          <p:cNvPr id="3" name="内容占位符 2"/>
+          <p:cNvSpPr>
+            <a:spLocks noGrp="1"/>
+          </p:cNvSpPr>
+          <p:nvPr>
+            <p:ph idx="1"/>
+          </p:nvPr>
+        </p:nvSpPr>
+        <p:spPr/>
+        <p:txBody>
+          <a:bodyPr/>
+          <a:lstStyle/>
+          <a:p>
+            <a:endParaRPr kumimoji="1" lang="zh-CN" altLang="en-US" dirty="0"/>
+          </a:p>
+        </p:txBody>
+      </p:sp>
+    </p:spTree>
+    <p:extLst>
+      <p:ext uri="{BB962C8B-B14F-4D97-AF65-F5344CB8AC3E}">
+        <p14:creationId xmlns:p14="http://schemas.microsoft.com/office/powerpoint/2010/main" val="1102934"/>
+      </p:ext>
+    </p:extLst>
+  </p:cSld>
+  <p:clrMapOvr>
+    <a:masterClrMapping/>
+  </p:clrMapOvr>
+</p:sld>
+</file>
+
+<file path=ppt/slides/slide28.xml><?xml version="1.0" encoding="utf-8"?>
+<p:sld xmlns:a="http://schemas.openxmlformats.org/drawingml/2006/main" xmlns:r="http://schemas.openxmlformats.org/officeDocument/2006/relationships" xmlns:p="http://schemas.openxmlformats.org/presentationml/2006/main">
+  <p:cSld>
+    <p:spTree>
+      <p:nvGrpSpPr>
+        <p:cNvPr id="1" name=""/>
+        <p:cNvGrpSpPr/>
+        <p:nvPr/>
+      </p:nvGrpSpPr>
+      <p:grpSpPr>
+        <a:xfrm>
+          <a:off x="0" y="0"/>
+          <a:ext cx="0" cy="0"/>
+          <a:chOff x="0" y="0"/>
+          <a:chExt cx="0" cy="0"/>
+        </a:xfrm>
+      </p:grpSpPr>
+      <p:sp>
+        <p:nvSpPr>
+          <p:cNvPr id="2" name="标题 1"/>
+          <p:cNvSpPr>
+            <a:spLocks noGrp="1"/>
+          </p:cNvSpPr>
+          <p:nvPr>
+            <p:ph type="title"/>
+          </p:nvPr>
+        </p:nvSpPr>
+        <p:spPr/>
+        <p:txBody>
+          <a:bodyPr/>
+          <a:lstStyle/>
+          <a:p>
+            <a:r>
+              <a:rPr kumimoji="1" lang="en-US" altLang="zh-CN" dirty="0" smtClean="0"/>
+              <a:t>THX</a:t>
+            </a:r>
+            <a:endParaRPr kumimoji="1" lang="zh-CN" altLang="en-US" dirty="0"/>
+          </a:p>
+        </p:txBody>
+      </p:sp>
+      <p:sp>
+        <p:nvSpPr>
+          <p:cNvPr id="3" name="内容占位符 2"/>
+          <p:cNvSpPr>
+            <a:spLocks noGrp="1"/>
+          </p:cNvSpPr>
+          <p:nvPr>
+            <p:ph idx="1"/>
+          </p:nvPr>
+        </p:nvSpPr>
+        <p:spPr/>
+        <p:txBody>
+          <a:bodyPr/>
+          <a:lstStyle/>
+          <a:p>
+            <a:endParaRPr kumimoji="1" lang="zh-CN" altLang="en-US"/>
+          </a:p>
+        </p:txBody>
+      </p:sp>
+    </p:spTree>
+    <p:extLst>
+      <p:ext uri="{BB962C8B-B14F-4D97-AF65-F5344CB8AC3E}">
+        <p14:creationId xmlns:p14="http://schemas.microsoft.com/office/powerpoint/2010/main" val="1269829856"/>
       </p:ext>
     </p:extLst>
   </p:cSld>
@@ -6814,73 +9930,63 @@
           <a:bodyPr anchor="t"/>
           <a:lstStyle/>
           <a:p>
-            <a:r>
-              <a:rPr kumimoji="1" lang="en-US" altLang="zh-CN" dirty="0" smtClean="0"/>
-              <a:t>An approach to save memory as much as possible: Aggregation from </a:t>
-            </a:r>
-            <a:r>
-              <a:rPr kumimoji="1" lang="en-US" altLang="zh-CN" dirty="0" smtClean="0">
-                <a:solidFill>
-                  <a:srgbClr val="FF0000"/>
-                </a:solidFill>
-              </a:rPr>
-              <a:t>each cell</a:t>
-            </a:r>
-          </a:p>
-          <a:p>
-            <a:pPr lvl="1"/>
-            <a:r>
-              <a:rPr kumimoji="1" lang="en-US" altLang="zh-CN" dirty="0" smtClean="0"/>
-              <a:t>We use a kernel to generate </a:t>
-            </a:r>
-            <a:r>
-              <a:rPr kumimoji="1" lang="en-US" altLang="zh-CN" b="1" u="sng" dirty="0" smtClean="0">
-                <a:solidFill>
-                  <a:srgbClr val="FF0000"/>
-                </a:solidFill>
-              </a:rPr>
-              <a:t>a/some</a:t>
-            </a:r>
-            <a:r>
-              <a:rPr kumimoji="1" lang="en-US" altLang="zh-CN" dirty="0" smtClean="0"/>
-              <a:t> specific cell(s) in the data aggregation cube</a:t>
-            </a:r>
-          </a:p>
-          <a:p>
-            <a:pPr lvl="2"/>
-            <a:r>
-              <a:rPr kumimoji="1" lang="en-US" altLang="zh-CN" dirty="0" smtClean="0"/>
-              <a:t>For example: a cell at dimension (3, 5, 4), 3 refers the position in the first dimension, and so on</a:t>
-            </a:r>
-          </a:p>
-          <a:p>
-            <a:pPr lvl="2"/>
-            <a:r>
-              <a:rPr kumimoji="1" lang="en-US" altLang="zh-CN" dirty="0" smtClean="0"/>
-              <a:t>We use a shared aggregation cube structure to store all the result of aggregation</a:t>
-            </a:r>
-          </a:p>
-          <a:p>
-            <a:pPr lvl="2"/>
-            <a:r>
-              <a:rPr kumimoji="1" lang="en-US" altLang="zh-CN" dirty="0" smtClean="0"/>
-              <a:t>For each kernel, one complete scan is needed to generate a/some cell(s) in a time</a:t>
+            <a:pPr marL="285750" lvl="1"/>
+            <a:r>
+              <a:rPr kumimoji="1" lang="en-US" altLang="zh-CN" dirty="0"/>
+              <a:t>Assumption: k kernels to do this work, dimension (d1, d2, </a:t>
+            </a:r>
+            <a:r>
+              <a:rPr kumimoji="1" lang="mr-IN" altLang="zh-CN" dirty="0"/>
+              <a:t>…</a:t>
+            </a:r>
+            <a:r>
+              <a:rPr kumimoji="1" lang="en-US" altLang="zh-CN" dirty="0"/>
+              <a:t>, </a:t>
+            </a:r>
+            <a:r>
+              <a:rPr kumimoji="1" lang="en-US" altLang="zh-CN" dirty="0" err="1"/>
+              <a:t>dn</a:t>
+            </a:r>
+            <a:r>
+              <a:rPr kumimoji="1" lang="en-US" altLang="zh-CN" dirty="0"/>
+              <a:t>), a cell of aggregation’s size: s, cells to generate per kernel: g, time to scan dataset: </a:t>
+            </a:r>
+            <a:r>
+              <a:rPr kumimoji="1" lang="en-US" altLang="zh-CN" dirty="0" err="1"/>
+              <a:t>t_scan</a:t>
+            </a:r>
+            <a:r>
+              <a:rPr kumimoji="1" lang="en-US" altLang="zh-CN" dirty="0"/>
+              <a:t>, time to copy a cell: </a:t>
+            </a:r>
+            <a:r>
+              <a:rPr kumimoji="1" lang="en-US" altLang="zh-CN" dirty="0" err="1"/>
+              <a:t>t_copy</a:t>
+            </a:r>
+            <a:r>
+              <a:rPr kumimoji="1" lang="en-US" altLang="zh-CN" dirty="0"/>
+              <a:t>, time to aggregate a partial aggregation into global aggregation: </a:t>
+            </a:r>
+            <a:r>
+              <a:rPr kumimoji="1" lang="en-US" altLang="zh-CN" dirty="0" err="1"/>
+              <a:t>t_agg</a:t>
+            </a:r>
+            <a:r>
+              <a:rPr kumimoji="1" lang="en-US" altLang="zh-CN" dirty="0"/>
+              <a:t>, dataset size: </a:t>
+            </a:r>
+            <a:r>
+              <a:rPr kumimoji="1" lang="en-US" altLang="zh-CN" dirty="0" smtClean="0"/>
+              <a:t>d</a:t>
             </a:r>
             <a:endParaRPr kumimoji="1" lang="en-US" altLang="zh-CN" dirty="0"/>
-          </a:p>
-          <a:p>
-            <a:endParaRPr kumimoji="1" lang="zh-CN" altLang="en-US" dirty="0">
-              <a:solidFill>
-                <a:srgbClr val="FF0000"/>
-              </a:solidFill>
-            </a:endParaRPr>
           </a:p>
         </p:txBody>
       </p:sp>
     </p:spTree>
     <p:extLst>
       <p:ext uri="{BB962C8B-B14F-4D97-AF65-F5344CB8AC3E}">
-        <p14:creationId xmlns:p14="http://schemas.microsoft.com/office/powerpoint/2010/main" val="1029740275"/>
+        <p14:creationId xmlns:p14="http://schemas.microsoft.com/office/powerpoint/2010/main" val="800339988"/>
       </p:ext>
     </p:extLst>
   </p:cSld>
@@ -6940,16 +10046,9 @@
             <p:ph idx="1"/>
           </p:nvPr>
         </p:nvSpPr>
-        <p:spPr>
-          <a:xfrm>
-            <a:off x="1484310" y="2666999"/>
-            <a:ext cx="10018713" cy="3911931"/>
-          </a:xfrm>
-        </p:spPr>
-        <p:txBody>
-          <a:bodyPr anchor="t">
-            <a:normAutofit/>
-          </a:bodyPr>
+        <p:spPr/>
+        <p:txBody>
+          <a:bodyPr anchor="t"/>
           <a:lstStyle/>
           <a:p>
             <a:r>
@@ -6969,127 +10068,40 @@
             <a:pPr lvl="1"/>
             <a:r>
               <a:rPr kumimoji="1" lang="en-US" altLang="zh-CN" dirty="0" smtClean="0"/>
-              <a:t>Assumption: k kernels to do this work, dimension (d1, d2, </a:t>
-            </a:r>
-            <a:r>
-              <a:rPr kumimoji="1" lang="mr-IN" altLang="zh-CN" dirty="0" smtClean="0"/>
-              <a:t>…</a:t>
-            </a:r>
-            <a:r>
-              <a:rPr kumimoji="1" lang="en-US" altLang="zh-CN" dirty="0" smtClean="0"/>
-              <a:t>, </a:t>
-            </a:r>
-            <a:r>
-              <a:rPr kumimoji="1" lang="en-US" altLang="zh-CN" dirty="0" err="1" smtClean="0"/>
-              <a:t>dn</a:t>
-            </a:r>
-            <a:r>
-              <a:rPr kumimoji="1" lang="en-US" altLang="zh-CN" dirty="0" smtClean="0"/>
-              <a:t>), a cell of aggregation’s size: s, cells to generate per kernel: g, time to scan dataset: t, time to copy a cell: t’, </a:t>
-            </a:r>
-            <a:r>
-              <a:rPr kumimoji="1" lang="en-US" altLang="zh-CN" dirty="0"/>
-              <a:t>time to aggregate a partial aggregation into global aggregation: t’’, </a:t>
-            </a:r>
-            <a:r>
-              <a:rPr kumimoji="1" lang="en-US" altLang="zh-CN" dirty="0" smtClean="0"/>
-              <a:t>dataset size: d</a:t>
-            </a:r>
-          </a:p>
-          <a:p>
-            <a:pPr lvl="1"/>
-            <a:r>
-              <a:rPr kumimoji="1" lang="en-US" altLang="zh-CN" dirty="0" smtClean="0"/>
-              <a:t>(g * k | </a:t>
-            </a:r>
-            <a:r>
-              <a:rPr kumimoji="1" lang="it-IT" altLang="zh-CN" dirty="0" err="1" smtClean="0"/>
-              <a:t>Πdi</a:t>
-            </a:r>
-            <a:r>
-              <a:rPr kumimoji="1" lang="en-US" altLang="zh-CN" dirty="0" smtClean="0"/>
-              <a:t>)</a:t>
-            </a:r>
-          </a:p>
-          <a:p>
-            <a:pPr lvl="1"/>
-            <a:r>
-              <a:rPr kumimoji="1" lang="en-US" altLang="zh-CN" dirty="0" smtClean="0"/>
-              <a:t>max memory occupation: d + s * (</a:t>
-            </a:r>
-            <a:r>
-              <a:rPr lang="en-US" altLang="zh-CN" dirty="0" smtClean="0"/>
-              <a:t>k * g + </a:t>
-            </a:r>
-            <a:r>
-              <a:rPr lang="el-GR" altLang="zh-CN" dirty="0" smtClean="0"/>
-              <a:t>Π</a:t>
-            </a:r>
-            <a:r>
-              <a:rPr lang="en-US" altLang="zh-CN" dirty="0" smtClean="0"/>
-              <a:t>di</a:t>
-            </a:r>
-            <a:r>
-              <a:rPr kumimoji="1" lang="en-US" altLang="zh-CN" dirty="0" smtClean="0"/>
-              <a:t>)</a:t>
-            </a:r>
-          </a:p>
-          <a:p>
-            <a:pPr lvl="1"/>
-            <a:r>
-              <a:rPr kumimoji="1" lang="en-US" altLang="zh-CN" dirty="0" smtClean="0"/>
-              <a:t>time consumed: </a:t>
-            </a:r>
-            <a:r>
-              <a:rPr kumimoji="1" lang="en-US" altLang="zh-CN" dirty="0" smtClean="0">
+              <a:t>We use a kernel to generate </a:t>
+            </a:r>
+            <a:r>
+              <a:rPr kumimoji="1" lang="en-US" altLang="zh-CN" b="1" u="sng" dirty="0" smtClean="0">
                 <a:solidFill>
                   <a:srgbClr val="FF0000"/>
                 </a:solidFill>
               </a:rPr>
-              <a:t>t * (</a:t>
-            </a:r>
-            <a:r>
-              <a:rPr lang="el-GR" altLang="zh-CN" dirty="0">
-                <a:solidFill>
-                  <a:srgbClr val="FF0000"/>
-                </a:solidFill>
-              </a:rPr>
-              <a:t>Π</a:t>
-            </a:r>
-            <a:r>
-              <a:rPr lang="en-US" altLang="zh-CN" dirty="0" smtClean="0">
-                <a:solidFill>
-                  <a:srgbClr val="FF0000"/>
-                </a:solidFill>
-              </a:rPr>
-              <a:t>di / k / g</a:t>
-            </a:r>
-            <a:r>
-              <a:rPr kumimoji="1" lang="en-US" altLang="zh-CN" dirty="0" smtClean="0">
-                <a:solidFill>
-                  <a:srgbClr val="FF0000"/>
-                </a:solidFill>
-              </a:rPr>
-              <a:t>) </a:t>
-            </a:r>
-            <a:r>
-              <a:rPr kumimoji="1" lang="en-US" altLang="zh-CN" dirty="0" smtClean="0"/>
-              <a:t>+ t’ * </a:t>
-            </a:r>
-            <a:r>
-              <a:rPr lang="el-GR" altLang="zh-CN" dirty="0"/>
-              <a:t>Π</a:t>
-            </a:r>
-            <a:r>
-              <a:rPr lang="en-US" altLang="zh-CN" dirty="0" smtClean="0"/>
-              <a:t>di + t’’</a:t>
+              <a:t>a/some</a:t>
+            </a:r>
+            <a:r>
+              <a:rPr kumimoji="1" lang="en-US" altLang="zh-CN" dirty="0" smtClean="0"/>
+              <a:t> specific cell(s) in the data aggregation cube</a:t>
             </a:r>
           </a:p>
           <a:p>
             <a:pPr lvl="2"/>
             <a:r>
               <a:rPr kumimoji="1" lang="en-US" altLang="zh-CN" dirty="0" smtClean="0"/>
-              <a:t>Sometimes it will take too long time to do this part</a:t>
+              <a:t>For example: a cell at dimension (3, 5, 4), 3 refers the position in the first dimension, and so on</a:t>
+            </a:r>
+          </a:p>
+          <a:p>
+            <a:pPr lvl="2"/>
+            <a:r>
+              <a:rPr kumimoji="1" lang="en-US" altLang="zh-CN" dirty="0" smtClean="0"/>
+              <a:t>We use a shared aggregation cube structure to store all the result of aggregation</a:t>
+            </a:r>
+          </a:p>
+          <a:p>
+            <a:pPr lvl="2"/>
+            <a:r>
+              <a:rPr kumimoji="1" lang="en-US" altLang="zh-CN" dirty="0" smtClean="0"/>
+              <a:t>For each kernel, one complete scan is needed to generate a/some cell(s) in a time</a:t>
             </a:r>
             <a:endParaRPr kumimoji="1" lang="en-US" altLang="zh-CN" dirty="0"/>
           </a:p>
@@ -7105,7 +10117,7 @@
     </p:spTree>
     <p:extLst>
       <p:ext uri="{BB962C8B-B14F-4D97-AF65-F5344CB8AC3E}">
-        <p14:creationId xmlns:p14="http://schemas.microsoft.com/office/powerpoint/2010/main" val="346327375"/>
+        <p14:creationId xmlns:p14="http://schemas.microsoft.com/office/powerpoint/2010/main" val="1029740275"/>
       </p:ext>
     </p:extLst>
   </p:cSld>
@@ -7168,115 +10180,360 @@
         <p:spPr>
           <a:xfrm>
             <a:off x="1484310" y="2666999"/>
-            <a:ext cx="10018713" cy="3615048"/>
+            <a:ext cx="10018713" cy="4191001"/>
           </a:xfrm>
         </p:spPr>
         <p:txBody>
           <a:bodyPr anchor="t">
-            <a:normAutofit/>
+            <a:normAutofit fontScale="55000" lnSpcReduction="20000"/>
           </a:bodyPr>
           <a:lstStyle/>
           <a:p>
             <a:r>
-              <a:rPr kumimoji="1" lang="en-US" altLang="zh-CN" dirty="0" smtClean="0"/>
-              <a:t>An approach to save time as much as possible: Aggregation from </a:t>
-            </a:r>
-            <a:r>
-              <a:rPr kumimoji="1" lang="en-US" altLang="zh-CN" dirty="0" smtClean="0">
-                <a:solidFill>
-                  <a:srgbClr val="FF0000"/>
-                </a:solidFill>
-              </a:rPr>
-              <a:t>each part of the dataset</a:t>
-            </a:r>
-          </a:p>
-          <a:p>
-            <a:pPr lvl="1"/>
-            <a:r>
-              <a:rPr kumimoji="1" lang="en-US" altLang="zh-CN" dirty="0"/>
-              <a:t>We use a kernel to generate </a:t>
-            </a:r>
-            <a:r>
-              <a:rPr kumimoji="1" lang="en-US" altLang="zh-CN" b="1" u="sng" dirty="0" smtClean="0">
-                <a:solidFill>
-                  <a:srgbClr val="FF0000"/>
-                </a:solidFill>
-              </a:rPr>
-              <a:t>a </a:t>
-            </a:r>
-            <a:r>
-              <a:rPr kumimoji="1" lang="en-US" altLang="zh-CN" b="1" u="sng" dirty="0">
-                <a:solidFill>
-                  <a:srgbClr val="FF0000"/>
-                </a:solidFill>
-              </a:rPr>
-              <a:t>specific </a:t>
-            </a:r>
-            <a:r>
-              <a:rPr kumimoji="1" lang="en-US" altLang="zh-CN" b="1" u="sng" dirty="0" smtClean="0">
-                <a:solidFill>
-                  <a:srgbClr val="FF0000"/>
-                </a:solidFill>
-              </a:rPr>
-              <a:t>subset of dataset’s </a:t>
-            </a:r>
-            <a:r>
-              <a:rPr kumimoji="1" lang="en-US" altLang="zh-CN" dirty="0" smtClean="0"/>
-              <a:t>aggregation (completed)</a:t>
-            </a:r>
-          </a:p>
-          <a:p>
-            <a:pPr lvl="2"/>
-            <a:r>
-              <a:rPr kumimoji="1" lang="en-US" altLang="zh-CN" dirty="0" smtClean="0"/>
-              <a:t>Each kernel uses </a:t>
-            </a:r>
-            <a:r>
-              <a:rPr kumimoji="1" lang="en-US" altLang="zh-CN" dirty="0" smtClean="0">
-                <a:solidFill>
-                  <a:srgbClr val="FF0000"/>
-                </a:solidFill>
-              </a:rPr>
-              <a:t>a local memory </a:t>
-            </a:r>
-            <a:r>
-              <a:rPr kumimoji="1" lang="en-US" altLang="zh-CN" dirty="0" smtClean="0"/>
-              <a:t>to store the complete aggregation result of corresponding subset of dataset</a:t>
-            </a:r>
-          </a:p>
-          <a:p>
-            <a:pPr lvl="3"/>
-            <a:r>
-              <a:rPr kumimoji="1" lang="en-US" altLang="zh-CN" dirty="0" smtClean="0"/>
-              <a:t>(?)Even in this situation we can still </a:t>
-            </a:r>
-            <a:r>
-              <a:rPr kumimoji="1" lang="en-US" altLang="zh-CN" dirty="0" smtClean="0">
-                <a:solidFill>
-                  <a:srgbClr val="FF0000"/>
-                </a:solidFill>
-              </a:rPr>
-              <a:t>use a shared memory and divide it into many parts </a:t>
-            </a:r>
-            <a:r>
-              <a:rPr kumimoji="1" lang="en-US" altLang="zh-CN" dirty="0" smtClean="0"/>
-              <a:t>for each kernel to save some copy time</a:t>
-            </a:r>
-          </a:p>
-          <a:p>
-            <a:pPr lvl="2"/>
-            <a:r>
-              <a:rPr kumimoji="1" lang="en-US" altLang="zh-CN" dirty="0" smtClean="0"/>
-              <a:t>A extra aggregation is needed to aggregate every partial aggregation into a completed aggregation</a:t>
-            </a:r>
-            <a:endParaRPr kumimoji="1" lang="en-US" altLang="zh-CN" dirty="0"/>
+              <a:rPr lang="zh-CN" altLang="zh-CN" dirty="0"/>
+              <a:t>算法运行的步骤：</a:t>
+            </a:r>
+          </a:p>
+          <a:p>
+            <a:r>
+              <a:rPr lang="en-US" altLang="zh-CN" dirty="0"/>
+              <a:t>0.</a:t>
+            </a:r>
+            <a:r>
+              <a:rPr lang="zh-CN" altLang="zh-CN" dirty="0"/>
+              <a:t>根据调度方案生成</a:t>
+            </a:r>
+            <a:r>
+              <a:rPr lang="en-US" altLang="zh-CN" dirty="0"/>
+              <a:t>kernel</a:t>
+            </a:r>
+            <a:endParaRPr lang="zh-CN" altLang="zh-CN" dirty="0"/>
+          </a:p>
+          <a:p>
+            <a:r>
+              <a:rPr lang="zh-CN" altLang="zh-CN" dirty="0"/>
+              <a:t>这一步需要消耗的时间：</a:t>
+            </a:r>
+            <a:r>
+              <a:rPr lang="en-US" altLang="zh-CN" dirty="0"/>
+              <a:t>C</a:t>
+            </a:r>
+            <a:r>
+              <a:rPr lang="zh-CN" altLang="zh-CN" dirty="0"/>
+              <a:t>（一个系统相关的值） </a:t>
+            </a:r>
+            <a:r>
+              <a:rPr lang="en-US" altLang="zh-CN" dirty="0"/>
+              <a:t>+ </a:t>
+            </a:r>
+            <a:r>
+              <a:rPr lang="en-US" altLang="zh-CN" dirty="0" err="1" smtClean="0"/>
+              <a:t>t_copy</a:t>
+            </a:r>
+            <a:r>
+              <a:rPr lang="en-US" altLang="zh-CN" dirty="0" smtClean="0"/>
+              <a:t> </a:t>
+            </a:r>
+            <a:r>
+              <a:rPr lang="en-US" altLang="zh-CN" dirty="0"/>
+              <a:t>* </a:t>
+            </a:r>
+            <a:r>
+              <a:rPr lang="el-GR" altLang="zh-CN" dirty="0"/>
+              <a:t>Π</a:t>
+            </a:r>
+            <a:r>
+              <a:rPr lang="en-US" altLang="zh-CN" dirty="0"/>
+              <a:t>di</a:t>
+            </a:r>
+            <a:r>
+              <a:rPr lang="zh-CN" altLang="zh-CN" dirty="0"/>
+              <a:t>（将空白数据聚合立方体空间拷贝给</a:t>
+            </a:r>
+            <a:r>
+              <a:rPr lang="en-US" altLang="zh-CN" dirty="0"/>
+              <a:t>kernel</a:t>
+            </a:r>
+            <a:r>
+              <a:rPr lang="zh-CN" altLang="zh-CN" dirty="0"/>
+              <a:t>）</a:t>
+            </a:r>
+          </a:p>
+          <a:p>
+            <a:r>
+              <a:rPr lang="zh-CN" altLang="zh-CN" dirty="0"/>
+              <a:t>这一步中存在的最大空间占用：</a:t>
+            </a:r>
+            <a:r>
+              <a:rPr lang="en-US" altLang="zh-CN" dirty="0"/>
+              <a:t>d</a:t>
+            </a:r>
+            <a:r>
+              <a:rPr lang="zh-CN" altLang="zh-CN" dirty="0"/>
+              <a:t>（数据集的大小）</a:t>
+            </a:r>
+            <a:r>
+              <a:rPr lang="en-US" altLang="zh-CN" dirty="0"/>
+              <a:t> + </a:t>
+            </a:r>
+            <a:r>
+              <a:rPr lang="el-GR" altLang="zh-CN" dirty="0"/>
+              <a:t>Π</a:t>
+            </a:r>
+            <a:r>
+              <a:rPr lang="en-US" altLang="zh-CN" dirty="0"/>
+              <a:t>di * s * 2</a:t>
+            </a:r>
+            <a:r>
+              <a:rPr lang="zh-CN" altLang="zh-CN" dirty="0"/>
+              <a:t>（数据聚合立方体的空间）</a:t>
+            </a:r>
+          </a:p>
+          <a:p>
+            <a:r>
+              <a:rPr lang="en-US" altLang="zh-CN" dirty="0"/>
+              <a:t>1.</a:t>
+            </a:r>
+            <a:r>
+              <a:rPr lang="zh-CN" altLang="zh-CN" dirty="0"/>
+              <a:t>如果仍存在待处理的</a:t>
+            </a:r>
+            <a:r>
+              <a:rPr lang="en-US" altLang="zh-CN" dirty="0"/>
+              <a:t>kernel</a:t>
+            </a:r>
+            <a:r>
+              <a:rPr lang="zh-CN" altLang="zh-CN" dirty="0"/>
+              <a:t>，转</a:t>
+            </a:r>
+            <a:r>
+              <a:rPr lang="en-US" altLang="zh-CN" dirty="0"/>
+              <a:t>2</a:t>
+            </a:r>
+            <a:r>
+              <a:rPr lang="zh-CN" altLang="zh-CN" dirty="0"/>
+              <a:t>；否则转</a:t>
+            </a:r>
+            <a:r>
+              <a:rPr lang="en-US" altLang="zh-CN" dirty="0"/>
+              <a:t>4</a:t>
+            </a:r>
+            <a:endParaRPr lang="zh-CN" altLang="zh-CN" dirty="0"/>
+          </a:p>
+          <a:p>
+            <a:r>
+              <a:rPr lang="en-US" altLang="zh-CN" dirty="0"/>
+              <a:t>2.</a:t>
+            </a:r>
+            <a:r>
+              <a:rPr lang="zh-CN" altLang="zh-CN" dirty="0"/>
+              <a:t>对于每一个正在并行处理的</a:t>
+            </a:r>
+            <a:r>
+              <a:rPr lang="en-US" altLang="zh-CN" dirty="0"/>
+              <a:t>kernel</a:t>
+            </a:r>
+            <a:r>
+              <a:rPr lang="zh-CN" altLang="zh-CN" dirty="0"/>
+              <a:t>，需要完成以下操作</a:t>
+            </a:r>
+          </a:p>
+          <a:p>
+            <a:r>
+              <a:rPr lang="en-US" altLang="zh-CN" dirty="0"/>
+              <a:t>	2.1.</a:t>
+            </a:r>
+            <a:r>
+              <a:rPr lang="zh-CN" altLang="zh-CN" dirty="0"/>
+              <a:t>完成一次对于数据集的完整</a:t>
+            </a:r>
+            <a:r>
+              <a:rPr lang="en-US" altLang="zh-CN" dirty="0"/>
+              <a:t>scan</a:t>
+            </a:r>
+            <a:endParaRPr lang="zh-CN" altLang="zh-CN" dirty="0"/>
+          </a:p>
+          <a:p>
+            <a:r>
+              <a:rPr lang="en-US" altLang="zh-CN" dirty="0"/>
+              <a:t>	2.2.</a:t>
+            </a:r>
+            <a:r>
+              <a:rPr lang="zh-CN" altLang="zh-CN" dirty="0"/>
+              <a:t>以扫描的结果生成对应的</a:t>
+            </a:r>
+            <a:r>
+              <a:rPr lang="en-US" altLang="zh-CN" dirty="0" smtClean="0"/>
+              <a:t>cells</a:t>
+            </a:r>
+            <a:r>
+              <a:rPr lang="zh-CN" altLang="zh-CN" dirty="0"/>
+              <a:t>（通过直接修改</a:t>
+            </a:r>
+            <a:r>
+              <a:rPr lang="en-US" altLang="zh-CN" dirty="0"/>
+              <a:t>shared memory</a:t>
+            </a:r>
+            <a:r>
+              <a:rPr lang="zh-CN" altLang="zh-CN" dirty="0"/>
+              <a:t>中的对应</a:t>
+            </a:r>
+            <a:r>
+              <a:rPr lang="en-US" altLang="zh-CN" dirty="0"/>
+              <a:t>cells</a:t>
+            </a:r>
+            <a:r>
+              <a:rPr lang="zh-CN" altLang="zh-CN" dirty="0"/>
+              <a:t>的内存实现）</a:t>
+            </a:r>
+          </a:p>
+          <a:p>
+            <a:r>
+              <a:rPr lang="zh-CN" altLang="zh-CN" dirty="0"/>
+              <a:t>对于每个</a:t>
+            </a:r>
+            <a:r>
+              <a:rPr lang="en-US" altLang="zh-CN" dirty="0"/>
+              <a:t>kernel</a:t>
+            </a:r>
+            <a:r>
+              <a:rPr lang="zh-CN" altLang="zh-CN" dirty="0" smtClean="0"/>
+              <a:t>，其运行时间为</a:t>
+            </a:r>
+            <a:r>
+              <a:rPr lang="en-US" altLang="zh-CN" dirty="0" err="1" smtClean="0"/>
+              <a:t>t_scan</a:t>
+            </a:r>
+            <a:endParaRPr lang="zh-CN" altLang="zh-CN" dirty="0"/>
+          </a:p>
+          <a:p>
+            <a:r>
+              <a:rPr lang="zh-CN" altLang="zh-CN" dirty="0"/>
+              <a:t>较上一步没有额外的空间占用</a:t>
+            </a:r>
+          </a:p>
+          <a:p>
+            <a:r>
+              <a:rPr lang="en-US" altLang="zh-CN" dirty="0"/>
+              <a:t>3.</a:t>
+            </a:r>
+            <a:r>
+              <a:rPr lang="zh-CN" altLang="zh-CN" dirty="0"/>
+              <a:t>转</a:t>
+            </a:r>
+            <a:r>
+              <a:rPr lang="en-US" altLang="zh-CN" dirty="0"/>
+              <a:t>1</a:t>
+            </a:r>
+            <a:endParaRPr lang="zh-CN" altLang="zh-CN" dirty="0"/>
+          </a:p>
+          <a:p>
+            <a:r>
+              <a:rPr lang="en-US" altLang="zh-CN" dirty="0"/>
+              <a:t>4.</a:t>
+            </a:r>
+            <a:r>
+              <a:rPr lang="zh-CN" altLang="zh-CN" dirty="0"/>
+              <a:t>将并行模型中的计算结果（生成完毕的数据聚合立方体）由并行模型中拷贝到主存</a:t>
+            </a:r>
+          </a:p>
+          <a:p>
+            <a:r>
+              <a:rPr lang="zh-CN" altLang="zh-CN" dirty="0"/>
+              <a:t>这一步需要消耗的时间：</a:t>
+            </a:r>
+            <a:r>
+              <a:rPr lang="en-US" altLang="zh-CN" dirty="0" err="1" smtClean="0"/>
+              <a:t>t_copy</a:t>
+            </a:r>
+            <a:r>
+              <a:rPr lang="en-US" altLang="zh-CN" dirty="0" smtClean="0"/>
+              <a:t> </a:t>
+            </a:r>
+            <a:r>
+              <a:rPr lang="en-US" altLang="zh-CN" dirty="0"/>
+              <a:t>* </a:t>
+            </a:r>
+            <a:r>
+              <a:rPr lang="el-GR" altLang="zh-CN" dirty="0"/>
+              <a:t>Π</a:t>
+            </a:r>
+            <a:r>
+              <a:rPr lang="en-US" altLang="zh-CN" dirty="0"/>
+              <a:t>di</a:t>
+            </a:r>
+            <a:r>
+              <a:rPr lang="zh-CN" altLang="zh-CN" dirty="0"/>
+              <a:t>（将生成的数据聚合立方体空间拷贝给主存）</a:t>
+            </a:r>
+          </a:p>
+          <a:p>
+            <a:r>
+              <a:rPr lang="zh-CN" altLang="zh-CN" dirty="0"/>
+              <a:t>这一步存在的最大空间占用：</a:t>
+            </a:r>
+            <a:r>
+              <a:rPr lang="en-US" altLang="zh-CN" dirty="0"/>
+              <a:t>d</a:t>
+            </a:r>
+            <a:r>
+              <a:rPr lang="zh-CN" altLang="zh-CN" dirty="0"/>
+              <a:t>（数据集的大小）</a:t>
+            </a:r>
+            <a:r>
+              <a:rPr lang="en-US" altLang="zh-CN" dirty="0"/>
+              <a:t> + </a:t>
+            </a:r>
+            <a:r>
+              <a:rPr lang="el-GR" altLang="zh-CN" dirty="0"/>
+              <a:t>Π</a:t>
+            </a:r>
+            <a:r>
+              <a:rPr lang="en-US" altLang="zh-CN" dirty="0"/>
+              <a:t>di * s * 2</a:t>
+            </a:r>
+            <a:r>
+              <a:rPr lang="zh-CN" altLang="zh-CN" dirty="0"/>
+              <a:t>（数据聚合立方体的空间）</a:t>
+            </a:r>
+          </a:p>
+          <a:p>
+            <a:r>
+              <a:rPr lang="en-US" altLang="zh-CN" dirty="0"/>
+              <a:t>5.</a:t>
+            </a:r>
+            <a:r>
+              <a:rPr lang="zh-CN" altLang="zh-CN" dirty="0"/>
+              <a:t>（由于只存在一个</a:t>
+            </a:r>
+            <a:r>
+              <a:rPr lang="en-US" altLang="zh-CN" dirty="0"/>
+              <a:t>part</a:t>
+            </a:r>
+            <a:r>
+              <a:rPr lang="zh-CN" altLang="zh-CN" dirty="0"/>
+              <a:t>的数据聚合立方体，因此多</a:t>
+            </a:r>
+            <a:r>
+              <a:rPr lang="en-US" altLang="zh-CN" dirty="0"/>
+              <a:t>part</a:t>
+            </a:r>
+            <a:r>
+              <a:rPr lang="zh-CN" altLang="zh-CN" dirty="0"/>
+              <a:t>的数据聚合立方体进一步聚合成为一个立方体的操作免去</a:t>
+            </a:r>
+            <a:r>
+              <a:rPr lang="zh-CN" altLang="zh-CN" dirty="0" smtClean="0"/>
+              <a:t>）</a:t>
+            </a:r>
+            <a:endParaRPr lang="zh-CN" altLang="zh-CN" dirty="0"/>
           </a:p>
         </p:txBody>
       </p:sp>
     </p:spTree>
     <p:extLst>
       <p:ext uri="{BB962C8B-B14F-4D97-AF65-F5344CB8AC3E}">
-        <p14:creationId xmlns:p14="http://schemas.microsoft.com/office/powerpoint/2010/main" val="158219728"/>
+        <p14:creationId xmlns:p14="http://schemas.microsoft.com/office/powerpoint/2010/main" val="527272233"/>
       </p:ext>
     </p:extLst>
   </p:cSld>
@@ -7339,7 +10596,7 @@
         <p:spPr>
           <a:xfrm>
             <a:off x="1484310" y="2666999"/>
-            <a:ext cx="10018713" cy="3852554"/>
+            <a:ext cx="10018713" cy="4191001"/>
           </a:xfrm>
         </p:spPr>
         <p:txBody>
@@ -7349,109 +10606,117 @@
           <a:lstStyle/>
           <a:p>
             <a:r>
-              <a:rPr kumimoji="1" lang="en-US" altLang="zh-CN" dirty="0" smtClean="0"/>
-              <a:t>An approach to save time as much as possible: Aggregation from </a:t>
-            </a:r>
-            <a:r>
-              <a:rPr kumimoji="1" lang="en-US" altLang="zh-CN" dirty="0" smtClean="0">
-                <a:solidFill>
-                  <a:srgbClr val="FF0000"/>
-                </a:solidFill>
-              </a:rPr>
-              <a:t>each part of the dataset</a:t>
-            </a:r>
-          </a:p>
-          <a:p>
-            <a:pPr lvl="1"/>
-            <a:r>
-              <a:rPr kumimoji="1" lang="en-US" altLang="zh-CN" dirty="0" smtClean="0"/>
-              <a:t>Assumption: k kernels to do this work, dimension (d1, d2, </a:t>
-            </a:r>
-            <a:r>
-              <a:rPr kumimoji="1" lang="mr-IN" altLang="zh-CN" dirty="0" smtClean="0"/>
-              <a:t>…</a:t>
-            </a:r>
-            <a:r>
-              <a:rPr kumimoji="1" lang="en-US" altLang="zh-CN" dirty="0" smtClean="0"/>
-              <a:t>, </a:t>
-            </a:r>
-            <a:r>
-              <a:rPr kumimoji="1" lang="en-US" altLang="zh-CN" dirty="0" err="1" smtClean="0"/>
-              <a:t>dn</a:t>
-            </a:r>
-            <a:r>
-              <a:rPr kumimoji="1" lang="en-US" altLang="zh-CN" dirty="0" smtClean="0"/>
-              <a:t>), a cell of aggregation’s size: s, time to scan dataset: t, time to copy a cell: t’, time to aggregate a partial aggregation into global aggregation: t’’, </a:t>
-            </a:r>
-            <a:r>
-              <a:rPr kumimoji="1" lang="en-US" altLang="zh-CN" dirty="0"/>
-              <a:t>dataset size: </a:t>
-            </a:r>
-            <a:r>
-              <a:rPr kumimoji="1" lang="en-US" altLang="zh-CN" dirty="0" smtClean="0"/>
-              <a:t>d</a:t>
-            </a:r>
-          </a:p>
-          <a:p>
-            <a:pPr lvl="1"/>
-            <a:r>
-              <a:rPr kumimoji="1" lang="en-US" altLang="zh-CN" dirty="0" smtClean="0"/>
-              <a:t>time consumed: t / k + t’ * k </a:t>
-            </a:r>
-            <a:r>
-              <a:rPr kumimoji="1" lang="en-US" altLang="zh-CN" dirty="0"/>
-              <a:t>* </a:t>
-            </a:r>
-            <a:r>
-              <a:rPr kumimoji="1" lang="en-US" altLang="zh-CN" dirty="0" err="1" smtClean="0"/>
-              <a:t>Πdi</a:t>
-            </a:r>
-            <a:r>
-              <a:rPr kumimoji="1" lang="en-US" altLang="zh-CN" dirty="0" smtClean="0"/>
-              <a:t> + t’’ * k</a:t>
-            </a:r>
-          </a:p>
-          <a:p>
-            <a:pPr lvl="1"/>
-            <a:r>
-              <a:rPr kumimoji="1" lang="en-US" altLang="zh-CN" dirty="0" smtClean="0"/>
-              <a:t>max memory occupation: d + s * </a:t>
-            </a:r>
-            <a:r>
-              <a:rPr kumimoji="1" lang="en-US" altLang="zh-CN" dirty="0" smtClean="0">
-                <a:solidFill>
-                  <a:srgbClr val="FF0000"/>
-                </a:solidFill>
-              </a:rPr>
-              <a:t>(k + 1) * </a:t>
-            </a:r>
-            <a:r>
-              <a:rPr kumimoji="1" lang="en-US" altLang="zh-CN" dirty="0" err="1" smtClean="0">
-                <a:solidFill>
-                  <a:srgbClr val="FF0000"/>
-                </a:solidFill>
-              </a:rPr>
-              <a:t>Πdi</a:t>
-            </a:r>
-            <a:endParaRPr kumimoji="1" lang="en-US" altLang="zh-CN" dirty="0" smtClean="0">
-              <a:solidFill>
-                <a:srgbClr val="FF0000"/>
-              </a:solidFill>
-            </a:endParaRPr>
-          </a:p>
-          <a:p>
-            <a:pPr lvl="2"/>
-            <a:r>
-              <a:rPr kumimoji="1" lang="en-US" altLang="zh-CN" dirty="0" smtClean="0"/>
-              <a:t>Sometimes it can be very big (especially when considering GPU memory)</a:t>
-            </a:r>
+              <a:rPr lang="zh-CN" altLang="zh-CN" dirty="0"/>
+              <a:t>考察：总共有</a:t>
+            </a:r>
+            <a:r>
+              <a:rPr lang="el-GR" altLang="zh-CN" dirty="0"/>
+              <a:t>Π</a:t>
+            </a:r>
+            <a:r>
+              <a:rPr lang="en-US" altLang="zh-CN" dirty="0"/>
+              <a:t>di / g</a:t>
+            </a:r>
+            <a:r>
+              <a:rPr lang="zh-CN" altLang="zh-CN" dirty="0"/>
+              <a:t>个</a:t>
+            </a:r>
+            <a:r>
+              <a:rPr lang="en-US" altLang="zh-CN" dirty="0"/>
+              <a:t>kernel</a:t>
+            </a:r>
+            <a:r>
+              <a:rPr lang="zh-CN" altLang="zh-CN" dirty="0"/>
+              <a:t>需要被执行以保证所有的</a:t>
+            </a:r>
+            <a:r>
+              <a:rPr lang="en-US" altLang="zh-CN" dirty="0"/>
+              <a:t>cells</a:t>
+            </a:r>
+            <a:r>
+              <a:rPr lang="zh-CN" altLang="zh-CN" dirty="0"/>
+              <a:t>被生成，而同时并行执行的</a:t>
+            </a:r>
+            <a:r>
+              <a:rPr lang="en-US" altLang="zh-CN" dirty="0"/>
+              <a:t>kernel</a:t>
+            </a:r>
+            <a:r>
+              <a:rPr lang="zh-CN" altLang="zh-CN" dirty="0"/>
+              <a:t>数量为</a:t>
+            </a:r>
+            <a:r>
+              <a:rPr lang="en-US" altLang="zh-CN" dirty="0"/>
+              <a:t>k</a:t>
+            </a:r>
+            <a:r>
+              <a:rPr lang="zh-CN" altLang="zh-CN" dirty="0"/>
+              <a:t>，步骤</a:t>
+            </a:r>
+            <a:r>
+              <a:rPr lang="en-US" altLang="zh-CN" dirty="0"/>
+              <a:t>2</a:t>
+            </a:r>
+            <a:r>
+              <a:rPr lang="zh-CN" altLang="zh-CN" dirty="0"/>
+              <a:t>的总时间开销应该为：</a:t>
+            </a:r>
+            <a:r>
+              <a:rPr lang="en-US" altLang="zh-CN" dirty="0"/>
+              <a:t>t * (</a:t>
+            </a:r>
+            <a:r>
+              <a:rPr lang="el-GR" altLang="zh-CN" dirty="0"/>
+              <a:t>Π</a:t>
+            </a:r>
+            <a:r>
+              <a:rPr lang="en-US" altLang="zh-CN" dirty="0"/>
+              <a:t>di / k / g)</a:t>
+            </a:r>
+            <a:r>
+              <a:rPr lang="zh-CN" altLang="zh-CN" dirty="0"/>
+              <a:t>，并且注意到</a:t>
+            </a:r>
+            <a:r>
+              <a:rPr lang="en-US" altLang="zh-CN" dirty="0"/>
+              <a:t>k</a:t>
+            </a:r>
+            <a:r>
+              <a:rPr lang="zh-CN" altLang="zh-CN" dirty="0"/>
+              <a:t>不可能大于</a:t>
+            </a:r>
+            <a:r>
+              <a:rPr lang="el-GR" altLang="zh-CN" dirty="0"/>
+              <a:t>Π</a:t>
+            </a:r>
+            <a:r>
+              <a:rPr lang="en-US" altLang="zh-CN" dirty="0"/>
+              <a:t>di / g</a:t>
+            </a:r>
+            <a:r>
+              <a:rPr lang="zh-CN" altLang="zh-CN" dirty="0"/>
+              <a:t>，即有约束条件</a:t>
+            </a:r>
+            <a:r>
+              <a:rPr lang="el-GR" altLang="zh-CN" dirty="0"/>
+              <a:t>Π</a:t>
+            </a:r>
+            <a:r>
+              <a:rPr lang="en-US" altLang="zh-CN" dirty="0"/>
+              <a:t>di &gt;= g * </a:t>
+            </a:r>
+            <a:r>
+              <a:rPr lang="en-US" altLang="zh-CN" dirty="0" smtClean="0"/>
+              <a:t>k</a:t>
+            </a:r>
+            <a:endParaRPr lang="zh-CN" altLang="zh-CN" dirty="0"/>
           </a:p>
         </p:txBody>
       </p:sp>
     </p:spTree>
     <p:extLst>
       <p:ext uri="{BB962C8B-B14F-4D97-AF65-F5344CB8AC3E}">
-        <p14:creationId xmlns:p14="http://schemas.microsoft.com/office/powerpoint/2010/main" val="120007720"/>
+        <p14:creationId xmlns:p14="http://schemas.microsoft.com/office/powerpoint/2010/main" val="1808267359"/>
       </p:ext>
     </p:extLst>
   </p:cSld>
@@ -7494,8 +10759,8 @@
           <a:lstStyle/>
           <a:p>
             <a:r>
-              <a:rPr kumimoji="1" lang="en-US" altLang="zh-CN" dirty="0" smtClean="0"/>
-              <a:t>Discussion</a:t>
+              <a:rPr kumimoji="1" lang="en-US" altLang="zh-CN" dirty="0"/>
+              <a:t>Two kinds of approaches to generate data aggregation cube</a:t>
             </a:r>
             <a:endParaRPr kumimoji="1" lang="zh-CN" altLang="en-US" dirty="0"/>
           </a:p>
@@ -7514,22 +10779,18 @@
         <p:spPr>
           <a:xfrm>
             <a:off x="1484310" y="2666999"/>
-            <a:ext cx="10018713" cy="4191001"/>
+            <a:ext cx="10018713" cy="3911931"/>
           </a:xfrm>
         </p:spPr>
         <p:txBody>
-          <a:bodyPr anchor="t"/>
-          <a:lstStyle/>
-          <a:p>
-            <a:r>
-              <a:rPr kumimoji="1" lang="en-US" altLang="zh-CN" dirty="0" smtClean="0"/>
-              <a:t>Can we combine two approaches into one?</a:t>
-            </a:r>
-          </a:p>
-          <a:p>
-            <a:r>
-              <a:rPr kumimoji="1" lang="en-US" altLang="zh-CN" dirty="0" smtClean="0"/>
-              <a:t>Use a kernel to generate </a:t>
+          <a:bodyPr anchor="t">
+            <a:normAutofit/>
+          </a:bodyPr>
+          <a:lstStyle/>
+          <a:p>
+            <a:r>
+              <a:rPr kumimoji="1" lang="en-US" altLang="zh-CN" dirty="0" smtClean="0"/>
+              <a:t>An approach to save memory as much as possible: Aggregation from </a:t>
             </a:r>
             <a:r>
               <a:rPr kumimoji="1" lang="en-US" altLang="zh-CN" dirty="0" smtClean="0">
@@ -7537,96 +10798,162 @@
                   <a:srgbClr val="FF0000"/>
                 </a:solidFill>
               </a:rPr>
-              <a:t>some cells on a subset of dataset</a:t>
-            </a:r>
-          </a:p>
-          <a:p>
-            <a:r>
-              <a:rPr kumimoji="1" lang="en-US" altLang="zh-CN" dirty="0" smtClean="0"/>
-              <a:t>For example: a kernel scans the 3</a:t>
-            </a:r>
-            <a:r>
-              <a:rPr kumimoji="1" lang="en-US" altLang="zh-CN" baseline="30000" dirty="0" smtClean="0"/>
-              <a:t>rd</a:t>
-            </a:r>
-            <a:r>
-              <a:rPr kumimoji="1" lang="en-US" altLang="zh-CN" dirty="0" smtClean="0"/>
-              <a:t> part dataset (5 parts at total) to generate all the cells that meets format (3, 7, z)</a:t>
-            </a:r>
-          </a:p>
-          <a:p>
-            <a:r>
-              <a:rPr kumimoji="1" lang="en-US" altLang="zh-CN" dirty="0" smtClean="0"/>
-              <a:t>time consumed: t </a:t>
-            </a:r>
-            <a:r>
-              <a:rPr kumimoji="1" lang="en-US" altLang="zh-CN" dirty="0"/>
+              <a:t>each cell</a:t>
+            </a:r>
+          </a:p>
+          <a:p>
+            <a:pPr lvl="1"/>
+            <a:r>
+              <a:rPr kumimoji="1" lang="en-US" altLang="zh-CN" dirty="0" smtClean="0"/>
+              <a:t>max memory occupation: </a:t>
+            </a:r>
+            <a:r>
+              <a:rPr lang="en-US" altLang="zh-CN" dirty="0"/>
+              <a:t>d + 2 * </a:t>
+            </a:r>
+            <a:r>
+              <a:rPr lang="el-GR" altLang="zh-CN" dirty="0"/>
+              <a:t>Π</a:t>
+            </a:r>
+            <a:r>
+              <a:rPr lang="en-US" altLang="zh-CN" dirty="0"/>
+              <a:t>di * s</a:t>
+            </a:r>
+            <a:r>
+              <a:rPr lang="zh-CN" altLang="zh-CN" dirty="0"/>
+              <a:t> </a:t>
+            </a:r>
+            <a:endParaRPr lang="en-US" altLang="zh-CN" dirty="0" smtClean="0"/>
+          </a:p>
+          <a:p>
+            <a:pPr lvl="1"/>
+            <a:r>
+              <a:rPr kumimoji="1" lang="en-US" altLang="zh-CN" dirty="0" smtClean="0"/>
+              <a:t>time consumed: </a:t>
+            </a:r>
+            <a:r>
+              <a:rPr lang="en-US" altLang="zh-CN" dirty="0" err="1" smtClean="0">
+                <a:solidFill>
+                  <a:srgbClr val="FF0000"/>
+                </a:solidFill>
+              </a:rPr>
+              <a:t>t_scan</a:t>
+            </a:r>
+            <a:r>
+              <a:rPr lang="en-US" altLang="zh-CN" dirty="0" smtClean="0">
+                <a:solidFill>
+                  <a:srgbClr val="FF0000"/>
+                </a:solidFill>
+              </a:rPr>
+              <a:t> </a:t>
+            </a:r>
+            <a:r>
+              <a:rPr lang="en-US" altLang="zh-CN" dirty="0">
+                <a:solidFill>
+                  <a:srgbClr val="FF0000"/>
+                </a:solidFill>
+              </a:rPr>
+              <a:t>* (</a:t>
+            </a:r>
+            <a:r>
+              <a:rPr lang="el-GR" altLang="zh-CN" dirty="0">
+                <a:solidFill>
+                  <a:srgbClr val="FF0000"/>
+                </a:solidFill>
+              </a:rPr>
+              <a:t>Π</a:t>
+            </a:r>
+            <a:r>
+              <a:rPr lang="en-US" altLang="zh-CN" dirty="0">
+                <a:solidFill>
+                  <a:srgbClr val="FF0000"/>
+                </a:solidFill>
+              </a:rPr>
+              <a:t>di / k / g) </a:t>
+            </a:r>
+            <a:r>
+              <a:rPr lang="en-US" altLang="zh-CN" dirty="0"/>
+              <a:t>+ C + 2 * </a:t>
+            </a:r>
+            <a:r>
+              <a:rPr lang="en-US" altLang="zh-CN" dirty="0" err="1" smtClean="0"/>
+              <a:t>t_copy</a:t>
+            </a:r>
+            <a:r>
+              <a:rPr lang="en-US" altLang="zh-CN" dirty="0" smtClean="0"/>
+              <a:t> </a:t>
+            </a:r>
+            <a:r>
+              <a:rPr lang="en-US" altLang="zh-CN" dirty="0"/>
               <a:t>* </a:t>
             </a:r>
             <a:r>
-              <a:rPr kumimoji="1" lang="en-US" altLang="zh-CN" dirty="0" err="1" smtClean="0"/>
-              <a:t>Πdi</a:t>
-            </a:r>
-            <a:r>
-              <a:rPr kumimoji="1" lang="en-US" altLang="zh-CN" dirty="0" smtClean="0"/>
-              <a:t> / g / k + </a:t>
-            </a:r>
-            <a:r>
-              <a:rPr kumimoji="1" lang="en-US" altLang="zh-CN" dirty="0" err="1" smtClean="0"/>
-              <a:t>Πdi</a:t>
-            </a:r>
-            <a:r>
-              <a:rPr kumimoji="1" lang="en-US" altLang="zh-CN" dirty="0" smtClean="0"/>
-              <a:t> * p * t’ + t’’ * p (p: part amount of the dataset)</a:t>
-            </a:r>
-          </a:p>
-          <a:p>
-            <a:r>
-              <a:rPr kumimoji="1" lang="en-US" altLang="zh-CN" dirty="0" smtClean="0"/>
-              <a:t>max memory occupation: d + (k * g + </a:t>
-            </a:r>
-            <a:r>
-              <a:rPr kumimoji="1" lang="en-US" altLang="zh-CN" dirty="0" err="1" smtClean="0"/>
-              <a:t>Πdi</a:t>
-            </a:r>
-            <a:r>
-              <a:rPr kumimoji="1" lang="en-US" altLang="zh-CN" dirty="0" smtClean="0"/>
-              <a:t>) * s</a:t>
-            </a:r>
-          </a:p>
-          <a:p>
-            <a:pPr lvl="1"/>
-            <a:r>
-              <a:rPr kumimoji="1" lang="en-US" altLang="zh-CN" dirty="0" smtClean="0"/>
-              <a:t>Approach 2 is the situation that p = k and g = </a:t>
-            </a:r>
-            <a:r>
-              <a:rPr kumimoji="1" lang="en-US" altLang="zh-CN" dirty="0" err="1" smtClean="0"/>
-              <a:t>Πdi</a:t>
-            </a:r>
-            <a:endParaRPr kumimoji="1" lang="en-US" altLang="zh-CN" dirty="0" smtClean="0"/>
-          </a:p>
-          <a:p>
-            <a:pPr lvl="1"/>
-            <a:r>
-              <a:rPr kumimoji="1" lang="en-US" altLang="zh-CN" dirty="0" smtClean="0"/>
-              <a:t>Approach 1 is the situation that p = 1 and (g * k | </a:t>
-            </a:r>
-            <a:r>
-              <a:rPr kumimoji="1" lang="en-US" altLang="zh-CN" dirty="0" err="1" smtClean="0"/>
-              <a:t>Πdi</a:t>
-            </a:r>
-            <a:r>
-              <a:rPr kumimoji="1" lang="en-US" altLang="zh-CN" dirty="0" smtClean="0"/>
+              <a:rPr lang="el-GR" altLang="zh-CN" dirty="0"/>
+              <a:t>Π</a:t>
+            </a:r>
+            <a:r>
+              <a:rPr lang="en-US" altLang="zh-CN" dirty="0"/>
+              <a:t>di </a:t>
+            </a:r>
+            <a:r>
+              <a:rPr lang="en-US" altLang="zh-CN" dirty="0">
+                <a:solidFill>
+                  <a:srgbClr val="FF0000"/>
+                </a:solidFill>
+              </a:rPr>
+              <a:t>(+ 0 * </a:t>
+            </a:r>
+            <a:r>
+              <a:rPr lang="en-US" altLang="zh-CN" dirty="0" err="1" smtClean="0">
+                <a:solidFill>
+                  <a:srgbClr val="FF0000"/>
+                </a:solidFill>
+              </a:rPr>
+              <a:t>t_agg</a:t>
+            </a:r>
+            <a:r>
+              <a:rPr lang="en-US" altLang="zh-CN" dirty="0" smtClean="0">
+                <a:solidFill>
+                  <a:srgbClr val="FF0000"/>
+                </a:solidFill>
+              </a:rPr>
               <a:t>)</a:t>
             </a:r>
+            <a:r>
+              <a:rPr lang="zh-CN" altLang="zh-CN" dirty="0" smtClean="0">
+                <a:solidFill>
+                  <a:srgbClr val="FF0000"/>
+                </a:solidFill>
+              </a:rPr>
+              <a:t> </a:t>
+            </a:r>
+            <a:endParaRPr lang="en-US" altLang="zh-CN" dirty="0" smtClean="0">
+              <a:solidFill>
+                <a:srgbClr val="FF0000"/>
+              </a:solidFill>
+            </a:endParaRPr>
+          </a:p>
+          <a:p>
+            <a:pPr lvl="2"/>
+            <a:r>
+              <a:rPr kumimoji="1" lang="en-US" altLang="zh-CN" dirty="0" smtClean="0"/>
+              <a:t>Sometimes it will take too long time to do this part</a:t>
+            </a:r>
+            <a:endParaRPr kumimoji="1" lang="en-US" altLang="zh-CN" dirty="0"/>
+          </a:p>
+          <a:p>
+            <a:endParaRPr kumimoji="1" lang="zh-CN" altLang="en-US" dirty="0">
+              <a:solidFill>
+                <a:srgbClr val="FF0000"/>
+              </a:solidFill>
+            </a:endParaRPr>
           </a:p>
         </p:txBody>
       </p:sp>
     </p:spTree>
     <p:extLst>
       <p:ext uri="{BB962C8B-B14F-4D97-AF65-F5344CB8AC3E}">
-        <p14:creationId xmlns:p14="http://schemas.microsoft.com/office/powerpoint/2010/main" val="609998903"/>
+        <p14:creationId xmlns:p14="http://schemas.microsoft.com/office/powerpoint/2010/main" val="1055283545"/>
       </p:ext>
     </p:extLst>
   </p:cSld>
@@ -7670,11 +10997,7 @@
           <a:p>
             <a:r>
               <a:rPr kumimoji="1" lang="en-US" altLang="zh-CN" dirty="0"/>
-              <a:t>One simple evaluation function to determine what is </a:t>
-            </a:r>
-            <a:r>
-              <a:rPr kumimoji="1" lang="en-US" altLang="zh-CN" dirty="0" smtClean="0"/>
-              <a:t>optimal (at time factor)</a:t>
+              <a:t>Two kinds of approaches to generate data aggregation cube</a:t>
             </a:r>
             <a:endParaRPr kumimoji="1" lang="zh-CN" altLang="en-US" dirty="0"/>
           </a:p>
@@ -7690,29 +11013,118 @@
             <p:ph idx="1"/>
           </p:nvPr>
         </p:nvSpPr>
-        <p:spPr/>
-        <p:txBody>
-          <a:bodyPr anchor="t"/>
-          <a:lstStyle/>
-          <a:p>
-            <a:r>
-              <a:rPr kumimoji="1" lang="en-US" altLang="zh-CN" dirty="0" smtClean="0"/>
-              <a:t>Assumption: Each aggregation cell has the same structure</a:t>
+        <p:spPr>
+          <a:xfrm>
+            <a:off x="1484310" y="2666999"/>
+            <a:ext cx="10018713" cy="3615048"/>
+          </a:xfrm>
+        </p:spPr>
+        <p:txBody>
+          <a:bodyPr anchor="t">
+            <a:normAutofit/>
+          </a:bodyPr>
+          <a:lstStyle/>
+          <a:p>
+            <a:r>
+              <a:rPr kumimoji="1" lang="en-US" altLang="zh-CN" dirty="0" smtClean="0"/>
+              <a:t>An approach to save time as much as possible: Aggregation from </a:t>
+            </a:r>
+            <a:r>
+              <a:rPr kumimoji="1" lang="en-US" altLang="zh-CN" dirty="0" smtClean="0">
+                <a:solidFill>
+                  <a:srgbClr val="FF0000"/>
+                </a:solidFill>
+              </a:rPr>
+              <a:t>each part of the dataset</a:t>
             </a:r>
           </a:p>
           <a:p>
             <a:pPr lvl="1"/>
             <a:r>
-              <a:rPr kumimoji="1" lang="en-US" altLang="zh-CN" dirty="0" smtClean="0"/>
-              <a:t>-&gt; The operations of one cell take the same time even cell itself is different</a:t>
-            </a:r>
+              <a:rPr kumimoji="1" lang="en-US" altLang="zh-CN" dirty="0"/>
+              <a:t>We use a kernel to generate </a:t>
+            </a:r>
+            <a:r>
+              <a:rPr kumimoji="1" lang="en-US" altLang="zh-CN" b="1" u="sng" dirty="0" smtClean="0">
+                <a:solidFill>
+                  <a:srgbClr val="FF0000"/>
+                </a:solidFill>
+              </a:rPr>
+              <a:t>a </a:t>
+            </a:r>
+            <a:r>
+              <a:rPr kumimoji="1" lang="en-US" altLang="zh-CN" b="1" u="sng" dirty="0">
+                <a:solidFill>
+                  <a:srgbClr val="FF0000"/>
+                </a:solidFill>
+              </a:rPr>
+              <a:t>specific </a:t>
+            </a:r>
+            <a:r>
+              <a:rPr kumimoji="1" lang="en-US" altLang="zh-CN" b="1" u="sng" dirty="0" smtClean="0">
+                <a:solidFill>
+                  <a:srgbClr val="FF0000"/>
+                </a:solidFill>
+              </a:rPr>
+              <a:t>subset of dataset’s </a:t>
+            </a:r>
+            <a:r>
+              <a:rPr kumimoji="1" lang="en-US" altLang="zh-CN" dirty="0" smtClean="0"/>
+              <a:t>aggregation (completed)</a:t>
+            </a:r>
+          </a:p>
+          <a:p>
+            <a:pPr lvl="2"/>
+            <a:r>
+              <a:rPr kumimoji="1" lang="en-US" altLang="zh-CN" dirty="0" smtClean="0"/>
+              <a:t>Each kernel uses </a:t>
+            </a:r>
+            <a:r>
+              <a:rPr kumimoji="1" lang="en-US" altLang="zh-CN" dirty="0" smtClean="0">
+                <a:solidFill>
+                  <a:srgbClr val="FF0000"/>
+                </a:solidFill>
+              </a:rPr>
+              <a:t>a local memory </a:t>
+            </a:r>
+            <a:r>
+              <a:rPr kumimoji="1" lang="en-US" altLang="zh-CN" dirty="0" smtClean="0"/>
+              <a:t>to store the complete aggregation result of corresponding subset of dataset</a:t>
+            </a:r>
+          </a:p>
+          <a:p>
+            <a:pPr lvl="3"/>
+            <a:r>
+              <a:rPr kumimoji="1" lang="en-US" altLang="zh-CN" dirty="0" smtClean="0"/>
+              <a:t>(?)Even in this situation we can still </a:t>
+            </a:r>
+            <a:r>
+              <a:rPr kumimoji="1" lang="en-US" altLang="zh-CN" dirty="0" smtClean="0">
+                <a:solidFill>
+                  <a:srgbClr val="FF0000"/>
+                </a:solidFill>
+              </a:rPr>
+              <a:t>use a shared memory and divide it into many parts </a:t>
+            </a:r>
+            <a:r>
+              <a:rPr kumimoji="1" lang="en-US" altLang="zh-CN" dirty="0" smtClean="0"/>
+              <a:t>for each kernel to save some copy time</a:t>
+            </a:r>
+          </a:p>
+          <a:p>
+            <a:pPr lvl="2"/>
+            <a:r>
+              <a:rPr kumimoji="1" lang="en-US" altLang="zh-CN" dirty="0" smtClean="0"/>
+              <a:t>A extra aggregation is needed to aggregate every partial aggregation into a completed aggregation</a:t>
+            </a:r>
+            <a:endParaRPr kumimoji="1" lang="en-US" altLang="zh-CN" dirty="0"/>
           </a:p>
         </p:txBody>
       </p:sp>
     </p:spTree>
     <p:extLst>
       <p:ext uri="{BB962C8B-B14F-4D97-AF65-F5344CB8AC3E}">
-        <p14:creationId xmlns:p14="http://schemas.microsoft.com/office/powerpoint/2010/main" val="532537697"/>
+        <p14:creationId xmlns:p14="http://schemas.microsoft.com/office/powerpoint/2010/main" val="158219728"/>
       </p:ext>
     </p:extLst>
   </p:cSld>
